--- a/Bloc1/bloc1_kayak.pptx
+++ b/Bloc1/bloc1_kayak.pptx
@@ -5,40 +5,45 @@
     <p:sldMasterId id="2147483659" r:id="rId1"/>
   </p:sldMasterIdLst>
   <p:notesMasterIdLst>
-    <p:notesMasterId r:id="rId9"/>
+    <p:notesMasterId r:id="rId10"/>
   </p:notesMasterIdLst>
   <p:sldIdLst>
     <p:sldId id="256" r:id="rId2"/>
     <p:sldId id="257" r:id="rId3"/>
-    <p:sldId id="258" r:id="rId4"/>
-    <p:sldId id="259" r:id="rId5"/>
-    <p:sldId id="260" r:id="rId6"/>
-    <p:sldId id="261" r:id="rId7"/>
-    <p:sldId id="262" r:id="rId8"/>
+    <p:sldId id="344" r:id="rId4"/>
+    <p:sldId id="258" r:id="rId5"/>
+    <p:sldId id="259" r:id="rId6"/>
+    <p:sldId id="260" r:id="rId7"/>
+    <p:sldId id="261" r:id="rId8"/>
+    <p:sldId id="262" r:id="rId9"/>
   </p:sldIdLst>
   <p:sldSz cx="9144000" cy="5143500" type="screen16x9"/>
   <p:notesSz cx="6858000" cy="9144000"/>
   <p:embeddedFontLst>
     <p:embeddedFont>
       <p:font typeface="Inter" panose="020B0604020202020204" charset="0"/>
-      <p:regular r:id="rId10"/>
-      <p:bold r:id="rId11"/>
+      <p:regular r:id="rId11"/>
+      <p:bold r:id="rId12"/>
+      <p:italic r:id="rId13"/>
+      <p:boldItalic r:id="rId14"/>
     </p:embeddedFont>
     <p:embeddedFont>
       <p:font typeface="Inter Medium" panose="020B0604020202020204" charset="0"/>
-      <p:regular r:id="rId12"/>
-      <p:bold r:id="rId13"/>
+      <p:regular r:id="rId15"/>
+      <p:bold r:id="rId16"/>
     </p:embeddedFont>
     <p:embeddedFont>
       <p:font typeface="Inter SemiBold" panose="020B0604020202020204" charset="0"/>
-      <p:regular r:id="rId14"/>
-      <p:bold r:id="rId15"/>
+      <p:regular r:id="rId17"/>
+      <p:bold r:id="rId18"/>
+      <p:italic r:id="rId19"/>
+      <p:boldItalic r:id="rId20"/>
     </p:embeddedFont>
     <p:embeddedFont>
       <p:font typeface="Libre Baskerville" panose="02000000000000000000" pitchFamily="2" charset="0"/>
-      <p:regular r:id="rId16"/>
-      <p:bold r:id="rId17"/>
-      <p:italic r:id="rId18"/>
+      <p:regular r:id="rId21"/>
+      <p:bold r:id="rId22"/>
+      <p:italic r:id="rId23"/>
     </p:embeddedFont>
   </p:embeddedFontLst>
   <p:defaultTextStyle>
@@ -270,6 +275,11 @@
       </a:defRPr>
     </a:lvl9pPr>
   </p:defaultTextStyle>
+  <p:extLst>
+    <p:ext uri="{EFAFB233-063F-42B5-8137-9DF3F51BA10A}">
+      <p15:sldGuideLst xmlns:p15="http://schemas.microsoft.com/office/powerpoint/2012/main"/>
+    </p:ext>
+  </p:extLst>
 </p:presentation>
 </file>
 
@@ -910,7 +920,73 @@
               </a:spcAft>
               <a:buNone/>
             </a:pPr>
-            <a:endParaRPr/>
+            <a:r>
+              <a:rPr lang="fr-FR" dirty="0"/>
+              <a:t>Kayak est un moteur de recherche de voyages qui a été racheté par </a:t>
+            </a:r>
+            <a:r>
+              <a:rPr lang="fr-FR" dirty="0" err="1"/>
+              <a:t>Booking</a:t>
+            </a:r>
+            <a:r>
+              <a:rPr lang="fr-FR" dirty="0"/>
+              <a:t> Holdings. Kayak aide ses utilisateurs à planifier leurs voyages partout dans le monde.</a:t>
+            </a:r>
+            <a:br>
+              <a:rPr lang="fr-FR" dirty="0"/>
+            </a:br>
+            <a:r>
+              <a:rPr lang="fr-FR" dirty="0"/>
+              <a:t>70 % des utilisateurs souhaitent plus d’informations sur leurs destinations et se méfient des sources inconnues.</a:t>
+            </a:r>
+            <a:br>
+              <a:rPr lang="fr-FR" dirty="0"/>
+            </a:br>
+            <a:r>
+              <a:rPr lang="fr-FR" dirty="0"/>
+              <a:t>Le projet vise donc à créer une application qui recommande des </a:t>
+            </a:r>
+            <a:r>
+              <a:rPr lang="fr-FR" b="1" dirty="0"/>
+              <a:t>destinations et hôtels</a:t>
+            </a:r>
+            <a:r>
+              <a:rPr lang="fr-FR" dirty="0"/>
+              <a:t>, en se basant sur la </a:t>
+            </a:r>
+            <a:r>
+              <a:rPr lang="fr-FR" b="1" dirty="0"/>
+              <a:t>météo</a:t>
+            </a:r>
+            <a:r>
+              <a:rPr lang="fr-FR" dirty="0"/>
+              <a:t> et les </a:t>
+            </a:r>
+            <a:r>
+              <a:rPr lang="fr-FR" b="1" dirty="0"/>
+              <a:t>informations hôtelières</a:t>
+            </a:r>
+            <a:r>
+              <a:rPr lang="fr-FR" dirty="0"/>
+              <a:t>, avec les données stockées dans un </a:t>
+            </a:r>
+            <a:r>
+              <a:rPr lang="fr-FR" b="1" dirty="0"/>
+              <a:t>Data Lake</a:t>
+            </a:r>
+            <a:r>
+              <a:rPr lang="fr-FR" dirty="0"/>
+              <a:t> et un </a:t>
+            </a:r>
+            <a:r>
+              <a:rPr lang="fr-FR" b="1" dirty="0"/>
+              <a:t>entrepôt SQL</a:t>
+            </a:r>
+            <a:r>
+              <a:rPr lang="fr-FR" dirty="0"/>
+              <a:t> pour analyses et visualisations.</a:t>
+            </a:r>
+            <a:endParaRPr dirty="0"/>
           </a:p>
         </p:txBody>
       </p:sp>
@@ -923,6 +999,110 @@
 </file>
 
 <file path=ppt/notesSlides/notesSlide3.xml><?xml version="1.0" encoding="utf-8"?>
+<p:notes xmlns:a="http://schemas.openxmlformats.org/drawingml/2006/main" xmlns:r="http://schemas.openxmlformats.org/officeDocument/2006/relationships" xmlns:p="http://schemas.openxmlformats.org/presentationml/2006/main">
+  <p:cSld>
+    <p:spTree>
+      <p:nvGrpSpPr>
+        <p:cNvPr id="1" name="">
+          <a:extLst>
+            <a:ext uri="{FF2B5EF4-FFF2-40B4-BE49-F238E27FC236}">
+              <a16:creationId xmlns:a16="http://schemas.microsoft.com/office/drawing/2014/main" id="{4EC99EC3-C616-F543-B7C8-069D0D6506C0}"/>
+            </a:ext>
+          </a:extLst>
+        </p:cNvPr>
+        <p:cNvGrpSpPr/>
+        <p:nvPr/>
+      </p:nvGrpSpPr>
+      <p:grpSpPr>
+        <a:xfrm>
+          <a:off x="0" y="0"/>
+          <a:ext cx="0" cy="0"/>
+          <a:chOff x="0" y="0"/>
+          <a:chExt cx="0" cy="0"/>
+        </a:xfrm>
+      </p:grpSpPr>
+      <p:sp>
+        <p:nvSpPr>
+          <p:cNvPr id="2" name="Espace réservé de l'image des diapositives 1">
+            <a:extLst>
+              <a:ext uri="{FF2B5EF4-FFF2-40B4-BE49-F238E27FC236}">
+                <a16:creationId xmlns:a16="http://schemas.microsoft.com/office/drawing/2014/main" id="{8AB04ABC-891C-B788-AFF5-B51C07FF9CB9}"/>
+              </a:ext>
+            </a:extLst>
+          </p:cNvPr>
+          <p:cNvSpPr>
+            <a:spLocks noGrp="1" noRot="1" noChangeAspect="1"/>
+          </p:cNvSpPr>
+          <p:nvPr>
+            <p:ph type="sldImg"/>
+          </p:nvPr>
+        </p:nvSpPr>
+        <p:spPr>
+          <a:xfrm>
+            <a:off x="381000" y="685800"/>
+            <a:ext cx="6096000" cy="3429000"/>
+          </a:xfrm>
+        </p:spPr>
+      </p:sp>
+      <p:sp>
+        <p:nvSpPr>
+          <p:cNvPr id="3" name="Espace réservé des notes 2">
+            <a:extLst>
+              <a:ext uri="{FF2B5EF4-FFF2-40B4-BE49-F238E27FC236}">
+                <a16:creationId xmlns:a16="http://schemas.microsoft.com/office/drawing/2014/main" id="{E7D8E37C-33E5-52CB-92A5-51C14C75827E}"/>
+              </a:ext>
+            </a:extLst>
+          </p:cNvPr>
+          <p:cNvSpPr>
+            <a:spLocks noGrp="1"/>
+          </p:cNvSpPr>
+          <p:nvPr>
+            <p:ph type="body" idx="1"/>
+          </p:nvPr>
+        </p:nvSpPr>
+        <p:spPr/>
+        <p:txBody>
+          <a:bodyPr/>
+          <a:lstStyle/>
+          <a:p>
+            <a:pPr marL="114300" indent="0">
+              <a:buNone/>
+            </a:pPr>
+            <a:endParaRPr lang="fr-FR" sz="1100" dirty="0">
+              <a:solidFill>
+                <a:srgbClr val="000000"/>
+              </a:solidFill>
+            </a:endParaRPr>
+          </a:p>
+          <a:p>
+            <a:pPr marL="114300" indent="0">
+              <a:buNone/>
+            </a:pPr>
+            <a:endParaRPr lang="fr-FR" sz="1100" dirty="0">
+              <a:solidFill>
+                <a:srgbClr val="000000"/>
+              </a:solidFill>
+            </a:endParaRPr>
+          </a:p>
+          <a:p>
+            <a:endParaRPr lang="fr-FR" dirty="0"/>
+          </a:p>
+        </p:txBody>
+      </p:sp>
+    </p:spTree>
+    <p:extLst>
+      <p:ext uri="{BB962C8B-B14F-4D97-AF65-F5344CB8AC3E}">
+        <p14:creationId xmlns:p14="http://schemas.microsoft.com/office/powerpoint/2010/main" val="2872732345"/>
+      </p:ext>
+    </p:extLst>
+  </p:cSld>
+  <p:clrMapOvr>
+    <a:masterClrMapping/>
+  </p:clrMapOvr>
+</p:notes>
+</file>
+
+<file path=ppt/notesSlides/notesSlide4.xml><?xml version="1.0" encoding="utf-8"?>
 <p:notes xmlns:a="http://schemas.openxmlformats.org/drawingml/2006/main" xmlns:r="http://schemas.openxmlformats.org/officeDocument/2006/relationships" xmlns:p="http://schemas.openxmlformats.org/presentationml/2006/main" showMasterSp="0" showMasterPhAnim="0">
   <p:cSld>
     <p:spTree>
@@ -1026,7 +1206,7 @@
 </p:notes>
 </file>
 
-<file path=ppt/notesSlides/notesSlide4.xml><?xml version="1.0" encoding="utf-8"?>
+<file path=ppt/notesSlides/notesSlide5.xml><?xml version="1.0" encoding="utf-8"?>
 <p:notes xmlns:a="http://schemas.openxmlformats.org/drawingml/2006/main" xmlns:r="http://schemas.openxmlformats.org/officeDocument/2006/relationships" xmlns:p="http://schemas.openxmlformats.org/presentationml/2006/main" showMasterSp="0" showMasterPhAnim="0">
   <p:cSld>
     <p:spTree>
@@ -1148,7 +1328,7 @@
 </p:notes>
 </file>
 
-<file path=ppt/notesSlides/notesSlide5.xml><?xml version="1.0" encoding="utf-8"?>
+<file path=ppt/notesSlides/notesSlide6.xml><?xml version="1.0" encoding="utf-8"?>
 <p:notes xmlns:a="http://schemas.openxmlformats.org/drawingml/2006/main" xmlns:r="http://schemas.openxmlformats.org/officeDocument/2006/relationships" xmlns:p="http://schemas.openxmlformats.org/presentationml/2006/main" showMasterSp="0" showMasterPhAnim="0">
   <p:cSld>
     <p:spTree>
@@ -1270,7 +1450,7 @@
 </p:notes>
 </file>
 
-<file path=ppt/notesSlides/notesSlide6.xml><?xml version="1.0" encoding="utf-8"?>
+<file path=ppt/notesSlides/notesSlide7.xml><?xml version="1.0" encoding="utf-8"?>
 <p:notes xmlns:a="http://schemas.openxmlformats.org/drawingml/2006/main" xmlns:r="http://schemas.openxmlformats.org/officeDocument/2006/relationships" xmlns:p="http://schemas.openxmlformats.org/presentationml/2006/main" showMasterSp="0" showMasterPhAnim="0">
   <p:cSld>
     <p:spTree>
@@ -1392,7 +1572,7 @@
 </p:notes>
 </file>
 
-<file path=ppt/notesSlides/notesSlide7.xml><?xml version="1.0" encoding="utf-8"?>
+<file path=ppt/notesSlides/notesSlide8.xml><?xml version="1.0" encoding="utf-8"?>
 <p:notes xmlns:a="http://schemas.openxmlformats.org/drawingml/2006/main" xmlns:r="http://schemas.openxmlformats.org/officeDocument/2006/relationships" xmlns:p="http://schemas.openxmlformats.org/presentationml/2006/main" showMasterSp="0" showMasterPhAnim="0">
   <p:cSld>
     <p:spTree>
@@ -6420,6 +6600,36 @@
           </a:p>
         </p:txBody>
       </p:sp>
+      <p:pic>
+        <p:nvPicPr>
+          <p:cNvPr id="3" name="Image 2">
+            <a:extLst>
+              <a:ext uri="{FF2B5EF4-FFF2-40B4-BE49-F238E27FC236}">
+                <a16:creationId xmlns:a16="http://schemas.microsoft.com/office/drawing/2014/main" id="{1967D5D8-F924-15FC-CEE1-21A5129D1189}"/>
+              </a:ext>
+            </a:extLst>
+          </p:cNvPr>
+          <p:cNvPicPr>
+            <a:picLocks noChangeAspect="1"/>
+          </p:cNvPicPr>
+          <p:nvPr/>
+        </p:nvPicPr>
+        <p:blipFill>
+          <a:blip r:embed="rId5"/>
+          <a:stretch>
+            <a:fillRect/>
+          </a:stretch>
+        </p:blipFill>
+        <p:spPr>
+          <a:xfrm>
+            <a:off x="151304" y="3454420"/>
+            <a:ext cx="4236325" cy="851444"/>
+          </a:xfrm>
+          <a:prstGeom prst="rect">
+            <a:avLst/>
+          </a:prstGeom>
+        </p:spPr>
+      </p:pic>
     </p:spTree>
   </p:cSld>
   <p:clrMapOvr>
@@ -6465,8 +6675,8 @@
         </p:nvSpPr>
         <p:spPr>
           <a:xfrm>
-            <a:off x="935018" y="1123849"/>
-            <a:ext cx="5315100" cy="1398600"/>
+            <a:off x="2529027" y="287147"/>
+            <a:ext cx="5315100" cy="777314"/>
           </a:xfrm>
           <a:prstGeom prst="rect">
             <a:avLst/>
@@ -6488,38 +6698,6 @@
               <a:buNone/>
             </a:pPr>
             <a:r>
-              <a:rPr lang="fr" sz="4500" b="1" dirty="0">
-                <a:solidFill>
-                  <a:srgbClr val="0E3449"/>
-                </a:solidFill>
-                <a:latin typeface="Inter"/>
-                <a:ea typeface="Inter"/>
-                <a:cs typeface="Inter"/>
-                <a:sym typeface="Inter"/>
-              </a:rPr>
-              <a:t>Projet Kayak</a:t>
-            </a:r>
-            <a:endParaRPr sz="4500" b="1" dirty="0">
-              <a:solidFill>
-                <a:srgbClr val="0E3449"/>
-              </a:solidFill>
-              <a:latin typeface="Inter"/>
-              <a:ea typeface="Inter"/>
-              <a:cs typeface="Inter"/>
-              <a:sym typeface="Inter"/>
-            </a:endParaRPr>
-          </a:p>
-          <a:p>
-            <a:pPr marL="0" lvl="0" indent="0" algn="l" rtl="0">
-              <a:spcBef>
-                <a:spcPts val="0"/>
-              </a:spcBef>
-              <a:spcAft>
-                <a:spcPts val="0"/>
-              </a:spcAft>
-              <a:buNone/>
-            </a:pPr>
-            <a:r>
               <a:rPr lang="fr-FR" sz="4500" b="1" dirty="0">
                 <a:solidFill>
                   <a:srgbClr val="0E3449"/>
@@ -6529,7 +6707,7 @@
                 <a:cs typeface="Inter"/>
                 <a:sym typeface="Inter"/>
               </a:rPr>
-              <a:t>Contexte :</a:t>
+              <a:t>Contexte </a:t>
             </a:r>
             <a:endParaRPr sz="4500" b="1" dirty="0">
               <a:solidFill>
@@ -6591,6 +6769,141 @@
           </a:ln>
         </p:spPr>
       </p:pic>
+      <p:sp>
+        <p:nvSpPr>
+          <p:cNvPr id="3" name="ZoneTexte 2">
+            <a:extLst>
+              <a:ext uri="{FF2B5EF4-FFF2-40B4-BE49-F238E27FC236}">
+                <a16:creationId xmlns:a16="http://schemas.microsoft.com/office/drawing/2014/main" id="{7E0DBA77-6C38-7632-BDD8-917F7FC1C349}"/>
+              </a:ext>
+            </a:extLst>
+          </p:cNvPr>
+          <p:cNvSpPr txBox="1"/>
+          <p:nvPr/>
+        </p:nvSpPr>
+        <p:spPr>
+          <a:xfrm>
+            <a:off x="638736" y="1467643"/>
+            <a:ext cx="7643492" cy="3293209"/>
+          </a:xfrm>
+          <a:prstGeom prst="rect">
+            <a:avLst/>
+          </a:prstGeom>
+          <a:noFill/>
+        </p:spPr>
+        <p:txBody>
+          <a:bodyPr wrap="square">
+            <a:spAutoFit/>
+          </a:bodyPr>
+          <a:lstStyle/>
+          <a:p>
+            <a:r>
+              <a:rPr lang="fr-FR" sz="1600" b="1" dirty="0"/>
+              <a:t>Kayak :</a:t>
+            </a:r>
+            <a:endParaRPr lang="fr-FR" sz="1600" dirty="0"/>
+          </a:p>
+          <a:p>
+            <a:r>
+              <a:rPr lang="fr-FR" sz="1600" dirty="0"/>
+              <a:t>Moteur de recherche de voyages, fondé en 2004</a:t>
+            </a:r>
+          </a:p>
+          <a:p>
+            <a:r>
+              <a:rPr lang="fr-FR" sz="1600" dirty="0"/>
+              <a:t>Racheté par </a:t>
+            </a:r>
+            <a:r>
+              <a:rPr lang="fr-FR" sz="1600" dirty="0" err="1"/>
+              <a:t>Booking</a:t>
+            </a:r>
+            <a:r>
+              <a:rPr lang="fr-FR" sz="1600" dirty="0"/>
+              <a:t> Holdings (Booking.com, </a:t>
+            </a:r>
+            <a:r>
+              <a:rPr lang="fr-FR" sz="1600" dirty="0" err="1"/>
+              <a:t>Priceline</a:t>
+            </a:r>
+            <a:r>
+              <a:rPr lang="fr-FR" sz="1600" dirty="0"/>
+              <a:t>…)</a:t>
+            </a:r>
+          </a:p>
+          <a:p>
+            <a:r>
+              <a:rPr lang="fr-FR" sz="1600" dirty="0"/>
+              <a:t>Plus de 300 M$ de revenus/an</a:t>
+            </a:r>
+          </a:p>
+          <a:p>
+            <a:endParaRPr lang="fr-FR" sz="1600" dirty="0"/>
+          </a:p>
+          <a:p>
+            <a:r>
+              <a:rPr lang="fr-FR" sz="1600" b="1" dirty="0"/>
+              <a:t>Problématique :</a:t>
+            </a:r>
+            <a:endParaRPr lang="fr-FR" sz="1600" dirty="0"/>
+          </a:p>
+          <a:p>
+            <a:r>
+              <a:rPr lang="fr-FR" sz="1600" dirty="0"/>
+              <a:t>70 % des utilisateurs veulent plus d’infos sur leur destination</a:t>
+            </a:r>
+          </a:p>
+          <a:p>
+            <a:r>
+              <a:rPr lang="fr-FR" sz="1600" dirty="0"/>
+              <a:t>Méfiance vis-à-vis des sources inconnues</a:t>
+            </a:r>
+          </a:p>
+          <a:p>
+            <a:endParaRPr lang="fr-FR" sz="1600" dirty="0"/>
+          </a:p>
+          <a:p>
+            <a:r>
+              <a:rPr lang="fr-FR" sz="1600" b="1" dirty="0"/>
+              <a:t>Solution :</a:t>
+            </a:r>
+            <a:endParaRPr lang="fr-FR" sz="1600" dirty="0"/>
+          </a:p>
+          <a:p>
+            <a:r>
+              <a:rPr lang="fr-FR" sz="1600" dirty="0"/>
+              <a:t>Application de recommandations de </a:t>
+            </a:r>
+            <a:r>
+              <a:rPr lang="fr-FR" sz="1600" b="1" dirty="0"/>
+              <a:t>destinations et hôtels</a:t>
+            </a:r>
+            <a:endParaRPr lang="fr-FR" sz="1600" dirty="0"/>
+          </a:p>
+          <a:p>
+            <a:r>
+              <a:rPr lang="fr-FR" sz="1600" dirty="0"/>
+              <a:t>Basée sur </a:t>
+            </a:r>
+            <a:r>
+              <a:rPr lang="fr-FR" sz="1600" b="1" dirty="0"/>
+              <a:t>météo</a:t>
+            </a:r>
+            <a:r>
+              <a:rPr lang="fr-FR" sz="1600" dirty="0"/>
+              <a:t> et </a:t>
+            </a:r>
+            <a:r>
+              <a:rPr lang="fr-FR" sz="1600" b="1" dirty="0"/>
+              <a:t>informations hôtelières</a:t>
+            </a:r>
+            <a:endParaRPr lang="fr-FR" sz="1600" dirty="0"/>
+          </a:p>
+          <a:p>
+            <a:endParaRPr lang="fr-FR" sz="1600" dirty="0"/>
+          </a:p>
+        </p:txBody>
+      </p:sp>
     </p:spTree>
   </p:cSld>
   <p:clrMapOvr>
@@ -6600,6 +6913,284 @@
 </file>
 
 <file path=ppt/slides/slide3.xml><?xml version="1.0" encoding="utf-8"?>
+<p:sld xmlns:a="http://schemas.openxmlformats.org/drawingml/2006/main" xmlns:r="http://schemas.openxmlformats.org/officeDocument/2006/relationships" xmlns:p="http://schemas.openxmlformats.org/presentationml/2006/main">
+  <p:cSld>
+    <p:spTree>
+      <p:nvGrpSpPr>
+        <p:cNvPr id="1" name="">
+          <a:extLst>
+            <a:ext uri="{FF2B5EF4-FFF2-40B4-BE49-F238E27FC236}">
+              <a16:creationId xmlns:a16="http://schemas.microsoft.com/office/drawing/2014/main" id="{1C4A0E33-25D0-5BD7-ABA0-8513B81F084B}"/>
+            </a:ext>
+          </a:extLst>
+        </p:cNvPr>
+        <p:cNvGrpSpPr/>
+        <p:nvPr/>
+      </p:nvGrpSpPr>
+      <p:grpSpPr>
+        <a:xfrm>
+          <a:off x="0" y="0"/>
+          <a:ext cx="0" cy="0"/>
+          <a:chOff x="0" y="0"/>
+          <a:chExt cx="0" cy="0"/>
+        </a:xfrm>
+      </p:grpSpPr>
+      <p:sp>
+        <p:nvSpPr>
+          <p:cNvPr id="2" name="Titre 1">
+            <a:extLst>
+              <a:ext uri="{FF2B5EF4-FFF2-40B4-BE49-F238E27FC236}">
+                <a16:creationId xmlns:a16="http://schemas.microsoft.com/office/drawing/2014/main" id="{6BC397C0-1DE6-3309-DD35-58861AF72C07}"/>
+              </a:ext>
+            </a:extLst>
+          </p:cNvPr>
+          <p:cNvSpPr>
+            <a:spLocks noGrp="1"/>
+          </p:cNvSpPr>
+          <p:nvPr>
+            <p:ph type="title"/>
+          </p:nvPr>
+        </p:nvSpPr>
+        <p:spPr>
+          <a:xfrm>
+            <a:off x="-52147" y="491074"/>
+            <a:ext cx="8520600" cy="572700"/>
+          </a:xfrm>
+        </p:spPr>
+        <p:txBody>
+          <a:bodyPr/>
+          <a:lstStyle/>
+          <a:p>
+            <a:pPr algn="ctr"/>
+            <a:r>
+              <a:rPr lang="fr-FR" b="1" dirty="0"/>
+              <a:t>Présentation du déroulé</a:t>
+            </a:r>
+          </a:p>
+        </p:txBody>
+      </p:sp>
+      <p:sp>
+        <p:nvSpPr>
+          <p:cNvPr id="3" name="Espace réservé du texte 2">
+            <a:extLst>
+              <a:ext uri="{FF2B5EF4-FFF2-40B4-BE49-F238E27FC236}">
+                <a16:creationId xmlns:a16="http://schemas.microsoft.com/office/drawing/2014/main" id="{F7EA80FD-135A-3744-9D55-CAFA54E5DD96}"/>
+              </a:ext>
+            </a:extLst>
+          </p:cNvPr>
+          <p:cNvSpPr>
+            <a:spLocks noGrp="1"/>
+          </p:cNvSpPr>
+          <p:nvPr>
+            <p:ph type="body" idx="1"/>
+          </p:nvPr>
+        </p:nvSpPr>
+        <p:spPr>
+          <a:xfrm>
+            <a:off x="1813610" y="1757689"/>
+            <a:ext cx="5516780" cy="1840706"/>
+          </a:xfrm>
+        </p:spPr>
+        <p:txBody>
+          <a:bodyPr/>
+          <a:lstStyle/>
+          <a:p>
+            <a:pPr marL="114300" indent="0">
+              <a:buNone/>
+            </a:pPr>
+            <a:r>
+              <a:rPr lang="fr-FR" b="1" dirty="0"/>
+              <a:t>→ </a:t>
+            </a:r>
+            <a:r>
+              <a:rPr lang="fr-FR" b="1" dirty="0" err="1">
+                <a:solidFill>
+                  <a:srgbClr val="0E3449"/>
+                </a:solidFill>
+                <a:latin typeface="Inter"/>
+                <a:ea typeface="Inter"/>
+                <a:sym typeface="Inter"/>
+              </a:rPr>
+              <a:t>Eda</a:t>
+            </a:r>
+            <a:r>
+              <a:rPr lang="fr-FR" b="1" dirty="0">
+                <a:solidFill>
+                  <a:srgbClr val="0E3449"/>
+                </a:solidFill>
+                <a:latin typeface="Inter"/>
+                <a:ea typeface="Inter"/>
+                <a:sym typeface="Inter"/>
+              </a:rPr>
+              <a:t> et nettoyage des données</a:t>
+            </a:r>
+          </a:p>
+          <a:p>
+            <a:pPr marL="114300" indent="0">
+              <a:buNone/>
+            </a:pPr>
+            <a:r>
+              <a:rPr lang="fr-FR" b="1" dirty="0"/>
+              <a:t>→ </a:t>
+            </a:r>
+            <a:r>
+              <a:rPr lang="fr-FR" b="1" dirty="0">
+                <a:solidFill>
+                  <a:srgbClr val="0E3449"/>
+                </a:solidFill>
+                <a:latin typeface="Inter"/>
+                <a:ea typeface="Inter"/>
+                <a:sym typeface="Inter"/>
+              </a:rPr>
+              <a:t>Tokenisation et préparation pour </a:t>
+            </a:r>
+            <a:r>
+              <a:rPr lang="fr-FR" b="1" dirty="0" err="1">
+                <a:solidFill>
+                  <a:srgbClr val="0E3449"/>
+                </a:solidFill>
+                <a:latin typeface="Inter"/>
+                <a:ea typeface="Inter"/>
+                <a:sym typeface="Inter"/>
+              </a:rPr>
+              <a:t>Pytorch</a:t>
+            </a:r>
+            <a:endParaRPr lang="fr-FR" b="1" dirty="0">
+              <a:solidFill>
+                <a:srgbClr val="0E3449"/>
+              </a:solidFill>
+              <a:latin typeface="Inter"/>
+              <a:ea typeface="Inter"/>
+              <a:sym typeface="Inter"/>
+            </a:endParaRPr>
+          </a:p>
+          <a:p>
+            <a:pPr marL="114300" indent="0">
+              <a:buNone/>
+            </a:pPr>
+            <a:r>
+              <a:rPr lang="fr-FR" b="1" dirty="0"/>
+              <a:t>→ </a:t>
+            </a:r>
+            <a:r>
+              <a:rPr lang="fr-FR" b="1" dirty="0">
+                <a:solidFill>
+                  <a:srgbClr val="0E3449"/>
+                </a:solidFill>
+                <a:latin typeface="Inter"/>
+                <a:ea typeface="Inter"/>
+                <a:sym typeface="Inter"/>
+              </a:rPr>
+              <a:t>Conception du Modèle </a:t>
+            </a:r>
+          </a:p>
+          <a:p>
+            <a:pPr marL="114300" indent="0">
+              <a:buNone/>
+            </a:pPr>
+            <a:r>
+              <a:rPr lang="fr-FR" b="1" dirty="0"/>
+              <a:t>→ </a:t>
+            </a:r>
+            <a:r>
+              <a:rPr lang="fr-FR" b="1" dirty="0">
+                <a:solidFill>
+                  <a:srgbClr val="0E3449"/>
+                </a:solidFill>
+                <a:latin typeface="Inter"/>
+                <a:ea typeface="Inter"/>
+                <a:sym typeface="Inter"/>
+              </a:rPr>
+              <a:t>Evaluation des performances</a:t>
+            </a:r>
+          </a:p>
+          <a:p>
+            <a:pPr>
+              <a:buFontTx/>
+              <a:buChar char="-"/>
+            </a:pPr>
+            <a:endParaRPr lang="fr-FR" sz="1600" dirty="0">
+              <a:solidFill>
+                <a:srgbClr val="0E3449"/>
+              </a:solidFill>
+              <a:latin typeface="Inter"/>
+              <a:ea typeface="Inter"/>
+            </a:endParaRPr>
+          </a:p>
+          <a:p>
+            <a:pPr>
+              <a:buFontTx/>
+              <a:buChar char="-"/>
+            </a:pPr>
+            <a:endParaRPr lang="fr-FR" dirty="0">
+              <a:solidFill>
+                <a:srgbClr val="0E3449"/>
+              </a:solidFill>
+              <a:latin typeface="Inter"/>
+              <a:ea typeface="Inter"/>
+              <a:cs typeface="Inter"/>
+              <a:sym typeface="Inter"/>
+            </a:endParaRPr>
+          </a:p>
+          <a:p>
+            <a:pPr marL="114300" indent="0">
+              <a:buNone/>
+            </a:pPr>
+            <a:br>
+              <a:rPr lang="fr-FR" dirty="0">
+                <a:solidFill>
+                  <a:srgbClr val="000000"/>
+                </a:solidFill>
+              </a:rPr>
+            </a:br>
+            <a:endParaRPr lang="fr-FR" dirty="0">
+              <a:solidFill>
+                <a:srgbClr val="000000"/>
+              </a:solidFill>
+            </a:endParaRPr>
+          </a:p>
+          <a:p>
+            <a:pPr marL="114300" indent="0">
+              <a:buNone/>
+            </a:pPr>
+            <a:endParaRPr lang="fr-FR" dirty="0">
+              <a:solidFill>
+                <a:srgbClr val="000000"/>
+              </a:solidFill>
+            </a:endParaRPr>
+          </a:p>
+          <a:p>
+            <a:pPr marL="114300" indent="0">
+              <a:buNone/>
+            </a:pPr>
+            <a:endParaRPr lang="fr-FR" dirty="0">
+              <a:solidFill>
+                <a:srgbClr val="000000"/>
+              </a:solidFill>
+            </a:endParaRPr>
+          </a:p>
+          <a:p>
+            <a:pPr marL="114300" indent="0">
+              <a:buNone/>
+            </a:pPr>
+            <a:endParaRPr lang="fr-FR" dirty="0"/>
+          </a:p>
+        </p:txBody>
+      </p:sp>
+    </p:spTree>
+    <p:extLst>
+      <p:ext uri="{BB962C8B-B14F-4D97-AF65-F5344CB8AC3E}">
+        <p14:creationId xmlns:p14="http://schemas.microsoft.com/office/powerpoint/2010/main" val="2228148551"/>
+      </p:ext>
+    </p:extLst>
+  </p:cSld>
+  <p:clrMapOvr>
+    <a:masterClrMapping/>
+  </p:clrMapOvr>
+</p:sld>
+</file>
+
+<file path=ppt/slides/slide4.xml><?xml version="1.0" encoding="utf-8"?>
 <p:sld xmlns:a="http://schemas.openxmlformats.org/drawingml/2006/main" xmlns:r="http://schemas.openxmlformats.org/officeDocument/2006/relationships" xmlns:p="http://schemas.openxmlformats.org/presentationml/2006/main">
   <p:cSld>
     <p:spTree>
@@ -7060,7 +7651,7 @@
 </p:sld>
 </file>
 
-<file path=ppt/slides/slide4.xml><?xml version="1.0" encoding="utf-8"?>
+<file path=ppt/slides/slide5.xml><?xml version="1.0" encoding="utf-8"?>
 <p:sld xmlns:a="http://schemas.openxmlformats.org/drawingml/2006/main" xmlns:r="http://schemas.openxmlformats.org/officeDocument/2006/relationships" xmlns:p="http://schemas.openxmlformats.org/presentationml/2006/main">
   <p:cSld>
     <p:spTree>
@@ -7618,7 +8209,7 @@
 </p:sld>
 </file>
 
-<file path=ppt/slides/slide5.xml><?xml version="1.0" encoding="utf-8"?>
+<file path=ppt/slides/slide6.xml><?xml version="1.0" encoding="utf-8"?>
 <p:sld xmlns:a="http://schemas.openxmlformats.org/drawingml/2006/main" xmlns:r="http://schemas.openxmlformats.org/officeDocument/2006/relationships" xmlns:p="http://schemas.openxmlformats.org/presentationml/2006/main">
   <p:cSld>
     <p:spTree>
@@ -7893,7 +8484,7 @@
 </p:sld>
 </file>
 
-<file path=ppt/slides/slide6.xml><?xml version="1.0" encoding="utf-8"?>
+<file path=ppt/slides/slide7.xml><?xml version="1.0" encoding="utf-8"?>
 <p:sld xmlns:a="http://schemas.openxmlformats.org/drawingml/2006/main" xmlns:r="http://schemas.openxmlformats.org/officeDocument/2006/relationships" xmlns:p="http://schemas.openxmlformats.org/presentationml/2006/main">
   <p:cSld>
     <p:bg>
@@ -8093,7 +8684,7 @@
 </p:sld>
 </file>
 
-<file path=ppt/slides/slide7.xml><?xml version="1.0" encoding="utf-8"?>
+<file path=ppt/slides/slide8.xml><?xml version="1.0" encoding="utf-8"?>
 <p:sld xmlns:a="http://schemas.openxmlformats.org/drawingml/2006/main" xmlns:r="http://schemas.openxmlformats.org/officeDocument/2006/relationships" xmlns:p="http://schemas.openxmlformats.org/presentationml/2006/main">
   <p:cSld>
     <p:bg>

--- a/Bloc1/bloc1_kayak.pptx
+++ b/Bloc1/bloc1_kayak.pptx
@@ -5,45 +5,42 @@
     <p:sldMasterId id="2147483659" r:id="rId1"/>
   </p:sldMasterIdLst>
   <p:notesMasterIdLst>
-    <p:notesMasterId r:id="rId10"/>
+    <p:notesMasterId r:id="rId13"/>
   </p:notesMasterIdLst>
   <p:sldIdLst>
     <p:sldId id="256" r:id="rId2"/>
-    <p:sldId id="257" r:id="rId3"/>
-    <p:sldId id="344" r:id="rId4"/>
-    <p:sldId id="258" r:id="rId5"/>
-    <p:sldId id="259" r:id="rId6"/>
-    <p:sldId id="260" r:id="rId7"/>
-    <p:sldId id="261" r:id="rId8"/>
-    <p:sldId id="262" r:id="rId9"/>
+    <p:sldId id="259" r:id="rId3"/>
+    <p:sldId id="258" r:id="rId4"/>
+    <p:sldId id="353" r:id="rId5"/>
+    <p:sldId id="350" r:id="rId6"/>
+    <p:sldId id="351" r:id="rId7"/>
+    <p:sldId id="352" r:id="rId8"/>
+    <p:sldId id="260" r:id="rId9"/>
+    <p:sldId id="354" r:id="rId10"/>
+    <p:sldId id="262" r:id="rId11"/>
+    <p:sldId id="349" r:id="rId12"/>
   </p:sldIdLst>
   <p:sldSz cx="9144000" cy="5143500" type="screen16x9"/>
   <p:notesSz cx="6858000" cy="9144000"/>
   <p:embeddedFontLst>
     <p:embeddedFont>
       <p:font typeface="Inter" panose="020B0604020202020204" charset="0"/>
-      <p:regular r:id="rId11"/>
-      <p:bold r:id="rId12"/>
-      <p:italic r:id="rId13"/>
-      <p:boldItalic r:id="rId14"/>
+      <p:regular r:id="rId14"/>
+      <p:bold r:id="rId15"/>
+      <p:italic r:id="rId16"/>
+      <p:boldItalic r:id="rId17"/>
     </p:embeddedFont>
     <p:embeddedFont>
       <p:font typeface="Inter Medium" panose="020B0604020202020204" charset="0"/>
-      <p:regular r:id="rId15"/>
-      <p:bold r:id="rId16"/>
+      <p:regular r:id="rId18"/>
+      <p:bold r:id="rId19"/>
     </p:embeddedFont>
     <p:embeddedFont>
       <p:font typeface="Inter SemiBold" panose="020B0604020202020204" charset="0"/>
-      <p:regular r:id="rId17"/>
-      <p:bold r:id="rId18"/>
-      <p:italic r:id="rId19"/>
-      <p:boldItalic r:id="rId20"/>
-    </p:embeddedFont>
-    <p:embeddedFont>
-      <p:font typeface="Libre Baskerville" panose="02000000000000000000" pitchFamily="2" charset="0"/>
-      <p:regular r:id="rId21"/>
-      <p:bold r:id="rId22"/>
-      <p:italic r:id="rId23"/>
+      <p:regular r:id="rId20"/>
+      <p:bold r:id="rId21"/>
+      <p:italic r:id="rId22"/>
+      <p:boldItalic r:id="rId23"/>
     </p:embeddedFont>
   </p:embeddedFontLst>
   <p:defaultTextStyle>
@@ -816,7 +813,7 @@
               </a:spcAft>
               <a:buNone/>
             </a:pPr>
-            <a:endParaRPr/>
+            <a:endParaRPr dirty="0"/>
           </a:p>
         </p:txBody>
       </p:sp>
@@ -828,12 +825,12 @@
 </p:notes>
 </file>
 
-<file path=ppt/notesSlides/notesSlide2.xml><?xml version="1.0" encoding="utf-8"?>
+<file path=ppt/notesSlides/notesSlide10.xml><?xml version="1.0" encoding="utf-8"?>
 <p:notes xmlns:a="http://schemas.openxmlformats.org/drawingml/2006/main" xmlns:r="http://schemas.openxmlformats.org/officeDocument/2006/relationships" xmlns:p="http://schemas.openxmlformats.org/presentationml/2006/main" showMasterSp="0" showMasterPhAnim="0">
   <p:cSld>
     <p:spTree>
       <p:nvGrpSpPr>
-        <p:cNvPr id="1" name="Shape 58"/>
+        <p:cNvPr id="1" name="Shape 106"/>
         <p:cNvGrpSpPr/>
         <p:nvPr/>
       </p:nvGrpSpPr>
@@ -847,7 +844,7 @@
       </p:grpSpPr>
       <p:sp>
         <p:nvSpPr>
-          <p:cNvPr id="59" name="Google Shape;59;g3bc3b886ea_0_1:notes"/>
+          <p:cNvPr id="107" name="Google Shape;107;g77ed9f117a_2_3:notes"/>
           <p:cNvSpPr>
             <a:spLocks noGrp="1" noRot="1" noChangeAspect="1"/>
           </p:cNvSpPr>
@@ -888,7 +885,7 @@
       </p:sp>
       <p:sp>
         <p:nvSpPr>
-          <p:cNvPr id="60" name="Google Shape;60;g3bc3b886ea_0_1:notes"/>
+          <p:cNvPr id="108" name="Google Shape;108;g77ed9f117a_2_3:notes"/>
           <p:cNvSpPr txBox="1">
             <a:spLocks noGrp="1"/>
           </p:cNvSpPr>
@@ -920,73 +917,7 @@
               </a:spcAft>
               <a:buNone/>
             </a:pPr>
-            <a:r>
-              <a:rPr lang="fr-FR" dirty="0"/>
-              <a:t>Kayak est un moteur de recherche de voyages qui a été racheté par </a:t>
-            </a:r>
-            <a:r>
-              <a:rPr lang="fr-FR" dirty="0" err="1"/>
-              <a:t>Booking</a:t>
-            </a:r>
-            <a:r>
-              <a:rPr lang="fr-FR" dirty="0"/>
-              <a:t> Holdings. Kayak aide ses utilisateurs à planifier leurs voyages partout dans le monde.</a:t>
-            </a:r>
-            <a:br>
-              <a:rPr lang="fr-FR" dirty="0"/>
-            </a:br>
-            <a:r>
-              <a:rPr lang="fr-FR" dirty="0"/>
-              <a:t>70 % des utilisateurs souhaitent plus d’informations sur leurs destinations et se méfient des sources inconnues.</a:t>
-            </a:r>
-            <a:br>
-              <a:rPr lang="fr-FR" dirty="0"/>
-            </a:br>
-            <a:r>
-              <a:rPr lang="fr-FR" dirty="0"/>
-              <a:t>Le projet vise donc à créer une application qui recommande des </a:t>
-            </a:r>
-            <a:r>
-              <a:rPr lang="fr-FR" b="1" dirty="0"/>
-              <a:t>destinations et hôtels</a:t>
-            </a:r>
-            <a:r>
-              <a:rPr lang="fr-FR" dirty="0"/>
-              <a:t>, en se basant sur la </a:t>
-            </a:r>
-            <a:r>
-              <a:rPr lang="fr-FR" b="1" dirty="0"/>
-              <a:t>météo</a:t>
-            </a:r>
-            <a:r>
-              <a:rPr lang="fr-FR" dirty="0"/>
-              <a:t> et les </a:t>
-            </a:r>
-            <a:r>
-              <a:rPr lang="fr-FR" b="1" dirty="0"/>
-              <a:t>informations hôtelières</a:t>
-            </a:r>
-            <a:r>
-              <a:rPr lang="fr-FR" dirty="0"/>
-              <a:t>, avec les données stockées dans un </a:t>
-            </a:r>
-            <a:r>
-              <a:rPr lang="fr-FR" b="1" dirty="0"/>
-              <a:t>Data Lake</a:t>
-            </a:r>
-            <a:r>
-              <a:rPr lang="fr-FR" dirty="0"/>
-              <a:t> et un </a:t>
-            </a:r>
-            <a:r>
-              <a:rPr lang="fr-FR" b="1" dirty="0"/>
-              <a:t>entrepôt SQL</a:t>
-            </a:r>
-            <a:r>
-              <a:rPr lang="fr-FR" dirty="0"/>
-              <a:t> pour analyses et visualisations.</a:t>
-            </a:r>
-            <a:endParaRPr dirty="0"/>
+            <a:endParaRPr/>
           </a:p>
         </p:txBody>
       </p:sp>
@@ -998,215 +929,7 @@
 </p:notes>
 </file>
 
-<file path=ppt/notesSlides/notesSlide3.xml><?xml version="1.0" encoding="utf-8"?>
-<p:notes xmlns:a="http://schemas.openxmlformats.org/drawingml/2006/main" xmlns:r="http://schemas.openxmlformats.org/officeDocument/2006/relationships" xmlns:p="http://schemas.openxmlformats.org/presentationml/2006/main">
-  <p:cSld>
-    <p:spTree>
-      <p:nvGrpSpPr>
-        <p:cNvPr id="1" name="">
-          <a:extLst>
-            <a:ext uri="{FF2B5EF4-FFF2-40B4-BE49-F238E27FC236}">
-              <a16:creationId xmlns:a16="http://schemas.microsoft.com/office/drawing/2014/main" id="{4EC99EC3-C616-F543-B7C8-069D0D6506C0}"/>
-            </a:ext>
-          </a:extLst>
-        </p:cNvPr>
-        <p:cNvGrpSpPr/>
-        <p:nvPr/>
-      </p:nvGrpSpPr>
-      <p:grpSpPr>
-        <a:xfrm>
-          <a:off x="0" y="0"/>
-          <a:ext cx="0" cy="0"/>
-          <a:chOff x="0" y="0"/>
-          <a:chExt cx="0" cy="0"/>
-        </a:xfrm>
-      </p:grpSpPr>
-      <p:sp>
-        <p:nvSpPr>
-          <p:cNvPr id="2" name="Espace réservé de l'image des diapositives 1">
-            <a:extLst>
-              <a:ext uri="{FF2B5EF4-FFF2-40B4-BE49-F238E27FC236}">
-                <a16:creationId xmlns:a16="http://schemas.microsoft.com/office/drawing/2014/main" id="{8AB04ABC-891C-B788-AFF5-B51C07FF9CB9}"/>
-              </a:ext>
-            </a:extLst>
-          </p:cNvPr>
-          <p:cNvSpPr>
-            <a:spLocks noGrp="1" noRot="1" noChangeAspect="1"/>
-          </p:cNvSpPr>
-          <p:nvPr>
-            <p:ph type="sldImg"/>
-          </p:nvPr>
-        </p:nvSpPr>
-        <p:spPr>
-          <a:xfrm>
-            <a:off x="381000" y="685800"/>
-            <a:ext cx="6096000" cy="3429000"/>
-          </a:xfrm>
-        </p:spPr>
-      </p:sp>
-      <p:sp>
-        <p:nvSpPr>
-          <p:cNvPr id="3" name="Espace réservé des notes 2">
-            <a:extLst>
-              <a:ext uri="{FF2B5EF4-FFF2-40B4-BE49-F238E27FC236}">
-                <a16:creationId xmlns:a16="http://schemas.microsoft.com/office/drawing/2014/main" id="{E7D8E37C-33E5-52CB-92A5-51C14C75827E}"/>
-              </a:ext>
-            </a:extLst>
-          </p:cNvPr>
-          <p:cNvSpPr>
-            <a:spLocks noGrp="1"/>
-          </p:cNvSpPr>
-          <p:nvPr>
-            <p:ph type="body" idx="1"/>
-          </p:nvPr>
-        </p:nvSpPr>
-        <p:spPr/>
-        <p:txBody>
-          <a:bodyPr/>
-          <a:lstStyle/>
-          <a:p>
-            <a:pPr marL="114300" indent="0">
-              <a:buNone/>
-            </a:pPr>
-            <a:endParaRPr lang="fr-FR" sz="1100" dirty="0">
-              <a:solidFill>
-                <a:srgbClr val="000000"/>
-              </a:solidFill>
-            </a:endParaRPr>
-          </a:p>
-          <a:p>
-            <a:pPr marL="114300" indent="0">
-              <a:buNone/>
-            </a:pPr>
-            <a:endParaRPr lang="fr-FR" sz="1100" dirty="0">
-              <a:solidFill>
-                <a:srgbClr val="000000"/>
-              </a:solidFill>
-            </a:endParaRPr>
-          </a:p>
-          <a:p>
-            <a:endParaRPr lang="fr-FR" dirty="0"/>
-          </a:p>
-        </p:txBody>
-      </p:sp>
-    </p:spTree>
-    <p:extLst>
-      <p:ext uri="{BB962C8B-B14F-4D97-AF65-F5344CB8AC3E}">
-        <p14:creationId xmlns:p14="http://schemas.microsoft.com/office/powerpoint/2010/main" val="2872732345"/>
-      </p:ext>
-    </p:extLst>
-  </p:cSld>
-  <p:clrMapOvr>
-    <a:masterClrMapping/>
-  </p:clrMapOvr>
-</p:notes>
-</file>
-
-<file path=ppt/notesSlides/notesSlide4.xml><?xml version="1.0" encoding="utf-8"?>
-<p:notes xmlns:a="http://schemas.openxmlformats.org/drawingml/2006/main" xmlns:r="http://schemas.openxmlformats.org/officeDocument/2006/relationships" xmlns:p="http://schemas.openxmlformats.org/presentationml/2006/main" showMasterSp="0" showMasterPhAnim="0">
-  <p:cSld>
-    <p:spTree>
-      <p:nvGrpSpPr>
-        <p:cNvPr id="1" name="Shape 64"/>
-        <p:cNvGrpSpPr/>
-        <p:nvPr/>
-      </p:nvGrpSpPr>
-      <p:grpSpPr>
-        <a:xfrm>
-          <a:off x="0" y="0"/>
-          <a:ext cx="0" cy="0"/>
-          <a:chOff x="0" y="0"/>
-          <a:chExt cx="0" cy="0"/>
-        </a:xfrm>
-      </p:grpSpPr>
-      <p:sp>
-        <p:nvSpPr>
-          <p:cNvPr id="65" name="Google Shape;65;g3bc3b886ea_0_7:notes"/>
-          <p:cNvSpPr>
-            <a:spLocks noGrp="1" noRot="1" noChangeAspect="1"/>
-          </p:cNvSpPr>
-          <p:nvPr>
-            <p:ph type="sldImg" idx="2"/>
-          </p:nvPr>
-        </p:nvSpPr>
-        <p:spPr>
-          <a:xfrm>
-            <a:off x="381300" y="685800"/>
-            <a:ext cx="6096000" cy="3429000"/>
-          </a:xfrm>
-          <a:custGeom>
-            <a:avLst/>
-            <a:gdLst/>
-            <a:ahLst/>
-            <a:cxnLst/>
-            <a:rect l="l" t="t" r="r" b="b"/>
-            <a:pathLst>
-              <a:path w="120000" h="120000" extrusionOk="0">
-                <a:moveTo>
-                  <a:pt x="0" y="0"/>
-                </a:moveTo>
-                <a:lnTo>
-                  <a:pt x="120000" y="0"/>
-                </a:lnTo>
-                <a:lnTo>
-                  <a:pt x="120000" y="120000"/>
-                </a:lnTo>
-                <a:lnTo>
-                  <a:pt x="0" y="120000"/>
-                </a:lnTo>
-                <a:close/>
-              </a:path>
-            </a:pathLst>
-          </a:custGeom>
-        </p:spPr>
-      </p:sp>
-      <p:sp>
-        <p:nvSpPr>
-          <p:cNvPr id="66" name="Google Shape;66;g3bc3b886ea_0_7:notes"/>
-          <p:cNvSpPr txBox="1">
-            <a:spLocks noGrp="1"/>
-          </p:cNvSpPr>
-          <p:nvPr>
-            <p:ph type="body" idx="1"/>
-          </p:nvPr>
-        </p:nvSpPr>
-        <p:spPr>
-          <a:xfrm>
-            <a:off x="685800" y="4343400"/>
-            <a:ext cx="5486400" cy="4114800"/>
-          </a:xfrm>
-          <a:prstGeom prst="rect">
-            <a:avLst/>
-          </a:prstGeom>
-        </p:spPr>
-        <p:txBody>
-          <a:bodyPr spcFirstLastPara="1" wrap="square" lIns="91425" tIns="91425" rIns="91425" bIns="91425" anchor="t" anchorCtr="0">
-            <a:noAutofit/>
-          </a:bodyPr>
-          <a:lstStyle/>
-          <a:p>
-            <a:pPr marL="0" lvl="0" indent="0" algn="l" rtl="0">
-              <a:spcBef>
-                <a:spcPts val="0"/>
-              </a:spcBef>
-              <a:spcAft>
-                <a:spcPts val="0"/>
-              </a:spcAft>
-              <a:buNone/>
-            </a:pPr>
-            <a:endParaRPr/>
-          </a:p>
-        </p:txBody>
-      </p:sp>
-    </p:spTree>
-  </p:cSld>
-  <p:clrMapOvr>
-    <a:masterClrMapping/>
-  </p:clrMapOvr>
-</p:notes>
-</file>
-
-<file path=ppt/notesSlides/notesSlide5.xml><?xml version="1.0" encoding="utf-8"?>
+<file path=ppt/notesSlides/notesSlide2.xml><?xml version="1.0" encoding="utf-8"?>
 <p:notes xmlns:a="http://schemas.openxmlformats.org/drawingml/2006/main" xmlns:r="http://schemas.openxmlformats.org/officeDocument/2006/relationships" xmlns:p="http://schemas.openxmlformats.org/presentationml/2006/main" showMasterSp="0" showMasterPhAnim="0">
   <p:cSld>
     <p:spTree>
@@ -1235,7 +958,7 @@
         </p:nvSpPr>
         <p:spPr>
           <a:xfrm>
-            <a:off x="381300" y="685800"/>
+            <a:off x="381000" y="685800"/>
             <a:ext cx="6096000" cy="3429000"/>
           </a:xfrm>
           <a:custGeom>
@@ -1316,7 +1039,7 @@
               <a:buSzPts val="1100"/>
               <a:buNone/>
             </a:pPr>
-            <a:endParaRPr/>
+            <a:endParaRPr dirty="0"/>
           </a:p>
         </p:txBody>
       </p:sp>
@@ -1328,7 +1051,790 @@
 </p:notes>
 </file>
 
+<file path=ppt/notesSlides/notesSlide3.xml><?xml version="1.0" encoding="utf-8"?>
+<p:notes xmlns:a="http://schemas.openxmlformats.org/drawingml/2006/main" xmlns:r="http://schemas.openxmlformats.org/officeDocument/2006/relationships" xmlns:p="http://schemas.openxmlformats.org/presentationml/2006/main" showMasterSp="0" showMasterPhAnim="0">
+  <p:cSld>
+    <p:spTree>
+      <p:nvGrpSpPr>
+        <p:cNvPr id="1" name="Shape 64"/>
+        <p:cNvGrpSpPr/>
+        <p:nvPr/>
+      </p:nvGrpSpPr>
+      <p:grpSpPr>
+        <a:xfrm>
+          <a:off x="0" y="0"/>
+          <a:ext cx="0" cy="0"/>
+          <a:chOff x="0" y="0"/>
+          <a:chExt cx="0" cy="0"/>
+        </a:xfrm>
+      </p:grpSpPr>
+      <p:sp>
+        <p:nvSpPr>
+          <p:cNvPr id="65" name="Google Shape;65;g3bc3b886ea_0_7:notes"/>
+          <p:cNvSpPr>
+            <a:spLocks noGrp="1" noRot="1" noChangeAspect="1"/>
+          </p:cNvSpPr>
+          <p:nvPr>
+            <p:ph type="sldImg" idx="2"/>
+          </p:nvPr>
+        </p:nvSpPr>
+        <p:spPr>
+          <a:xfrm>
+            <a:off x="381000" y="685800"/>
+            <a:ext cx="6096000" cy="3429000"/>
+          </a:xfrm>
+          <a:custGeom>
+            <a:avLst/>
+            <a:gdLst/>
+            <a:ahLst/>
+            <a:cxnLst/>
+            <a:rect l="l" t="t" r="r" b="b"/>
+            <a:pathLst>
+              <a:path w="120000" h="120000" extrusionOk="0">
+                <a:moveTo>
+                  <a:pt x="0" y="0"/>
+                </a:moveTo>
+                <a:lnTo>
+                  <a:pt x="120000" y="0"/>
+                </a:lnTo>
+                <a:lnTo>
+                  <a:pt x="120000" y="120000"/>
+                </a:lnTo>
+                <a:lnTo>
+                  <a:pt x="0" y="120000"/>
+                </a:lnTo>
+                <a:close/>
+              </a:path>
+            </a:pathLst>
+          </a:custGeom>
+        </p:spPr>
+      </p:sp>
+      <p:sp>
+        <p:nvSpPr>
+          <p:cNvPr id="66" name="Google Shape;66;g3bc3b886ea_0_7:notes"/>
+          <p:cNvSpPr txBox="1">
+            <a:spLocks noGrp="1"/>
+          </p:cNvSpPr>
+          <p:nvPr>
+            <p:ph type="body" idx="1"/>
+          </p:nvPr>
+        </p:nvSpPr>
+        <p:spPr>
+          <a:xfrm>
+            <a:off x="685800" y="4343400"/>
+            <a:ext cx="5486400" cy="4114800"/>
+          </a:xfrm>
+          <a:prstGeom prst="rect">
+            <a:avLst/>
+          </a:prstGeom>
+        </p:spPr>
+        <p:txBody>
+          <a:bodyPr spcFirstLastPara="1" wrap="square" lIns="91425" tIns="91425" rIns="91425" bIns="91425" anchor="t" anchorCtr="0">
+            <a:noAutofit/>
+          </a:bodyPr>
+          <a:lstStyle/>
+          <a:p>
+            <a:pPr marL="0" lvl="0" indent="0" algn="l" rtl="0">
+              <a:spcBef>
+                <a:spcPts val="0"/>
+              </a:spcBef>
+              <a:spcAft>
+                <a:spcPts val="0"/>
+              </a:spcAft>
+              <a:buNone/>
+            </a:pPr>
+            <a:endParaRPr/>
+          </a:p>
+        </p:txBody>
+      </p:sp>
+    </p:spTree>
+  </p:cSld>
+  <p:clrMapOvr>
+    <a:masterClrMapping/>
+  </p:clrMapOvr>
+</p:notes>
+</file>
+
+<file path=ppt/notesSlides/notesSlide4.xml><?xml version="1.0" encoding="utf-8"?>
+<p:notes xmlns:a="http://schemas.openxmlformats.org/drawingml/2006/main" xmlns:r="http://schemas.openxmlformats.org/officeDocument/2006/relationships" xmlns:p="http://schemas.openxmlformats.org/presentationml/2006/main" showMasterSp="0" showMasterPhAnim="0">
+  <p:cSld>
+    <p:spTree>
+      <p:nvGrpSpPr>
+        <p:cNvPr id="1" name="Shape 64">
+          <a:extLst>
+            <a:ext uri="{FF2B5EF4-FFF2-40B4-BE49-F238E27FC236}">
+              <a16:creationId xmlns:a16="http://schemas.microsoft.com/office/drawing/2014/main" id="{E31C119E-0DB6-8C3F-3CA2-A2966D6C5EE1}"/>
+            </a:ext>
+          </a:extLst>
+        </p:cNvPr>
+        <p:cNvGrpSpPr/>
+        <p:nvPr/>
+      </p:nvGrpSpPr>
+      <p:grpSpPr>
+        <a:xfrm>
+          <a:off x="0" y="0"/>
+          <a:ext cx="0" cy="0"/>
+          <a:chOff x="0" y="0"/>
+          <a:chExt cx="0" cy="0"/>
+        </a:xfrm>
+      </p:grpSpPr>
+      <p:sp>
+        <p:nvSpPr>
+          <p:cNvPr id="65" name="Google Shape;65;g3bc3b886ea_0_7:notes">
+            <a:extLst>
+              <a:ext uri="{FF2B5EF4-FFF2-40B4-BE49-F238E27FC236}">
+                <a16:creationId xmlns:a16="http://schemas.microsoft.com/office/drawing/2014/main" id="{9328F9EF-20A3-75E2-BF73-2B8E7DDFA8A9}"/>
+              </a:ext>
+            </a:extLst>
+          </p:cNvPr>
+          <p:cNvSpPr>
+            <a:spLocks noGrp="1" noRot="1" noChangeAspect="1"/>
+          </p:cNvSpPr>
+          <p:nvPr>
+            <p:ph type="sldImg" idx="2"/>
+          </p:nvPr>
+        </p:nvSpPr>
+        <p:spPr>
+          <a:xfrm>
+            <a:off x="381000" y="685800"/>
+            <a:ext cx="6096000" cy="3429000"/>
+          </a:xfrm>
+          <a:custGeom>
+            <a:avLst/>
+            <a:gdLst/>
+            <a:ahLst/>
+            <a:cxnLst/>
+            <a:rect l="l" t="t" r="r" b="b"/>
+            <a:pathLst>
+              <a:path w="120000" h="120000" extrusionOk="0">
+                <a:moveTo>
+                  <a:pt x="0" y="0"/>
+                </a:moveTo>
+                <a:lnTo>
+                  <a:pt x="120000" y="0"/>
+                </a:lnTo>
+                <a:lnTo>
+                  <a:pt x="120000" y="120000"/>
+                </a:lnTo>
+                <a:lnTo>
+                  <a:pt x="0" y="120000"/>
+                </a:lnTo>
+                <a:close/>
+              </a:path>
+            </a:pathLst>
+          </a:custGeom>
+        </p:spPr>
+      </p:sp>
+      <p:sp>
+        <p:nvSpPr>
+          <p:cNvPr id="66" name="Google Shape;66;g3bc3b886ea_0_7:notes">
+            <a:extLst>
+              <a:ext uri="{FF2B5EF4-FFF2-40B4-BE49-F238E27FC236}">
+                <a16:creationId xmlns:a16="http://schemas.microsoft.com/office/drawing/2014/main" id="{42AC3328-B427-BA8D-4070-3CA2FA971E81}"/>
+              </a:ext>
+            </a:extLst>
+          </p:cNvPr>
+          <p:cNvSpPr txBox="1">
+            <a:spLocks noGrp="1"/>
+          </p:cNvSpPr>
+          <p:nvPr>
+            <p:ph type="body" idx="1"/>
+          </p:nvPr>
+        </p:nvSpPr>
+        <p:spPr>
+          <a:xfrm>
+            <a:off x="685800" y="4343400"/>
+            <a:ext cx="5486400" cy="4114800"/>
+          </a:xfrm>
+          <a:prstGeom prst="rect">
+            <a:avLst/>
+          </a:prstGeom>
+        </p:spPr>
+        <p:txBody>
+          <a:bodyPr spcFirstLastPara="1" wrap="square" lIns="91425" tIns="91425" rIns="91425" bIns="91425" anchor="t" anchorCtr="0">
+            <a:noAutofit/>
+          </a:bodyPr>
+          <a:lstStyle/>
+          <a:p>
+            <a:pPr marL="0" lvl="0" indent="0" algn="l" rtl="0">
+              <a:spcBef>
+                <a:spcPts val="0"/>
+              </a:spcBef>
+              <a:spcAft>
+                <a:spcPts val="0"/>
+              </a:spcAft>
+              <a:buNone/>
+            </a:pPr>
+            <a:endParaRPr lang="fr-FR" dirty="0"/>
+          </a:p>
+          <a:p>
+            <a:pPr marL="0" lvl="0" indent="0" algn="l" rtl="0">
+              <a:spcBef>
+                <a:spcPts val="0"/>
+              </a:spcBef>
+              <a:spcAft>
+                <a:spcPts val="0"/>
+              </a:spcAft>
+              <a:buNone/>
+            </a:pPr>
+            <a:r>
+              <a:rPr lang="fr-FR" dirty="0"/>
+              <a:t>Pour ce projet, j’ai d’abord collecté les données via plusieurs sources : l’API </a:t>
+            </a:r>
+            <a:r>
+              <a:rPr lang="fr-FR" dirty="0" err="1"/>
+              <a:t>Nominatim</a:t>
+            </a:r>
+            <a:r>
+              <a:rPr lang="fr-FR" dirty="0"/>
+              <a:t> pour les coordonnées GPS, l’API </a:t>
+            </a:r>
+            <a:r>
+              <a:rPr lang="fr-FR" dirty="0" err="1"/>
+              <a:t>OpenWeatherMap</a:t>
+            </a:r>
+            <a:r>
+              <a:rPr lang="fr-FR" dirty="0"/>
+              <a:t> pour la météo, et un </a:t>
+            </a:r>
+            <a:r>
+              <a:rPr lang="fr-FR" dirty="0" err="1"/>
+              <a:t>scraping</a:t>
+            </a:r>
+            <a:r>
+              <a:rPr lang="fr-FR" dirty="0"/>
+              <a:t> du site Booking.com pour des informations sur les hôtels.</a:t>
+            </a:r>
+            <a:br>
+              <a:rPr lang="fr-FR" dirty="0"/>
+            </a:br>
+            <a:r>
+              <a:rPr lang="fr-FR" dirty="0"/>
+              <a:t>Après un nettoyage pour garantir la qualité des données, je les ai stockées dans S3, puis j’ai crée 3 tables dans </a:t>
+            </a:r>
+            <a:r>
+              <a:rPr lang="fr-FR" dirty="0" err="1"/>
+              <a:t>Neon</a:t>
+            </a:r>
+            <a:r>
+              <a:rPr lang="fr-FR" dirty="0"/>
+              <a:t> ,</a:t>
+            </a:r>
+            <a:br>
+              <a:rPr lang="fr-FR" dirty="0"/>
+            </a:br>
+            <a:r>
+              <a:rPr lang="fr-FR" dirty="0"/>
+              <a:t>Enfin, j’ai réalisé une visualisation interactive avec </a:t>
+            </a:r>
+            <a:r>
+              <a:rPr lang="fr-FR" dirty="0" err="1"/>
+              <a:t>Plotly</a:t>
+            </a:r>
+            <a:r>
+              <a:rPr lang="fr-FR" dirty="0"/>
+              <a:t>, ce qui permet d’explorer les informations directement sur une carte.</a:t>
+            </a:r>
+            <a:endParaRPr dirty="0"/>
+          </a:p>
+        </p:txBody>
+      </p:sp>
+    </p:spTree>
+    <p:extLst>
+      <p:ext uri="{BB962C8B-B14F-4D97-AF65-F5344CB8AC3E}">
+        <p14:creationId xmlns:p14="http://schemas.microsoft.com/office/powerpoint/2010/main" val="1164527419"/>
+      </p:ext>
+    </p:extLst>
+  </p:cSld>
+  <p:clrMapOvr>
+    <a:masterClrMapping/>
+  </p:clrMapOvr>
+</p:notes>
+</file>
+
+<file path=ppt/notesSlides/notesSlide5.xml><?xml version="1.0" encoding="utf-8"?>
+<p:notes xmlns:a="http://schemas.openxmlformats.org/drawingml/2006/main" xmlns:r="http://schemas.openxmlformats.org/officeDocument/2006/relationships" xmlns:p="http://schemas.openxmlformats.org/presentationml/2006/main">
+  <p:cSld>
+    <p:spTree>
+      <p:nvGrpSpPr>
+        <p:cNvPr id="1" name=""/>
+        <p:cNvGrpSpPr/>
+        <p:nvPr/>
+      </p:nvGrpSpPr>
+      <p:grpSpPr>
+        <a:xfrm>
+          <a:off x="0" y="0"/>
+          <a:ext cx="0" cy="0"/>
+          <a:chOff x="0" y="0"/>
+          <a:chExt cx="0" cy="0"/>
+        </a:xfrm>
+      </p:grpSpPr>
+      <p:sp>
+        <p:nvSpPr>
+          <p:cNvPr id="2" name="Espace réservé de l'image des diapositives 1"/>
+          <p:cNvSpPr>
+            <a:spLocks noGrp="1" noRot="1" noChangeAspect="1"/>
+          </p:cNvSpPr>
+          <p:nvPr>
+            <p:ph type="sldImg"/>
+          </p:nvPr>
+        </p:nvSpPr>
+        <p:spPr>
+          <a:xfrm>
+            <a:off x="381000" y="685800"/>
+            <a:ext cx="6096000" cy="3429000"/>
+          </a:xfrm>
+        </p:spPr>
+      </p:sp>
+      <p:sp>
+        <p:nvSpPr>
+          <p:cNvPr id="3" name="Espace réservé des notes 2"/>
+          <p:cNvSpPr>
+            <a:spLocks noGrp="1"/>
+          </p:cNvSpPr>
+          <p:nvPr>
+            <p:ph type="body" idx="1"/>
+          </p:nvPr>
+        </p:nvSpPr>
+        <p:spPr/>
+        <p:txBody>
+          <a:bodyPr/>
+          <a:lstStyle/>
+          <a:p>
+            <a:r>
+              <a:rPr lang="fr-FR" dirty="0"/>
+              <a:t>Voici maintenant l’architecture et le flux de mon projet.</a:t>
+            </a:r>
+          </a:p>
+          <a:p>
+            <a:r>
+              <a:rPr lang="fr-FR" dirty="0"/>
+              <a:t>J’ai mis en place un processus </a:t>
+            </a:r>
+            <a:r>
+              <a:rPr lang="fr-FR" b="1" dirty="0"/>
+              <a:t>ETL</a:t>
+            </a:r>
+            <a:r>
+              <a:rPr lang="fr-FR" dirty="0"/>
+              <a:t>. Dans un premier temps, les données sont extraites depuis différentes sources : les APIs </a:t>
+            </a:r>
+            <a:r>
+              <a:rPr lang="fr-FR" dirty="0" err="1"/>
+              <a:t>Nominatim</a:t>
+            </a:r>
+            <a:r>
+              <a:rPr lang="fr-FR" dirty="0"/>
+              <a:t> et </a:t>
+            </a:r>
+            <a:r>
+              <a:rPr lang="fr-FR" dirty="0" err="1"/>
+              <a:t>OpenWeatherMap</a:t>
+            </a:r>
+            <a:r>
+              <a:rPr lang="fr-FR" dirty="0"/>
+              <a:t> ainsi que le </a:t>
+            </a:r>
+            <a:r>
+              <a:rPr lang="fr-FR" dirty="0" err="1"/>
+              <a:t>scraping</a:t>
+            </a:r>
+            <a:r>
+              <a:rPr lang="fr-FR" dirty="0"/>
+              <a:t> de Booking.com.</a:t>
+            </a:r>
+            <a:br>
+              <a:rPr lang="fr-FR" dirty="0"/>
+            </a:br>
+            <a:r>
+              <a:rPr lang="fr-FR" dirty="0"/>
+              <a:t>Elles passent ensuite par une étape de </a:t>
+            </a:r>
+            <a:r>
+              <a:rPr lang="fr-FR" b="1" dirty="0"/>
+              <a:t>transformation et de nettoyage</a:t>
+            </a:r>
+            <a:r>
+              <a:rPr lang="fr-FR" dirty="0"/>
+              <a:t>, afin d’assurer leur cohérence et leur qualité.</a:t>
+            </a:r>
+            <a:br>
+              <a:rPr lang="fr-FR" dirty="0"/>
+            </a:br>
+            <a:r>
+              <a:rPr lang="fr-FR" dirty="0"/>
+              <a:t>Puis elles sont </a:t>
+            </a:r>
+            <a:r>
+              <a:rPr lang="fr-FR" b="1" dirty="0"/>
+              <a:t>chargées dans un </a:t>
+            </a:r>
+            <a:r>
+              <a:rPr lang="fr-FR" b="1" dirty="0" err="1"/>
+              <a:t>bucket</a:t>
+            </a:r>
+            <a:r>
+              <a:rPr lang="fr-FR" b="1" dirty="0"/>
+              <a:t> S3</a:t>
+            </a:r>
+            <a:r>
+              <a:rPr lang="fr-FR" dirty="0"/>
+              <a:t>, qui sert de zone de stockage centralisée.</a:t>
+            </a:r>
+          </a:p>
+          <a:p>
+            <a:r>
+              <a:rPr lang="fr-FR" dirty="0"/>
+              <a:t>À partir de là, je crée et organise mes </a:t>
+            </a:r>
+            <a:r>
+              <a:rPr lang="fr-FR" b="1" dirty="0"/>
+              <a:t>tables dans </a:t>
+            </a:r>
+            <a:r>
+              <a:rPr lang="fr-FR" b="1" dirty="0" err="1"/>
+              <a:t>Neon</a:t>
+            </a:r>
+            <a:r>
+              <a:rPr lang="fr-FR" dirty="0"/>
+              <a:t>, avec une base structurée en trois tables principales : Villes, Météo et Hôtels. Cela me permet d’interroger directement les données avec SQL pour l’analyse.</a:t>
+            </a:r>
+          </a:p>
+          <a:p>
+            <a:r>
+              <a:rPr lang="fr-FR" dirty="0"/>
+              <a:t>Enfin, les résultats sont restitués via une </a:t>
+            </a:r>
+            <a:r>
+              <a:rPr lang="fr-FR" b="1" dirty="0"/>
+              <a:t>visualisation interactive avec </a:t>
+            </a:r>
+            <a:r>
+              <a:rPr lang="fr-FR" b="1" dirty="0" err="1"/>
+              <a:t>Plotly</a:t>
+            </a:r>
+            <a:r>
+              <a:rPr lang="fr-FR" dirty="0"/>
+              <a:t>, sous forme de carte dynamique, ce qui permet une exploration intuitive et rapide des données</a:t>
+            </a:r>
+          </a:p>
+          <a:p>
+            <a:endParaRPr lang="fr-FR" dirty="0"/>
+          </a:p>
+        </p:txBody>
+      </p:sp>
+    </p:spTree>
+    <p:extLst>
+      <p:ext uri="{BB962C8B-B14F-4D97-AF65-F5344CB8AC3E}">
+        <p14:creationId xmlns:p14="http://schemas.microsoft.com/office/powerpoint/2010/main" val="472246415"/>
+      </p:ext>
+    </p:extLst>
+  </p:cSld>
+  <p:clrMapOvr>
+    <a:masterClrMapping/>
+  </p:clrMapOvr>
+</p:notes>
+</file>
+
 <file path=ppt/notesSlides/notesSlide6.xml><?xml version="1.0" encoding="utf-8"?>
+<p:notes xmlns:a="http://schemas.openxmlformats.org/drawingml/2006/main" xmlns:r="http://schemas.openxmlformats.org/officeDocument/2006/relationships" xmlns:p="http://schemas.openxmlformats.org/presentationml/2006/main">
+  <p:cSld>
+    <p:spTree>
+      <p:nvGrpSpPr>
+        <p:cNvPr id="1" name=""/>
+        <p:cNvGrpSpPr/>
+        <p:nvPr/>
+      </p:nvGrpSpPr>
+      <p:grpSpPr>
+        <a:xfrm>
+          <a:off x="0" y="0"/>
+          <a:ext cx="0" cy="0"/>
+          <a:chOff x="0" y="0"/>
+          <a:chExt cx="0" cy="0"/>
+        </a:xfrm>
+      </p:grpSpPr>
+      <p:sp>
+        <p:nvSpPr>
+          <p:cNvPr id="2" name="Espace réservé de l'image des diapositives 1"/>
+          <p:cNvSpPr>
+            <a:spLocks noGrp="1" noRot="1" noChangeAspect="1"/>
+          </p:cNvSpPr>
+          <p:nvPr>
+            <p:ph type="sldImg"/>
+          </p:nvPr>
+        </p:nvSpPr>
+        <p:spPr>
+          <a:xfrm>
+            <a:off x="381000" y="685800"/>
+            <a:ext cx="6096000" cy="3429000"/>
+          </a:xfrm>
+        </p:spPr>
+      </p:sp>
+      <p:sp>
+        <p:nvSpPr>
+          <p:cNvPr id="3" name="Espace réservé des notes 2"/>
+          <p:cNvSpPr>
+            <a:spLocks noGrp="1"/>
+          </p:cNvSpPr>
+          <p:nvPr>
+            <p:ph type="body" idx="1"/>
+          </p:nvPr>
+        </p:nvSpPr>
+        <p:spPr/>
+        <p:txBody>
+          <a:bodyPr/>
+          <a:lstStyle/>
+          <a:p>
+            <a:r>
+              <a:rPr lang="fr-FR" dirty="0"/>
+              <a:t>Ici, je vous présente la partie </a:t>
+            </a:r>
+            <a:r>
+              <a:rPr lang="fr-FR" b="1" dirty="0" err="1"/>
+              <a:t>Database</a:t>
+            </a:r>
+            <a:r>
+              <a:rPr lang="fr-FR" dirty="0"/>
+              <a:t>.</a:t>
+            </a:r>
+          </a:p>
+          <a:p>
+            <a:r>
+              <a:rPr lang="fr-FR" dirty="0"/>
+              <a:t>J’ai utilisé </a:t>
+            </a:r>
+            <a:r>
+              <a:rPr lang="fr-FR" b="1" dirty="0" err="1"/>
+              <a:t>Neon</a:t>
+            </a:r>
+            <a:r>
+              <a:rPr lang="fr-FR" dirty="0"/>
+              <a:t>, une base de données PostgreSQL, pour stocker mes données transformées.</a:t>
+            </a:r>
+            <a:br>
+              <a:rPr lang="fr-FR" dirty="0"/>
+            </a:br>
+            <a:r>
+              <a:rPr lang="fr-FR" dirty="0"/>
+              <a:t>Ici, je montre une </a:t>
+            </a:r>
+            <a:r>
+              <a:rPr lang="fr-FR" b="1" dirty="0"/>
+              <a:t>requête SQL</a:t>
+            </a:r>
+            <a:r>
+              <a:rPr lang="fr-FR" dirty="0"/>
+              <a:t> exécutée directement sur </a:t>
+            </a:r>
+            <a:r>
+              <a:rPr lang="fr-FR" dirty="0" err="1"/>
+              <a:t>Neon</a:t>
+            </a:r>
+            <a:r>
+              <a:rPr lang="fr-FR" dirty="0"/>
+              <a:t>. L’objectif est de récupérer le </a:t>
+            </a:r>
+            <a:r>
+              <a:rPr lang="fr-FR" b="1" dirty="0"/>
+              <a:t>Top 5 des villes les plus chaudes</a:t>
+            </a:r>
+            <a:r>
+              <a:rPr lang="fr-FR" dirty="0"/>
+              <a:t>, mais uniquement lorsque les conditions météo sont favorables, c’est-à-dire </a:t>
+            </a:r>
+            <a:r>
+              <a:rPr lang="fr-FR" b="1" dirty="0"/>
+              <a:t>ciel dégagé ou peu nuageux</a:t>
+            </a:r>
+            <a:r>
+              <a:rPr lang="fr-FR" dirty="0"/>
+              <a:t>.</a:t>
+            </a:r>
+          </a:p>
+          <a:p>
+            <a:r>
+              <a:rPr lang="fr-FR" dirty="0"/>
+              <a:t>Le résultat est visible dans le </a:t>
+            </a:r>
+            <a:r>
+              <a:rPr lang="fr-FR" b="1" dirty="0" err="1"/>
+              <a:t>DataFrame</a:t>
+            </a:r>
+            <a:r>
+              <a:rPr lang="fr-FR" dirty="0"/>
+              <a:t>. On y retrouve les villes concernées avec leur température et leur état du ciel.</a:t>
+            </a:r>
+            <a:br>
+              <a:rPr lang="fr-FR" dirty="0"/>
+            </a:br>
+            <a:r>
+              <a:rPr lang="fr-FR" dirty="0"/>
+              <a:t>Cette étape illustre la valeur ajoutée d’une base de données relationnelle dans le projet : elle permet de faire des </a:t>
+            </a:r>
+            <a:r>
+              <a:rPr lang="fr-FR" b="1" dirty="0"/>
+              <a:t>jointures et des filtres efficaces</a:t>
+            </a:r>
+            <a:r>
+              <a:rPr lang="fr-FR" dirty="0"/>
+              <a:t> avant de passer à l’analyse et à la visualisation.</a:t>
+            </a:r>
+          </a:p>
+          <a:p>
+            <a:endParaRPr lang="fr-FR" dirty="0"/>
+          </a:p>
+        </p:txBody>
+      </p:sp>
+    </p:spTree>
+    <p:extLst>
+      <p:ext uri="{BB962C8B-B14F-4D97-AF65-F5344CB8AC3E}">
+        <p14:creationId xmlns:p14="http://schemas.microsoft.com/office/powerpoint/2010/main" val="3483504068"/>
+      </p:ext>
+    </p:extLst>
+  </p:cSld>
+  <p:clrMapOvr>
+    <a:masterClrMapping/>
+  </p:clrMapOvr>
+</p:notes>
+</file>
+
+<file path=ppt/notesSlides/notesSlide7.xml><?xml version="1.0" encoding="utf-8"?>
+<p:notes xmlns:a="http://schemas.openxmlformats.org/drawingml/2006/main" xmlns:r="http://schemas.openxmlformats.org/officeDocument/2006/relationships" xmlns:p="http://schemas.openxmlformats.org/presentationml/2006/main">
+  <p:cSld>
+    <p:spTree>
+      <p:nvGrpSpPr>
+        <p:cNvPr id="1" name=""/>
+        <p:cNvGrpSpPr/>
+        <p:nvPr/>
+      </p:nvGrpSpPr>
+      <p:grpSpPr>
+        <a:xfrm>
+          <a:off x="0" y="0"/>
+          <a:ext cx="0" cy="0"/>
+          <a:chOff x="0" y="0"/>
+          <a:chExt cx="0" cy="0"/>
+        </a:xfrm>
+      </p:grpSpPr>
+      <p:sp>
+        <p:nvSpPr>
+          <p:cNvPr id="2" name="Espace réservé de l'image des diapositives 1"/>
+          <p:cNvSpPr>
+            <a:spLocks noGrp="1" noRot="1" noChangeAspect="1"/>
+          </p:cNvSpPr>
+          <p:nvPr>
+            <p:ph type="sldImg"/>
+          </p:nvPr>
+        </p:nvSpPr>
+        <p:spPr>
+          <a:xfrm>
+            <a:off x="381000" y="685800"/>
+            <a:ext cx="6096000" cy="3429000"/>
+          </a:xfrm>
+        </p:spPr>
+      </p:sp>
+      <p:sp>
+        <p:nvSpPr>
+          <p:cNvPr id="3" name="Espace réservé des notes 2"/>
+          <p:cNvSpPr>
+            <a:spLocks noGrp="1"/>
+          </p:cNvSpPr>
+          <p:nvPr>
+            <p:ph type="body" idx="1"/>
+          </p:nvPr>
+        </p:nvSpPr>
+        <p:spPr/>
+        <p:txBody>
+          <a:bodyPr/>
+          <a:lstStyle/>
+          <a:p>
+            <a:r>
+              <a:rPr lang="fr-FR" dirty="0"/>
+              <a:t>la partie </a:t>
+            </a:r>
+            <a:r>
+              <a:rPr lang="fr-FR" b="1" dirty="0"/>
+              <a:t>visualisation interactive</a:t>
+            </a:r>
+            <a:r>
+              <a:rPr lang="fr-FR" dirty="0"/>
+              <a:t> de ce projet, a été réalisée avec </a:t>
+            </a:r>
+            <a:r>
+              <a:rPr lang="fr-FR" b="1" dirty="0" err="1"/>
+              <a:t>Plotly</a:t>
+            </a:r>
+            <a:r>
+              <a:rPr lang="fr-FR" dirty="0"/>
+              <a:t>.</a:t>
+            </a:r>
+          </a:p>
+          <a:p>
+            <a:r>
+              <a:rPr lang="fr-FR" dirty="0"/>
+              <a:t>J’ai construit deux cartes.</a:t>
+            </a:r>
+          </a:p>
+          <a:p>
+            <a:r>
+              <a:rPr lang="fr-FR" dirty="0"/>
+              <a:t>La première représente le </a:t>
+            </a:r>
+            <a:r>
+              <a:rPr lang="fr-FR" b="1" dirty="0"/>
+              <a:t>Top 20 des meilleurs hôtels</a:t>
+            </a:r>
+            <a:r>
+              <a:rPr lang="fr-FR" dirty="0"/>
+              <a:t>, sélectionnés en fonction de leur note et affichés directement sur la carte avec leurs coordonnées GPS. Cela permet d’identifier rapidement l’établissements le mieux notés des 20 villes.</a:t>
+            </a:r>
+          </a:p>
+          <a:p>
+            <a:r>
+              <a:rPr lang="fr-FR" dirty="0"/>
+              <a:t>La seconde met en avant le </a:t>
+            </a:r>
+            <a:r>
+              <a:rPr lang="fr-FR" b="1" dirty="0"/>
+              <a:t>Top 5 des destinations les plus chaudes</a:t>
+            </a:r>
+            <a:r>
+              <a:rPr lang="fr-FR" dirty="0"/>
+              <a:t>, filtrées uniquement sur des conditions météo favorables comme un ciel dégagé ou peu nuageux.</a:t>
+            </a:r>
+          </a:p>
+          <a:p>
+            <a:r>
+              <a:rPr lang="fr-FR" dirty="0"/>
+              <a:t>Ces visualisations permettent de </a:t>
+            </a:r>
+            <a:r>
+              <a:rPr lang="fr-FR" b="1" dirty="0"/>
+              <a:t>croiser données météo et données hôtelières</a:t>
+            </a:r>
+            <a:r>
+              <a:rPr lang="fr-FR" dirty="0"/>
+              <a:t> et offrent une exploration intuitive des résultats.</a:t>
+            </a:r>
+          </a:p>
+          <a:p>
+            <a:endParaRPr lang="fr-FR" dirty="0"/>
+          </a:p>
+        </p:txBody>
+      </p:sp>
+    </p:spTree>
+    <p:extLst>
+      <p:ext uri="{BB962C8B-B14F-4D97-AF65-F5344CB8AC3E}">
+        <p14:creationId xmlns:p14="http://schemas.microsoft.com/office/powerpoint/2010/main" val="2634209483"/>
+      </p:ext>
+    </p:extLst>
+  </p:cSld>
+  <p:clrMapOvr>
+    <a:masterClrMapping/>
+  </p:clrMapOvr>
+</p:notes>
+</file>
+
+<file path=ppt/notesSlides/notesSlide8.xml><?xml version="1.0" encoding="utf-8"?>
 <p:notes xmlns:a="http://schemas.openxmlformats.org/drawingml/2006/main" xmlns:r="http://schemas.openxmlformats.org/officeDocument/2006/relationships" xmlns:p="http://schemas.openxmlformats.org/presentationml/2006/main" showMasterSp="0" showMasterPhAnim="0">
   <p:cSld>
     <p:spTree>
@@ -1357,7 +1863,7 @@
         </p:nvSpPr>
         <p:spPr>
           <a:xfrm>
-            <a:off x="381300" y="685800"/>
+            <a:off x="381000" y="685800"/>
             <a:ext cx="6096000" cy="3429000"/>
           </a:xfrm>
           <a:custGeom>
@@ -1425,6 +1931,31 @@
           </a:bodyPr>
           <a:lstStyle/>
           <a:p>
+            <a:pPr marL="0" marR="0" lvl="0" indent="0" algn="l" defTabSz="914400" rtl="0" eaLnBrk="1" fontAlgn="auto" latinLnBrk="0" hangingPunct="1">
+              <a:lnSpc>
+                <a:spcPct val="100000"/>
+              </a:lnSpc>
+              <a:spcBef>
+                <a:spcPts val="0"/>
+              </a:spcBef>
+              <a:spcAft>
+                <a:spcPts val="0"/>
+              </a:spcAft>
+              <a:buClr>
+                <a:srgbClr val="000000"/>
+              </a:buClr>
+              <a:buSzPts val="1100"/>
+              <a:buFont typeface="Arial"/>
+              <a:buNone/>
+              <a:tabLst/>
+              <a:defRPr/>
+            </a:pPr>
+            <a:r>
+              <a:rPr lang="fr-FR" dirty="0"/>
+              <a:t>En résumé, ce projet illustre comment transformer des données brutes issues d’API et de collectes en informations utiles. Grâce à un processus complet d’extraction, de nettoyage, de stockage et de structuration dans une base de données, puis à une visualisation interactive sur carte,. C’est un exemple concret de la façon dont la science des données permet de transformer l’information en véritable outil d’aide à la décision.</a:t>
+            </a:r>
+          </a:p>
+          <a:p>
             <a:pPr marL="0" lvl="0" indent="0" algn="l" rtl="0">
               <a:lnSpc>
                 <a:spcPct val="100000"/>
@@ -1438,7 +1969,7 @@
               <a:buSzPts val="1100"/>
               <a:buNone/>
             </a:pPr>
-            <a:endParaRPr/>
+            <a:endParaRPr dirty="0"/>
           </a:p>
         </p:txBody>
       </p:sp>
@@ -1450,12 +1981,18 @@
 </p:notes>
 </file>
 
-<file path=ppt/notesSlides/notesSlide7.xml><?xml version="1.0" encoding="utf-8"?>
+<file path=ppt/notesSlides/notesSlide9.xml><?xml version="1.0" encoding="utf-8"?>
 <p:notes xmlns:a="http://schemas.openxmlformats.org/drawingml/2006/main" xmlns:r="http://schemas.openxmlformats.org/officeDocument/2006/relationships" xmlns:p="http://schemas.openxmlformats.org/presentationml/2006/main" showMasterSp="0" showMasterPhAnim="0">
   <p:cSld>
     <p:spTree>
       <p:nvGrpSpPr>
-        <p:cNvPr id="1" name="Shape 99"/>
+        <p:cNvPr id="1" name="Shape 90">
+          <a:extLst>
+            <a:ext uri="{FF2B5EF4-FFF2-40B4-BE49-F238E27FC236}">
+              <a16:creationId xmlns:a16="http://schemas.microsoft.com/office/drawing/2014/main" id="{62859DF7-0232-FFF0-7FBF-C0A142B1E3A3}"/>
+            </a:ext>
+          </a:extLst>
+        </p:cNvPr>
         <p:cNvGrpSpPr/>
         <p:nvPr/>
       </p:nvGrpSpPr>
@@ -1469,7 +2006,13 @@
       </p:grpSpPr>
       <p:sp>
         <p:nvSpPr>
-          <p:cNvPr id="100" name="Google Shape;100;gf4f11f959e_0_37:notes"/>
+          <p:cNvPr id="91" name="Google Shape;91;gf4f11f959e_0_29:notes">
+            <a:extLst>
+              <a:ext uri="{FF2B5EF4-FFF2-40B4-BE49-F238E27FC236}">
+                <a16:creationId xmlns:a16="http://schemas.microsoft.com/office/drawing/2014/main" id="{B0DE554F-C1E4-DB3E-B529-A56CA6DBAB6A}"/>
+              </a:ext>
+            </a:extLst>
+          </p:cNvPr>
           <p:cNvSpPr>
             <a:spLocks noGrp="1" noRot="1" noChangeAspect="1"/>
           </p:cNvSpPr>
@@ -1479,7 +2022,7 @@
         </p:nvSpPr>
         <p:spPr>
           <a:xfrm>
-            <a:off x="381300" y="685800"/>
+            <a:off x="381000" y="685800"/>
             <a:ext cx="6096000" cy="3429000"/>
           </a:xfrm>
           <a:custGeom>
@@ -1520,7 +2063,13 @@
       </p:sp>
       <p:sp>
         <p:nvSpPr>
-          <p:cNvPr id="101" name="Google Shape;101;gf4f11f959e_0_37:notes"/>
+          <p:cNvPr id="92" name="Google Shape;92;gf4f11f959e_0_29:notes">
+            <a:extLst>
+              <a:ext uri="{FF2B5EF4-FFF2-40B4-BE49-F238E27FC236}">
+                <a16:creationId xmlns:a16="http://schemas.microsoft.com/office/drawing/2014/main" id="{B9AF2C65-4E1F-E938-9191-9EA663D49B3C}"/>
+              </a:ext>
+            </a:extLst>
+          </p:cNvPr>
           <p:cNvSpPr txBox="1">
             <a:spLocks noGrp="1"/>
           </p:cNvSpPr>
@@ -1547,6 +2096,62 @@
           </a:bodyPr>
           <a:lstStyle/>
           <a:p>
+            <a:r>
+              <a:rPr lang="fr-FR" dirty="0"/>
+              <a:t>Pour aller plus loin et améliorer ce projet, plusieurs axes sont envisageables.</a:t>
+            </a:r>
+          </a:p>
+          <a:p>
+            <a:r>
+              <a:rPr lang="fr-FR" dirty="0"/>
+              <a:t>Premièrement, il serait intéressant d’</a:t>
+            </a:r>
+            <a:r>
+              <a:rPr lang="fr-FR" b="1" dirty="0"/>
+              <a:t>ajouter d’autres sources de données</a:t>
+            </a:r>
+            <a:r>
+              <a:rPr lang="fr-FR" dirty="0"/>
+              <a:t>, par exemple sur la programmation culturelle ou les animations locales, afin d’enrichir l’analyse touristique.</a:t>
+            </a:r>
+          </a:p>
+          <a:p>
+            <a:r>
+              <a:rPr lang="fr-FR" dirty="0"/>
+              <a:t>Deuxièmement, on pourrait </a:t>
+            </a:r>
+            <a:r>
+              <a:rPr lang="fr-FR" b="1" dirty="0"/>
+              <a:t>intégrer un modèle de prédiction</a:t>
+            </a:r>
+            <a:r>
+              <a:rPr lang="fr-FR" dirty="0"/>
+              <a:t>, par exemple pour estimer la météo future et ainsi proposer des recommandations plus précises aux utilisateurs.</a:t>
+            </a:r>
+          </a:p>
+          <a:p>
+            <a:r>
+              <a:rPr lang="fr-FR" dirty="0"/>
+              <a:t>Enfin, développer un </a:t>
+            </a:r>
+            <a:r>
+              <a:rPr lang="fr-FR" b="1" dirty="0"/>
+              <a:t>tableau de bord accessible aux utilisateurs</a:t>
+            </a:r>
+            <a:r>
+              <a:rPr lang="fr-FR" dirty="0"/>
+              <a:t>, par exemple avec </a:t>
+            </a:r>
+            <a:r>
+              <a:rPr lang="fr-FR" dirty="0" err="1"/>
+              <a:t>Streamlit</a:t>
+            </a:r>
+            <a:r>
+              <a:rPr lang="fr-FR" dirty="0"/>
+              <a:t>, permettrait de rendre l’exploration des données interactive et intuitive, facilitant la prise de décision pour tout type d’utilisateur</a:t>
+            </a:r>
+          </a:p>
+          <a:p>
             <a:pPr marL="0" lvl="0" indent="0" algn="l" rtl="0">
               <a:lnSpc>
                 <a:spcPct val="100000"/>
@@ -1560,115 +2165,16 @@
               <a:buSzPts val="1100"/>
               <a:buNone/>
             </a:pPr>
-            <a:endParaRPr/>
+            <a:endParaRPr dirty="0"/>
           </a:p>
         </p:txBody>
       </p:sp>
     </p:spTree>
-  </p:cSld>
-  <p:clrMapOvr>
-    <a:masterClrMapping/>
-  </p:clrMapOvr>
-</p:notes>
-</file>
-
-<file path=ppt/notesSlides/notesSlide8.xml><?xml version="1.0" encoding="utf-8"?>
-<p:notes xmlns:a="http://schemas.openxmlformats.org/drawingml/2006/main" xmlns:r="http://schemas.openxmlformats.org/officeDocument/2006/relationships" xmlns:p="http://schemas.openxmlformats.org/presentationml/2006/main" showMasterSp="0" showMasterPhAnim="0">
-  <p:cSld>
-    <p:spTree>
-      <p:nvGrpSpPr>
-        <p:cNvPr id="1" name="Shape 106"/>
-        <p:cNvGrpSpPr/>
-        <p:nvPr/>
-      </p:nvGrpSpPr>
-      <p:grpSpPr>
-        <a:xfrm>
-          <a:off x="0" y="0"/>
-          <a:ext cx="0" cy="0"/>
-          <a:chOff x="0" y="0"/>
-          <a:chExt cx="0" cy="0"/>
-        </a:xfrm>
-      </p:grpSpPr>
-      <p:sp>
-        <p:nvSpPr>
-          <p:cNvPr id="107" name="Google Shape;107;g77ed9f117a_2_3:notes"/>
-          <p:cNvSpPr>
-            <a:spLocks noGrp="1" noRot="1" noChangeAspect="1"/>
-          </p:cNvSpPr>
-          <p:nvPr>
-            <p:ph type="sldImg" idx="2"/>
-          </p:nvPr>
-        </p:nvSpPr>
-        <p:spPr>
-          <a:xfrm>
-            <a:off x="381300" y="685800"/>
-            <a:ext cx="6096000" cy="3429000"/>
-          </a:xfrm>
-          <a:custGeom>
-            <a:avLst/>
-            <a:gdLst/>
-            <a:ahLst/>
-            <a:cxnLst/>
-            <a:rect l="l" t="t" r="r" b="b"/>
-            <a:pathLst>
-              <a:path w="120000" h="120000" extrusionOk="0">
-                <a:moveTo>
-                  <a:pt x="0" y="0"/>
-                </a:moveTo>
-                <a:lnTo>
-                  <a:pt x="120000" y="0"/>
-                </a:lnTo>
-                <a:lnTo>
-                  <a:pt x="120000" y="120000"/>
-                </a:lnTo>
-                <a:lnTo>
-                  <a:pt x="0" y="120000"/>
-                </a:lnTo>
-                <a:close/>
-              </a:path>
-            </a:pathLst>
-          </a:custGeom>
-        </p:spPr>
-      </p:sp>
-      <p:sp>
-        <p:nvSpPr>
-          <p:cNvPr id="108" name="Google Shape;108;g77ed9f117a_2_3:notes"/>
-          <p:cNvSpPr txBox="1">
-            <a:spLocks noGrp="1"/>
-          </p:cNvSpPr>
-          <p:nvPr>
-            <p:ph type="body" idx="1"/>
-          </p:nvPr>
-        </p:nvSpPr>
-        <p:spPr>
-          <a:xfrm>
-            <a:off x="685800" y="4343400"/>
-            <a:ext cx="5486400" cy="4114800"/>
-          </a:xfrm>
-          <a:prstGeom prst="rect">
-            <a:avLst/>
-          </a:prstGeom>
-        </p:spPr>
-        <p:txBody>
-          <a:bodyPr spcFirstLastPara="1" wrap="square" lIns="91425" tIns="91425" rIns="91425" bIns="91425" anchor="t" anchorCtr="0">
-            <a:noAutofit/>
-          </a:bodyPr>
-          <a:lstStyle/>
-          <a:p>
-            <a:pPr marL="0" lvl="0" indent="0" algn="l" rtl="0">
-              <a:spcBef>
-                <a:spcPts val="0"/>
-              </a:spcBef>
-              <a:spcAft>
-                <a:spcPts val="0"/>
-              </a:spcAft>
-              <a:buNone/>
-            </a:pPr>
-            <a:endParaRPr/>
-          </a:p>
-        </p:txBody>
-      </p:sp>
-    </p:spTree>
+    <p:extLst>
+      <p:ext uri="{BB962C8B-B14F-4D97-AF65-F5344CB8AC3E}">
+        <p14:creationId xmlns:p14="http://schemas.microsoft.com/office/powerpoint/2010/main" val="1472888468"/>
+      </p:ext>
+    </p:extLst>
   </p:cSld>
   <p:clrMapOvr>
     <a:masterClrMapping/>
@@ -6462,8 +6968,8 @@
         </p:nvSpPr>
         <p:spPr>
           <a:xfrm>
-            <a:off x="480224" y="1710025"/>
-            <a:ext cx="8321697" cy="617700"/>
+            <a:off x="329453" y="1074594"/>
+            <a:ext cx="8650617" cy="617700"/>
           </a:xfrm>
           <a:prstGeom prst="rect">
             <a:avLst/>
@@ -6477,14 +6983,10 @@
           <a:p>
             <a:pPr lvl="0" algn="l"/>
             <a:r>
-              <a:rPr lang="fr-FR" sz="3200" b="1" dirty="0" err="1"/>
-              <a:t>Fullstack</a:t>
-            </a:r>
-            <a:r>
-              <a:rPr lang="fr-FR" sz="3200" b="1" dirty="0"/>
-              <a:t> - Concepteur développeur en science des données</a:t>
-            </a:r>
-            <a:endParaRPr sz="2000" dirty="0">
+              <a:rPr lang="fr-FR" sz="2800" b="1" dirty="0"/>
+              <a:t>Concepteur développeur en science des données</a:t>
+            </a:r>
+            <a:endParaRPr sz="1800" dirty="0">
               <a:solidFill>
                 <a:srgbClr val="0E3449"/>
               </a:solidFill>
@@ -6540,8 +7042,8 @@
         </p:blipFill>
         <p:spPr>
           <a:xfrm>
-            <a:off x="649776" y="458454"/>
-            <a:ext cx="973275" cy="651050"/>
+            <a:off x="329453" y="491804"/>
+            <a:ext cx="762439" cy="538004"/>
           </a:xfrm>
           <a:prstGeom prst="rect">
             <a:avLst/>
@@ -6564,7 +7066,7 @@
         </p:nvSpPr>
         <p:spPr>
           <a:xfrm>
-            <a:off x="480224" y="2395146"/>
+            <a:off x="411151" y="1933264"/>
             <a:ext cx="8321697" cy="533100"/>
           </a:xfrm>
           <a:prstGeom prst="rect">
@@ -6638,20 +7140,20 @@
 </p:sld>
 </file>
 
-<file path=ppt/slides/slide2.xml><?xml version="1.0" encoding="utf-8"?>
+<file path=ppt/slides/slide10.xml><?xml version="1.0" encoding="utf-8"?>
 <p:sld xmlns:a="http://schemas.openxmlformats.org/drawingml/2006/main" xmlns:r="http://schemas.openxmlformats.org/officeDocument/2006/relationships" xmlns:p="http://schemas.openxmlformats.org/presentationml/2006/main">
   <p:cSld>
     <p:bg>
       <p:bgPr>
         <a:solidFill>
-          <a:srgbClr val="E8F4FF"/>
+          <a:srgbClr val="00DBD0"/>
         </a:solidFill>
         <a:effectLst/>
       </p:bgPr>
     </p:bg>
     <p:spTree>
       <p:nvGrpSpPr>
-        <p:cNvPr id="1" name="Shape 61"/>
+        <p:cNvPr id="1" name="Shape 109"/>
         <p:cNvGrpSpPr/>
         <p:nvPr/>
       </p:nvGrpSpPr>
@@ -6665,7 +7167,7 @@
       </p:grpSpPr>
       <p:sp>
         <p:nvSpPr>
-          <p:cNvPr id="62" name="Google Shape;62;p14"/>
+          <p:cNvPr id="110" name="Google Shape;110;p19"/>
           <p:cNvSpPr txBox="1">
             <a:spLocks noGrp="1"/>
           </p:cNvSpPr>
@@ -6675,8 +7177,8 @@
         </p:nvSpPr>
         <p:spPr>
           <a:xfrm>
-            <a:off x="2529027" y="287147"/>
-            <a:ext cx="5315100" cy="777314"/>
+            <a:off x="463375" y="1311863"/>
+            <a:ext cx="8661437" cy="698400"/>
           </a:xfrm>
           <a:prstGeom prst="rect">
             <a:avLst/>
@@ -6698,7 +7200,7 @@
               <a:buNone/>
             </a:pPr>
             <a:r>
-              <a:rPr lang="fr-FR" sz="4500" b="1" dirty="0">
+              <a:rPr lang="fr" sz="5600" b="1" dirty="0">
                 <a:solidFill>
                   <a:srgbClr val="0E3449"/>
                 </a:solidFill>
@@ -6707,9 +7209,9 @@
                 <a:cs typeface="Inter"/>
                 <a:sym typeface="Inter"/>
               </a:rPr>
-              <a:t>Contexte </a:t>
-            </a:r>
-            <a:endParaRPr sz="4500" b="1" dirty="0">
+              <a:t>Merci pour votre attention </a:t>
+            </a:r>
+            <a:endParaRPr sz="5600" b="1" dirty="0">
               <a:solidFill>
                 <a:srgbClr val="0E3449"/>
               </a:solidFill>
@@ -6719,36 +7221,44 @@
               <a:sym typeface="Inter"/>
             </a:endParaRPr>
           </a:p>
-          <a:p>
-            <a:pPr marL="0" lvl="0" indent="0" algn="l" rtl="0">
-              <a:spcBef>
-                <a:spcPts val="0"/>
-              </a:spcBef>
-              <a:spcAft>
-                <a:spcPts val="0"/>
-              </a:spcAft>
-              <a:buNone/>
-            </a:pPr>
-            <a:endParaRPr sz="4500" b="1" dirty="0">
-              <a:solidFill>
-                <a:srgbClr val="0E3449"/>
-              </a:solidFill>
-              <a:latin typeface="Inter"/>
-              <a:ea typeface="Inter"/>
-              <a:cs typeface="Inter"/>
-              <a:sym typeface="Inter"/>
-            </a:endParaRPr>
-          </a:p>
         </p:txBody>
       </p:sp>
       <p:pic>
         <p:nvPicPr>
-          <p:cNvPr id="63" name="Google Shape;63;p14"/>
+          <p:cNvPr id="111" name="Google Shape;111;p19"/>
           <p:cNvPicPr preferRelativeResize="0"/>
           <p:nvPr/>
         </p:nvPicPr>
         <p:blipFill>
           <a:blip r:embed="rId3">
+            <a:alphaModFix/>
+          </a:blip>
+          <a:stretch>
+            <a:fillRect/>
+          </a:stretch>
+        </p:blipFill>
+        <p:spPr>
+          <a:xfrm>
+            <a:off x="3918625" y="3006625"/>
+            <a:ext cx="4599299" cy="2136876"/>
+          </a:xfrm>
+          <a:prstGeom prst="rect">
+            <a:avLst/>
+          </a:prstGeom>
+          <a:noFill/>
+          <a:ln>
+            <a:noFill/>
+          </a:ln>
+        </p:spPr>
+      </p:pic>
+      <p:pic>
+        <p:nvPicPr>
+          <p:cNvPr id="113" name="Google Shape;113;p19"/>
+          <p:cNvPicPr preferRelativeResize="0"/>
+          <p:nvPr/>
+        </p:nvPicPr>
+        <p:blipFill>
+          <a:blip r:embed="rId4">
             <a:alphaModFix/>
           </a:blip>
           <a:stretch>
@@ -6769,141 +7279,36 @@
           </a:ln>
         </p:spPr>
       </p:pic>
-      <p:sp>
-        <p:nvSpPr>
-          <p:cNvPr id="3" name="ZoneTexte 2">
+      <p:pic>
+        <p:nvPicPr>
+          <p:cNvPr id="2" name="Image 1">
             <a:extLst>
               <a:ext uri="{FF2B5EF4-FFF2-40B4-BE49-F238E27FC236}">
-                <a16:creationId xmlns:a16="http://schemas.microsoft.com/office/drawing/2014/main" id="{7E0DBA77-6C38-7632-BDD8-917F7FC1C349}"/>
+                <a16:creationId xmlns:a16="http://schemas.microsoft.com/office/drawing/2014/main" id="{41858A0D-662E-2185-1FB2-AECAFA45BE3D}"/>
               </a:ext>
             </a:extLst>
           </p:cNvPr>
-          <p:cNvSpPr txBox="1"/>
+          <p:cNvPicPr>
+            <a:picLocks noChangeAspect="1"/>
+          </p:cNvPicPr>
           <p:nvPr/>
-        </p:nvSpPr>
+        </p:nvPicPr>
+        <p:blipFill>
+          <a:blip r:embed="rId5"/>
+          <a:stretch>
+            <a:fillRect/>
+          </a:stretch>
+        </p:blipFill>
         <p:spPr>
           <a:xfrm>
-            <a:off x="638736" y="1467643"/>
-            <a:ext cx="7643492" cy="3293209"/>
+            <a:off x="7503459" y="4715993"/>
+            <a:ext cx="1569866" cy="315522"/>
           </a:xfrm>
           <a:prstGeom prst="rect">
             <a:avLst/>
           </a:prstGeom>
-          <a:noFill/>
         </p:spPr>
-        <p:txBody>
-          <a:bodyPr wrap="square">
-            <a:spAutoFit/>
-          </a:bodyPr>
-          <a:lstStyle/>
-          <a:p>
-            <a:r>
-              <a:rPr lang="fr-FR" sz="1600" b="1" dirty="0"/>
-              <a:t>Kayak :</a:t>
-            </a:r>
-            <a:endParaRPr lang="fr-FR" sz="1600" dirty="0"/>
-          </a:p>
-          <a:p>
-            <a:r>
-              <a:rPr lang="fr-FR" sz="1600" dirty="0"/>
-              <a:t>Moteur de recherche de voyages, fondé en 2004</a:t>
-            </a:r>
-          </a:p>
-          <a:p>
-            <a:r>
-              <a:rPr lang="fr-FR" sz="1600" dirty="0"/>
-              <a:t>Racheté par </a:t>
-            </a:r>
-            <a:r>
-              <a:rPr lang="fr-FR" sz="1600" dirty="0" err="1"/>
-              <a:t>Booking</a:t>
-            </a:r>
-            <a:r>
-              <a:rPr lang="fr-FR" sz="1600" dirty="0"/>
-              <a:t> Holdings (Booking.com, </a:t>
-            </a:r>
-            <a:r>
-              <a:rPr lang="fr-FR" sz="1600" dirty="0" err="1"/>
-              <a:t>Priceline</a:t>
-            </a:r>
-            <a:r>
-              <a:rPr lang="fr-FR" sz="1600" dirty="0"/>
-              <a:t>…)</a:t>
-            </a:r>
-          </a:p>
-          <a:p>
-            <a:r>
-              <a:rPr lang="fr-FR" sz="1600" dirty="0"/>
-              <a:t>Plus de 300 M$ de revenus/an</a:t>
-            </a:r>
-          </a:p>
-          <a:p>
-            <a:endParaRPr lang="fr-FR" sz="1600" dirty="0"/>
-          </a:p>
-          <a:p>
-            <a:r>
-              <a:rPr lang="fr-FR" sz="1600" b="1" dirty="0"/>
-              <a:t>Problématique :</a:t>
-            </a:r>
-            <a:endParaRPr lang="fr-FR" sz="1600" dirty="0"/>
-          </a:p>
-          <a:p>
-            <a:r>
-              <a:rPr lang="fr-FR" sz="1600" dirty="0"/>
-              <a:t>70 % des utilisateurs veulent plus d’infos sur leur destination</a:t>
-            </a:r>
-          </a:p>
-          <a:p>
-            <a:r>
-              <a:rPr lang="fr-FR" sz="1600" dirty="0"/>
-              <a:t>Méfiance vis-à-vis des sources inconnues</a:t>
-            </a:r>
-          </a:p>
-          <a:p>
-            <a:endParaRPr lang="fr-FR" sz="1600" dirty="0"/>
-          </a:p>
-          <a:p>
-            <a:r>
-              <a:rPr lang="fr-FR" sz="1600" b="1" dirty="0"/>
-              <a:t>Solution :</a:t>
-            </a:r>
-            <a:endParaRPr lang="fr-FR" sz="1600" dirty="0"/>
-          </a:p>
-          <a:p>
-            <a:r>
-              <a:rPr lang="fr-FR" sz="1600" dirty="0"/>
-              <a:t>Application de recommandations de </a:t>
-            </a:r>
-            <a:r>
-              <a:rPr lang="fr-FR" sz="1600" b="1" dirty="0"/>
-              <a:t>destinations et hôtels</a:t>
-            </a:r>
-            <a:endParaRPr lang="fr-FR" sz="1600" dirty="0"/>
-          </a:p>
-          <a:p>
-            <a:r>
-              <a:rPr lang="fr-FR" sz="1600" dirty="0"/>
-              <a:t>Basée sur </a:t>
-            </a:r>
-            <a:r>
-              <a:rPr lang="fr-FR" sz="1600" b="1" dirty="0"/>
-              <a:t>météo</a:t>
-            </a:r>
-            <a:r>
-              <a:rPr lang="fr-FR" sz="1600" dirty="0"/>
-              <a:t> et </a:t>
-            </a:r>
-            <a:r>
-              <a:rPr lang="fr-FR" sz="1600" b="1" dirty="0"/>
-              <a:t>informations hôtelières</a:t>
-            </a:r>
-            <a:endParaRPr lang="fr-FR" sz="1600" dirty="0"/>
-          </a:p>
-          <a:p>
-            <a:endParaRPr lang="fr-FR" sz="1600" dirty="0"/>
-          </a:p>
-        </p:txBody>
-      </p:sp>
+      </p:pic>
     </p:spTree>
   </p:cSld>
   <p:clrMapOvr>
@@ -6912,18 +7317,12 @@
 </p:sld>
 </file>
 
-<file path=ppt/slides/slide3.xml><?xml version="1.0" encoding="utf-8"?>
+<file path=ppt/slides/slide11.xml><?xml version="1.0" encoding="utf-8"?>
 <p:sld xmlns:a="http://schemas.openxmlformats.org/drawingml/2006/main" xmlns:r="http://schemas.openxmlformats.org/officeDocument/2006/relationships" xmlns:p="http://schemas.openxmlformats.org/presentationml/2006/main">
   <p:cSld>
     <p:spTree>
       <p:nvGrpSpPr>
-        <p:cNvPr id="1" name="">
-          <a:extLst>
-            <a:ext uri="{FF2B5EF4-FFF2-40B4-BE49-F238E27FC236}">
-              <a16:creationId xmlns:a16="http://schemas.microsoft.com/office/drawing/2014/main" id="{1C4A0E33-25D0-5BD7-ABA0-8513B81F084B}"/>
-            </a:ext>
-          </a:extLst>
-        </p:cNvPr>
+        <p:cNvPr id="1" name=""/>
         <p:cNvGrpSpPr/>
         <p:nvPr/>
       </p:nvGrpSpPr>
@@ -6937,250 +7336,240 @@
       </p:grpSpPr>
       <p:sp>
         <p:nvSpPr>
-          <p:cNvPr id="2" name="Titre 1">
+          <p:cNvPr id="4" name="ZoneTexte 3">
             <a:extLst>
               <a:ext uri="{FF2B5EF4-FFF2-40B4-BE49-F238E27FC236}">
-                <a16:creationId xmlns:a16="http://schemas.microsoft.com/office/drawing/2014/main" id="{6BC397C0-1DE6-3309-DD35-58861AF72C07}"/>
+                <a16:creationId xmlns:a16="http://schemas.microsoft.com/office/drawing/2014/main" id="{4C40CF7E-C1BA-8785-9E48-ACDA66C935A6}"/>
               </a:ext>
             </a:extLst>
           </p:cNvPr>
-          <p:cNvSpPr>
-            <a:spLocks noGrp="1"/>
-          </p:cNvSpPr>
-          <p:nvPr>
-            <p:ph type="title"/>
-          </p:nvPr>
+          <p:cNvSpPr txBox="1"/>
+          <p:nvPr/>
         </p:nvSpPr>
         <p:spPr>
           <a:xfrm>
-            <a:off x="-52147" y="491074"/>
-            <a:ext cx="8520600" cy="572700"/>
+            <a:off x="665629" y="578996"/>
+            <a:ext cx="6266329" cy="3539430"/>
           </a:xfrm>
+          <a:prstGeom prst="rect">
+            <a:avLst/>
+          </a:prstGeom>
+          <a:noFill/>
         </p:spPr>
         <p:txBody>
-          <a:bodyPr/>
+          <a:bodyPr wrap="square">
+            <a:spAutoFit/>
+          </a:bodyPr>
           <a:lstStyle/>
           <a:p>
-            <a:pPr algn="ctr"/>
+            <a:pPr>
+              <a:buNone/>
+            </a:pPr>
             <a:r>
               <a:rPr lang="fr-FR" b="1" dirty="0"/>
-              <a:t>Présentation du déroulé</a:t>
-            </a:r>
-          </a:p>
-        </p:txBody>
-      </p:sp>
-      <p:sp>
-        <p:nvSpPr>
-          <p:cNvPr id="3" name="Espace réservé du texte 2">
-            <a:extLst>
-              <a:ext uri="{FF2B5EF4-FFF2-40B4-BE49-F238E27FC236}">
-                <a16:creationId xmlns:a16="http://schemas.microsoft.com/office/drawing/2014/main" id="{F7EA80FD-135A-3744-9D55-CAFA54E5DD96}"/>
-              </a:ext>
-            </a:extLst>
-          </p:cNvPr>
-          <p:cNvSpPr>
-            <a:spLocks noGrp="1"/>
-          </p:cNvSpPr>
-          <p:nvPr>
-            <p:ph type="body" idx="1"/>
-          </p:nvPr>
-        </p:nvSpPr>
-        <p:spPr>
-          <a:xfrm>
-            <a:off x="1813610" y="1757689"/>
-            <a:ext cx="5516780" cy="1840706"/>
-          </a:xfrm>
-        </p:spPr>
-        <p:txBody>
-          <a:bodyPr/>
-          <a:lstStyle/>
-          <a:p>
-            <a:pPr marL="114300" indent="0">
+              <a:t>Pourquoi utiliser S3 et </a:t>
+            </a:r>
+            <a:r>
+              <a:rPr lang="fr-FR" b="1" dirty="0" err="1"/>
+              <a:t>Neon</a:t>
+            </a:r>
+            <a:r>
+              <a:rPr lang="fr-FR" b="1" dirty="0"/>
+              <a:t> ?</a:t>
+            </a:r>
+          </a:p>
+          <a:p>
+            <a:pPr>
               <a:buNone/>
             </a:pPr>
             <a:r>
               <a:rPr lang="fr-FR" b="1" dirty="0"/>
-              <a:t>→ </a:t>
-            </a:r>
-            <a:r>
-              <a:rPr lang="fr-FR" b="1" dirty="0" err="1">
-                <a:solidFill>
-                  <a:srgbClr val="0E3449"/>
-                </a:solidFill>
-                <a:latin typeface="Inter"/>
-                <a:ea typeface="Inter"/>
-                <a:sym typeface="Inter"/>
-              </a:rPr>
-              <a:t>Eda</a:t>
-            </a:r>
-            <a:r>
-              <a:rPr lang="fr-FR" b="1" dirty="0">
-                <a:solidFill>
-                  <a:srgbClr val="0E3449"/>
-                </a:solidFill>
-                <a:latin typeface="Inter"/>
-                <a:ea typeface="Inter"/>
-                <a:sym typeface="Inter"/>
-              </a:rPr>
-              <a:t> et nettoyage des données</a:t>
-            </a:r>
-          </a:p>
-          <a:p>
-            <a:pPr marL="114300" indent="0">
-              <a:buNone/>
+              <a:t>1️⃣ S3 : stockage centralisé et flexible</a:t>
+            </a:r>
+            <a:endParaRPr lang="fr-FR" dirty="0"/>
+          </a:p>
+          <a:p>
+            <a:pPr>
+              <a:buFont typeface="Arial" panose="020B0604020202020204" pitchFamily="34" charset="0"/>
+              <a:buChar char="•"/>
             </a:pPr>
             <a:r>
+              <a:rPr lang="fr-FR" dirty="0"/>
+              <a:t>Idéal pour </a:t>
+            </a:r>
+            <a:r>
               <a:rPr lang="fr-FR" b="1" dirty="0"/>
-              <a:t>→ </a:t>
-            </a:r>
-            <a:r>
-              <a:rPr lang="fr-FR" b="1" dirty="0">
-                <a:solidFill>
-                  <a:srgbClr val="0E3449"/>
-                </a:solidFill>
-                <a:latin typeface="Inter"/>
-                <a:ea typeface="Inter"/>
-                <a:sym typeface="Inter"/>
-              </a:rPr>
-              <a:t>Tokenisation et préparation pour </a:t>
-            </a:r>
-            <a:r>
-              <a:rPr lang="fr-FR" b="1" dirty="0" err="1">
-                <a:solidFill>
-                  <a:srgbClr val="0E3449"/>
-                </a:solidFill>
-                <a:latin typeface="Inter"/>
-                <a:ea typeface="Inter"/>
-                <a:sym typeface="Inter"/>
-              </a:rPr>
-              <a:t>Pytorch</a:t>
-            </a:r>
-            <a:endParaRPr lang="fr-FR" b="1" dirty="0">
-              <a:solidFill>
-                <a:srgbClr val="0E3449"/>
-              </a:solidFill>
-              <a:latin typeface="Inter"/>
-              <a:ea typeface="Inter"/>
-              <a:sym typeface="Inter"/>
-            </a:endParaRPr>
-          </a:p>
-          <a:p>
-            <a:pPr marL="114300" indent="0">
-              <a:buNone/>
+              <a:t>stocker de gros volumes de fichiers CSV</a:t>
+            </a:r>
+            <a:r>
+              <a:rPr lang="fr-FR" dirty="0"/>
+              <a:t> ou JSON.</a:t>
+            </a:r>
+          </a:p>
+          <a:p>
+            <a:pPr>
+              <a:buFont typeface="Arial" panose="020B0604020202020204" pitchFamily="34" charset="0"/>
+              <a:buChar char="•"/>
             </a:pPr>
             <a:r>
+              <a:rPr lang="fr-FR" dirty="0"/>
+              <a:t>Facilement accessible depuis différents outils ou équipes.</a:t>
+            </a:r>
+          </a:p>
+          <a:p>
+            <a:pPr>
+              <a:buFont typeface="Arial" panose="020B0604020202020204" pitchFamily="34" charset="0"/>
+              <a:buChar char="•"/>
+            </a:pPr>
+            <a:r>
               <a:rPr lang="fr-FR" b="1" dirty="0"/>
-              <a:t>→ </a:t>
-            </a:r>
-            <a:r>
-              <a:rPr lang="fr-FR" b="1" dirty="0">
-                <a:solidFill>
-                  <a:srgbClr val="0E3449"/>
-                </a:solidFill>
-                <a:latin typeface="Inter"/>
-                <a:ea typeface="Inter"/>
-                <a:sym typeface="Inter"/>
-              </a:rPr>
-              <a:t>Conception du Modèle </a:t>
-            </a:r>
-          </a:p>
-          <a:p>
-            <a:pPr marL="114300" indent="0">
-              <a:buNone/>
+              <a:t>Sécurité et sauvegarde</a:t>
+            </a:r>
+            <a:r>
+              <a:rPr lang="fr-FR" dirty="0"/>
+              <a:t> garanties par AWS.</a:t>
+            </a:r>
+          </a:p>
+          <a:p>
+            <a:pPr>
+              <a:buFont typeface="Arial" panose="020B0604020202020204" pitchFamily="34" charset="0"/>
+              <a:buChar char="•"/>
             </a:pPr>
             <a:r>
+              <a:rPr lang="fr-FR" dirty="0"/>
+              <a:t>C’est surtout un stockage brut, “</a:t>
+            </a:r>
+            <a:r>
+              <a:rPr lang="fr-FR" dirty="0" err="1"/>
+              <a:t>raw</a:t>
+            </a:r>
+            <a:r>
+              <a:rPr lang="fr-FR" dirty="0"/>
+              <a:t> data”, avant d’être nettoyé ou analysé.</a:t>
+            </a:r>
+          </a:p>
+          <a:p>
+            <a:pPr>
+              <a:buNone/>
+            </a:pPr>
+            <a:r>
               <a:rPr lang="fr-FR" b="1" dirty="0"/>
-              <a:t>→ </a:t>
-            </a:r>
-            <a:r>
-              <a:rPr lang="fr-FR" b="1" dirty="0">
-                <a:solidFill>
-                  <a:srgbClr val="0E3449"/>
-                </a:solidFill>
-                <a:latin typeface="Inter"/>
-                <a:ea typeface="Inter"/>
-                <a:sym typeface="Inter"/>
-              </a:rPr>
-              <a:t>Evaluation des performances</a:t>
-            </a:r>
+              <a:t>2️⃣ </a:t>
+            </a:r>
+            <a:r>
+              <a:rPr lang="fr-FR" b="1" dirty="0" err="1"/>
+              <a:t>Neon</a:t>
+            </a:r>
+            <a:r>
+              <a:rPr lang="fr-FR" b="1" dirty="0"/>
+              <a:t> (base SQL) : stockage structuré pour analyses</a:t>
+            </a:r>
+            <a:endParaRPr lang="fr-FR" dirty="0"/>
           </a:p>
           <a:p>
             <a:pPr>
-              <a:buFontTx/>
-              <a:buChar char="-"/>
+              <a:buFont typeface="Arial" panose="020B0604020202020204" pitchFamily="34" charset="0"/>
+              <a:buChar char="•"/>
             </a:pPr>
-            <a:endParaRPr lang="fr-FR" sz="1600" dirty="0">
-              <a:solidFill>
-                <a:srgbClr val="0E3449"/>
-              </a:solidFill>
-              <a:latin typeface="Inter"/>
-              <a:ea typeface="Inter"/>
-            </a:endParaRPr>
+            <a:r>
+              <a:rPr lang="fr-FR" dirty="0"/>
+              <a:t>Permet d’</a:t>
+            </a:r>
+            <a:r>
+              <a:rPr lang="fr-FR" b="1" dirty="0"/>
+              <a:t>interroger les données rapidement</a:t>
+            </a:r>
+            <a:r>
+              <a:rPr lang="fr-FR" dirty="0"/>
+              <a:t> avec SQL.</a:t>
+            </a:r>
           </a:p>
           <a:p>
             <a:pPr>
-              <a:buFontTx/>
-              <a:buChar char="-"/>
+              <a:buFont typeface="Arial" panose="020B0604020202020204" pitchFamily="34" charset="0"/>
+              <a:buChar char="•"/>
             </a:pPr>
-            <a:endParaRPr lang="fr-FR" dirty="0">
-              <a:solidFill>
-                <a:srgbClr val="0E3449"/>
-              </a:solidFill>
-              <a:latin typeface="Inter"/>
-              <a:ea typeface="Inter"/>
-              <a:cs typeface="Inter"/>
-              <a:sym typeface="Inter"/>
-            </a:endParaRPr>
-          </a:p>
-          <a:p>
-            <a:pPr marL="114300" indent="0">
-              <a:buNone/>
+            <a:r>
+              <a:rPr lang="fr-FR" dirty="0"/>
+              <a:t>Optimisé pour créer des tableaux, calculer des agrégats, générer des rapports.</a:t>
+            </a:r>
+          </a:p>
+          <a:p>
+            <a:pPr>
+              <a:buFont typeface="Arial" panose="020B0604020202020204" pitchFamily="34" charset="0"/>
+              <a:buChar char="•"/>
             </a:pPr>
-            <a:br>
-              <a:rPr lang="fr-FR" dirty="0">
-                <a:solidFill>
-                  <a:srgbClr val="000000"/>
-                </a:solidFill>
-              </a:rPr>
-            </a:br>
-            <a:endParaRPr lang="fr-FR" dirty="0">
-              <a:solidFill>
-                <a:srgbClr val="000000"/>
-              </a:solidFill>
-            </a:endParaRPr>
-          </a:p>
-          <a:p>
-            <a:pPr marL="114300" indent="0">
-              <a:buNone/>
+            <a:r>
+              <a:rPr lang="fr-FR" dirty="0"/>
+              <a:t>Idéal pour des </a:t>
+            </a:r>
+            <a:r>
+              <a:rPr lang="fr-FR" b="1" dirty="0"/>
+              <a:t>requêtes complexes</a:t>
+            </a:r>
+            <a:r>
+              <a:rPr lang="fr-FR" dirty="0"/>
+              <a:t> sur les hôtels, villes, météo.</a:t>
+            </a:r>
+          </a:p>
+          <a:p>
+            <a:pPr>
+              <a:buFont typeface="Arial" panose="020B0604020202020204" pitchFamily="34" charset="0"/>
+              <a:buChar char="•"/>
             </a:pPr>
-            <a:endParaRPr lang="fr-FR" dirty="0">
-              <a:solidFill>
-                <a:srgbClr val="000000"/>
-              </a:solidFill>
-            </a:endParaRPr>
-          </a:p>
-          <a:p>
-            <a:pPr marL="114300" indent="0">
+            <a:r>
+              <a:rPr lang="fr-FR" dirty="0"/>
+              <a:t>Les données sont donc </a:t>
+            </a:r>
+            <a:r>
+              <a:rPr lang="fr-FR" b="1" dirty="0"/>
+              <a:t>nettoyées, structurées et prêtes pour l’analyse</a:t>
+            </a:r>
+            <a:r>
+              <a:rPr lang="fr-FR" dirty="0"/>
+              <a:t>.</a:t>
+            </a:r>
+          </a:p>
+          <a:p>
+            <a:pPr>
               <a:buNone/>
             </a:pPr>
-            <a:endParaRPr lang="fr-FR" dirty="0">
-              <a:solidFill>
-                <a:srgbClr val="000000"/>
-              </a:solidFill>
-            </a:endParaRPr>
-          </a:p>
-          <a:p>
-            <a:pPr marL="114300" indent="0">
-              <a:buNone/>
+            <a:r>
+              <a:rPr lang="fr-FR" b="1" dirty="0"/>
+              <a:t>Résumé / métaphore :</a:t>
+            </a:r>
+            <a:endParaRPr lang="fr-FR" dirty="0"/>
+          </a:p>
+          <a:p>
+            <a:pPr>
+              <a:buFont typeface="Arial" panose="020B0604020202020204" pitchFamily="34" charset="0"/>
+              <a:buChar char="•"/>
             </a:pPr>
-            <a:endParaRPr lang="fr-FR" dirty="0"/>
+            <a:r>
+              <a:rPr lang="fr-FR" dirty="0"/>
+              <a:t>S3 = “entrepôt de stockage brut” (tout est là, même le superflu).</a:t>
+            </a:r>
+          </a:p>
+          <a:p>
+            <a:pPr>
+              <a:buFont typeface="Arial" panose="020B0604020202020204" pitchFamily="34" charset="0"/>
+              <a:buChar char="•"/>
+            </a:pPr>
+            <a:r>
+              <a:rPr lang="fr-FR" dirty="0" err="1"/>
+              <a:t>Neon</a:t>
+            </a:r>
+            <a:r>
+              <a:rPr lang="fr-FR" dirty="0"/>
+              <a:t> = “bibliothèque organisée” où tu peux retrouver exactement ce qu’il te faut pour ton analyse.</a:t>
+            </a:r>
           </a:p>
         </p:txBody>
       </p:sp>
     </p:spTree>
     <p:extLst>
       <p:ext uri="{BB962C8B-B14F-4D97-AF65-F5344CB8AC3E}">
-        <p14:creationId xmlns:p14="http://schemas.microsoft.com/office/powerpoint/2010/main" val="2228148551"/>
+        <p14:creationId xmlns:p14="http://schemas.microsoft.com/office/powerpoint/2010/main" val="3363066355"/>
       </p:ext>
     </p:extLst>
   </p:cSld>
@@ -7190,468 +7579,7 @@
 </p:sld>
 </file>
 
-<file path=ppt/slides/slide4.xml><?xml version="1.0" encoding="utf-8"?>
-<p:sld xmlns:a="http://schemas.openxmlformats.org/drawingml/2006/main" xmlns:r="http://schemas.openxmlformats.org/officeDocument/2006/relationships" xmlns:p="http://schemas.openxmlformats.org/presentationml/2006/main">
-  <p:cSld>
-    <p:spTree>
-      <p:nvGrpSpPr>
-        <p:cNvPr id="1" name="Shape 67"/>
-        <p:cNvGrpSpPr/>
-        <p:nvPr/>
-      </p:nvGrpSpPr>
-      <p:grpSpPr>
-        <a:xfrm>
-          <a:off x="0" y="0"/>
-          <a:ext cx="0" cy="0"/>
-          <a:chOff x="0" y="0"/>
-          <a:chExt cx="0" cy="0"/>
-        </a:xfrm>
-      </p:grpSpPr>
-      <p:sp>
-        <p:nvSpPr>
-          <p:cNvPr id="68" name="Google Shape;68;p15"/>
-          <p:cNvSpPr txBox="1">
-            <a:spLocks noGrp="1"/>
-          </p:cNvSpPr>
-          <p:nvPr>
-            <p:ph type="ctrTitle" idx="4294967295"/>
-          </p:nvPr>
-        </p:nvSpPr>
-        <p:spPr>
-          <a:xfrm>
-            <a:off x="1192664" y="403309"/>
-            <a:ext cx="5315100" cy="533100"/>
-          </a:xfrm>
-          <a:prstGeom prst="rect">
-            <a:avLst/>
-          </a:prstGeom>
-        </p:spPr>
-        <p:txBody>
-          <a:bodyPr spcFirstLastPara="1" wrap="square" lIns="91425" tIns="91425" rIns="91425" bIns="91425" anchor="t" anchorCtr="0">
-            <a:noAutofit/>
-          </a:bodyPr>
-          <a:lstStyle/>
-          <a:p>
-            <a:pPr marL="0" lvl="0" indent="0" algn="l" rtl="0">
-              <a:spcBef>
-                <a:spcPts val="0"/>
-              </a:spcBef>
-              <a:spcAft>
-                <a:spcPts val="0"/>
-              </a:spcAft>
-              <a:buNone/>
-            </a:pPr>
-            <a:r>
-              <a:rPr lang="fr" sz="2500">
-                <a:solidFill>
-                  <a:srgbClr val="0E3449"/>
-                </a:solidFill>
-                <a:latin typeface="Inter SemiBold"/>
-                <a:ea typeface="Inter SemiBold"/>
-                <a:cs typeface="Inter SemiBold"/>
-                <a:sym typeface="Inter SemiBold"/>
-              </a:rPr>
-              <a:t>Title</a:t>
-            </a:r>
-            <a:endParaRPr sz="2500">
-              <a:solidFill>
-                <a:srgbClr val="0E3449"/>
-              </a:solidFill>
-              <a:latin typeface="Inter SemiBold"/>
-              <a:ea typeface="Inter SemiBold"/>
-              <a:cs typeface="Inter SemiBold"/>
-              <a:sym typeface="Inter SemiBold"/>
-            </a:endParaRPr>
-          </a:p>
-        </p:txBody>
-      </p:sp>
-      <p:sp>
-        <p:nvSpPr>
-          <p:cNvPr id="69" name="Google Shape;69;p15"/>
-          <p:cNvSpPr txBox="1">
-            <a:spLocks noGrp="1"/>
-          </p:cNvSpPr>
-          <p:nvPr>
-            <p:ph type="ctrTitle" idx="4294967295"/>
-          </p:nvPr>
-        </p:nvSpPr>
-        <p:spPr>
-          <a:xfrm>
-            <a:off x="897364" y="1996409"/>
-            <a:ext cx="5315100" cy="533100"/>
-          </a:xfrm>
-          <a:prstGeom prst="rect">
-            <a:avLst/>
-          </a:prstGeom>
-        </p:spPr>
-        <p:txBody>
-          <a:bodyPr spcFirstLastPara="1" wrap="square" lIns="91425" tIns="91425" rIns="91425" bIns="91425" anchor="t" anchorCtr="0">
-            <a:noAutofit/>
-          </a:bodyPr>
-          <a:lstStyle/>
-          <a:p>
-            <a:pPr marL="0" lvl="0" indent="0" algn="l" rtl="0">
-              <a:spcBef>
-                <a:spcPts val="0"/>
-              </a:spcBef>
-              <a:spcAft>
-                <a:spcPts val="0"/>
-              </a:spcAft>
-              <a:buNone/>
-            </a:pPr>
-            <a:r>
-              <a:rPr lang="fr" sz="2000">
-                <a:solidFill>
-                  <a:srgbClr val="4B5258"/>
-                </a:solidFill>
-                <a:latin typeface="Inter Medium"/>
-                <a:ea typeface="Inter Medium"/>
-                <a:cs typeface="Inter Medium"/>
-                <a:sym typeface="Inter Medium"/>
-              </a:rPr>
-              <a:t>Bullet point 1</a:t>
-            </a:r>
-            <a:endParaRPr sz="2000">
-              <a:solidFill>
-                <a:srgbClr val="4B5258"/>
-              </a:solidFill>
-              <a:latin typeface="Inter Medium"/>
-              <a:ea typeface="Inter Medium"/>
-              <a:cs typeface="Inter Medium"/>
-              <a:sym typeface="Inter Medium"/>
-            </a:endParaRPr>
-          </a:p>
-        </p:txBody>
-      </p:sp>
-      <p:sp>
-        <p:nvSpPr>
-          <p:cNvPr id="70" name="Google Shape;70;p15"/>
-          <p:cNvSpPr/>
-          <p:nvPr/>
-        </p:nvSpPr>
-        <p:spPr>
-          <a:xfrm rot="-355994">
-            <a:off x="559852" y="2239609"/>
-            <a:ext cx="261199" cy="46747"/>
-          </a:xfrm>
-          <a:prstGeom prst="roundRect">
-            <a:avLst>
-              <a:gd name="adj" fmla="val 50000"/>
-            </a:avLst>
-          </a:prstGeom>
-          <a:solidFill>
-            <a:srgbClr val="C3FFFC"/>
-          </a:solidFill>
-          <a:ln>
-            <a:noFill/>
-          </a:ln>
-        </p:spPr>
-        <p:txBody>
-          <a:bodyPr spcFirstLastPara="1" wrap="square" lIns="91425" tIns="91425" rIns="91425" bIns="91425" anchor="ctr" anchorCtr="0">
-            <a:noAutofit/>
-          </a:bodyPr>
-          <a:lstStyle/>
-          <a:p>
-            <a:pPr marL="0" lvl="0" indent="0" algn="l" rtl="0">
-              <a:spcBef>
-                <a:spcPts val="0"/>
-              </a:spcBef>
-              <a:spcAft>
-                <a:spcPts val="0"/>
-              </a:spcAft>
-              <a:buNone/>
-            </a:pPr>
-            <a:endParaRPr/>
-          </a:p>
-        </p:txBody>
-      </p:sp>
-      <p:sp>
-        <p:nvSpPr>
-          <p:cNvPr id="71" name="Google Shape;71;p15"/>
-          <p:cNvSpPr txBox="1">
-            <a:spLocks noGrp="1"/>
-          </p:cNvSpPr>
-          <p:nvPr>
-            <p:ph type="ctrTitle" idx="4294967295"/>
-          </p:nvPr>
-        </p:nvSpPr>
-        <p:spPr>
-          <a:xfrm>
-            <a:off x="897364" y="2529509"/>
-            <a:ext cx="5315100" cy="533100"/>
-          </a:xfrm>
-          <a:prstGeom prst="rect">
-            <a:avLst/>
-          </a:prstGeom>
-        </p:spPr>
-        <p:txBody>
-          <a:bodyPr spcFirstLastPara="1" wrap="square" lIns="91425" tIns="91425" rIns="91425" bIns="91425" anchor="t" anchorCtr="0">
-            <a:noAutofit/>
-          </a:bodyPr>
-          <a:lstStyle/>
-          <a:p>
-            <a:pPr marL="0" lvl="0" indent="0" algn="l" rtl="0">
-              <a:spcBef>
-                <a:spcPts val="0"/>
-              </a:spcBef>
-              <a:spcAft>
-                <a:spcPts val="0"/>
-              </a:spcAft>
-              <a:buClr>
-                <a:schemeClr val="dk1"/>
-              </a:buClr>
-              <a:buSzPts val="1100"/>
-              <a:buFont typeface="Arial"/>
-              <a:buNone/>
-            </a:pPr>
-            <a:r>
-              <a:rPr lang="fr" sz="2000">
-                <a:solidFill>
-                  <a:srgbClr val="4B5258"/>
-                </a:solidFill>
-                <a:latin typeface="Inter Medium"/>
-                <a:ea typeface="Inter Medium"/>
-                <a:cs typeface="Inter Medium"/>
-                <a:sym typeface="Inter Medium"/>
-              </a:rPr>
-              <a:t>Bullet point 2</a:t>
-            </a:r>
-            <a:endParaRPr sz="2000">
-              <a:solidFill>
-                <a:srgbClr val="4B5258"/>
-              </a:solidFill>
-              <a:latin typeface="Inter Medium"/>
-              <a:ea typeface="Inter Medium"/>
-              <a:cs typeface="Inter Medium"/>
-              <a:sym typeface="Inter Medium"/>
-            </a:endParaRPr>
-          </a:p>
-        </p:txBody>
-      </p:sp>
-      <p:sp>
-        <p:nvSpPr>
-          <p:cNvPr id="72" name="Google Shape;72;p15"/>
-          <p:cNvSpPr/>
-          <p:nvPr/>
-        </p:nvSpPr>
-        <p:spPr>
-          <a:xfrm rot="-355994">
-            <a:off x="559852" y="2772709"/>
-            <a:ext cx="261199" cy="46747"/>
-          </a:xfrm>
-          <a:prstGeom prst="roundRect">
-            <a:avLst>
-              <a:gd name="adj" fmla="val 50000"/>
-            </a:avLst>
-          </a:prstGeom>
-          <a:solidFill>
-            <a:srgbClr val="C3FFFC"/>
-          </a:solidFill>
-          <a:ln>
-            <a:noFill/>
-          </a:ln>
-        </p:spPr>
-        <p:txBody>
-          <a:bodyPr spcFirstLastPara="1" wrap="square" lIns="91425" tIns="91425" rIns="91425" bIns="91425" anchor="ctr" anchorCtr="0">
-            <a:noAutofit/>
-          </a:bodyPr>
-          <a:lstStyle/>
-          <a:p>
-            <a:pPr marL="0" lvl="0" indent="0" algn="l" rtl="0">
-              <a:spcBef>
-                <a:spcPts val="0"/>
-              </a:spcBef>
-              <a:spcAft>
-                <a:spcPts val="0"/>
-              </a:spcAft>
-              <a:buNone/>
-            </a:pPr>
-            <a:endParaRPr/>
-          </a:p>
-        </p:txBody>
-      </p:sp>
-      <p:sp>
-        <p:nvSpPr>
-          <p:cNvPr id="73" name="Google Shape;73;p15"/>
-          <p:cNvSpPr txBox="1">
-            <a:spLocks noGrp="1"/>
-          </p:cNvSpPr>
-          <p:nvPr>
-            <p:ph type="ctrTitle" idx="4294967295"/>
-          </p:nvPr>
-        </p:nvSpPr>
-        <p:spPr>
-          <a:xfrm>
-            <a:off x="897364" y="3062609"/>
-            <a:ext cx="5315100" cy="533100"/>
-          </a:xfrm>
-          <a:prstGeom prst="rect">
-            <a:avLst/>
-          </a:prstGeom>
-        </p:spPr>
-        <p:txBody>
-          <a:bodyPr spcFirstLastPara="1" wrap="square" lIns="91425" tIns="91425" rIns="91425" bIns="91425" anchor="t" anchorCtr="0">
-            <a:noAutofit/>
-          </a:bodyPr>
-          <a:lstStyle/>
-          <a:p>
-            <a:pPr marL="0" lvl="0" indent="0" algn="l" rtl="0">
-              <a:spcBef>
-                <a:spcPts val="0"/>
-              </a:spcBef>
-              <a:spcAft>
-                <a:spcPts val="0"/>
-              </a:spcAft>
-              <a:buClr>
-                <a:schemeClr val="dk1"/>
-              </a:buClr>
-              <a:buSzPts val="1100"/>
-              <a:buFont typeface="Arial"/>
-              <a:buNone/>
-            </a:pPr>
-            <a:r>
-              <a:rPr lang="fr" sz="2000">
-                <a:solidFill>
-                  <a:srgbClr val="4B5258"/>
-                </a:solidFill>
-                <a:latin typeface="Inter Medium"/>
-                <a:ea typeface="Inter Medium"/>
-                <a:cs typeface="Inter Medium"/>
-                <a:sym typeface="Inter Medium"/>
-              </a:rPr>
-              <a:t>Bullet point 3</a:t>
-            </a:r>
-            <a:endParaRPr sz="2000">
-              <a:solidFill>
-                <a:srgbClr val="4B5258"/>
-              </a:solidFill>
-              <a:latin typeface="Inter Medium"/>
-              <a:ea typeface="Inter Medium"/>
-              <a:cs typeface="Inter Medium"/>
-              <a:sym typeface="Inter Medium"/>
-            </a:endParaRPr>
-          </a:p>
-        </p:txBody>
-      </p:sp>
-      <p:sp>
-        <p:nvSpPr>
-          <p:cNvPr id="74" name="Google Shape;74;p15"/>
-          <p:cNvSpPr/>
-          <p:nvPr/>
-        </p:nvSpPr>
-        <p:spPr>
-          <a:xfrm rot="-355994">
-            <a:off x="559852" y="3305809"/>
-            <a:ext cx="261199" cy="46747"/>
-          </a:xfrm>
-          <a:prstGeom prst="roundRect">
-            <a:avLst>
-              <a:gd name="adj" fmla="val 50000"/>
-            </a:avLst>
-          </a:prstGeom>
-          <a:solidFill>
-            <a:srgbClr val="C3FFFC"/>
-          </a:solidFill>
-          <a:ln>
-            <a:noFill/>
-          </a:ln>
-        </p:spPr>
-        <p:txBody>
-          <a:bodyPr spcFirstLastPara="1" wrap="square" lIns="91425" tIns="91425" rIns="91425" bIns="91425" anchor="ctr" anchorCtr="0">
-            <a:noAutofit/>
-          </a:bodyPr>
-          <a:lstStyle/>
-          <a:p>
-            <a:pPr marL="0" lvl="0" indent="0" algn="l" rtl="0">
-              <a:spcBef>
-                <a:spcPts val="0"/>
-              </a:spcBef>
-              <a:spcAft>
-                <a:spcPts val="0"/>
-              </a:spcAft>
-              <a:buNone/>
-            </a:pPr>
-            <a:endParaRPr/>
-          </a:p>
-        </p:txBody>
-      </p:sp>
-      <p:pic>
-        <p:nvPicPr>
-          <p:cNvPr id="75" name="Google Shape;75;p15"/>
-          <p:cNvPicPr preferRelativeResize="0"/>
-          <p:nvPr/>
-        </p:nvPicPr>
-        <p:blipFill>
-          <a:blip r:embed="rId3">
-            <a:alphaModFix/>
-          </a:blip>
-          <a:stretch>
-            <a:fillRect/>
-          </a:stretch>
-        </p:blipFill>
-        <p:spPr>
-          <a:xfrm>
-            <a:off x="463375" y="482852"/>
-            <a:ext cx="576900" cy="385904"/>
-          </a:xfrm>
-          <a:prstGeom prst="rect">
-            <a:avLst/>
-          </a:prstGeom>
-          <a:noFill/>
-          <a:ln>
-            <a:noFill/>
-          </a:ln>
-        </p:spPr>
-      </p:pic>
-      <p:sp>
-        <p:nvSpPr>
-          <p:cNvPr id="76" name="Google Shape;76;p15"/>
-          <p:cNvSpPr/>
-          <p:nvPr/>
-        </p:nvSpPr>
-        <p:spPr>
-          <a:xfrm>
-            <a:off x="10225" y="4892025"/>
-            <a:ext cx="9144000" cy="251400"/>
-          </a:xfrm>
-          <a:prstGeom prst="rect">
-            <a:avLst/>
-          </a:prstGeom>
-          <a:solidFill>
-            <a:srgbClr val="C3FFFC"/>
-          </a:solidFill>
-          <a:ln>
-            <a:noFill/>
-          </a:ln>
-        </p:spPr>
-        <p:txBody>
-          <a:bodyPr spcFirstLastPara="1" wrap="square" lIns="91425" tIns="91425" rIns="91425" bIns="91425" anchor="ctr" anchorCtr="0">
-            <a:noAutofit/>
-          </a:bodyPr>
-          <a:lstStyle/>
-          <a:p>
-            <a:pPr marL="0" lvl="0" indent="0" algn="l" rtl="0">
-              <a:spcBef>
-                <a:spcPts val="0"/>
-              </a:spcBef>
-              <a:spcAft>
-                <a:spcPts val="0"/>
-              </a:spcAft>
-              <a:buNone/>
-            </a:pPr>
-            <a:endParaRPr/>
-          </a:p>
-        </p:txBody>
-      </p:sp>
-    </p:spTree>
-  </p:cSld>
-  <p:clrMapOvr>
-    <a:masterClrMapping/>
-  </p:clrMapOvr>
-</p:sld>
-</file>
-
-<file path=ppt/slides/slide5.xml><?xml version="1.0" encoding="utf-8"?>
+<file path=ppt/slides/slide2.xml><?xml version="1.0" encoding="utf-8"?>
 <p:sld xmlns:a="http://schemas.openxmlformats.org/drawingml/2006/main" xmlns:r="http://schemas.openxmlformats.org/officeDocument/2006/relationships" xmlns:p="http://schemas.openxmlformats.org/presentationml/2006/main">
   <p:cSld>
     <p:spTree>
@@ -7767,7 +7695,7 @@
               <a:buNone/>
             </a:pPr>
             <a:r>
-              <a:rPr lang="fr" sz="2400">
+              <a:rPr lang="fr" sz="2400" dirty="0">
                 <a:solidFill>
                   <a:srgbClr val="015955"/>
                 </a:solidFill>
@@ -7776,9 +7704,9 @@
                 <a:cs typeface="Inter"/>
                 <a:sym typeface="Inter"/>
               </a:rPr>
-              <a:t>Text</a:t>
-            </a:r>
-            <a:endParaRPr sz="2400">
+              <a:t>Sommaire</a:t>
+            </a:r>
+            <a:endParaRPr sz="2400" dirty="0">
               <a:solidFill>
                 <a:srgbClr val="015955"/>
               </a:solidFill>
@@ -7864,7 +7792,7 @@
               <a:buNone/>
             </a:pPr>
             <a:r>
-              <a:rPr lang="fr" sz="2000">
+              <a:rPr lang="fr" sz="2000" b="0" i="0" u="none" strike="noStrike" cap="none" dirty="0">
                 <a:solidFill>
                   <a:srgbClr val="4B5258"/>
                 </a:solidFill>
@@ -7873,9 +7801,9 @@
                 <a:cs typeface="Inter"/>
                 <a:sym typeface="Inter"/>
               </a:rPr>
-              <a:t>bullet point</a:t>
-            </a:r>
-            <a:endParaRPr sz="2000" b="0" i="0" u="none" strike="noStrike" cap="none">
+              <a:t>Contexte</a:t>
+            </a:r>
+            <a:endParaRPr sz="2000" b="0" i="0" u="none" strike="noStrike" cap="none" dirty="0">
               <a:solidFill>
                 <a:srgbClr val="4B5258"/>
               </a:solidFill>
@@ -7992,7 +7920,7 @@
               <a:buNone/>
             </a:pPr>
             <a:r>
-              <a:rPr lang="fr" sz="2000">
+              <a:rPr lang="fr" sz="2000" b="0" i="0" u="none" strike="noStrike" cap="none" dirty="0">
                 <a:solidFill>
                   <a:srgbClr val="4B5258"/>
                 </a:solidFill>
@@ -8001,9 +7929,9 @@
                 <a:cs typeface="Inter"/>
                 <a:sym typeface="Inter"/>
               </a:rPr>
-              <a:t>bullet point</a:t>
-            </a:r>
-            <a:endParaRPr sz="2000" b="0" i="0" u="none" strike="noStrike" cap="none">
+              <a:t>Méthodologie</a:t>
+            </a:r>
+            <a:endParaRPr sz="2000" b="0" i="0" u="none" strike="noStrike" cap="none" dirty="0">
               <a:solidFill>
                 <a:srgbClr val="4B5258"/>
               </a:solidFill>
@@ -8120,7 +8048,7 @@
               <a:buNone/>
             </a:pPr>
             <a:r>
-              <a:rPr lang="fr" sz="2000">
+              <a:rPr lang="fr" sz="2000" b="0" i="0" u="none" strike="noStrike" cap="none" dirty="0">
                 <a:solidFill>
                   <a:srgbClr val="4B5258"/>
                 </a:solidFill>
@@ -8129,9 +8057,9 @@
                 <a:cs typeface="Inter"/>
                 <a:sym typeface="Inter"/>
               </a:rPr>
-              <a:t>bullet point</a:t>
-            </a:r>
-            <a:endParaRPr sz="2000" b="0" i="0" u="none" strike="noStrike" cap="none">
+              <a:t>Application</a:t>
+            </a:r>
+            <a:endParaRPr sz="2000" b="0" i="0" u="none" strike="noStrike" cap="none" dirty="0">
               <a:solidFill>
                 <a:srgbClr val="4B5258"/>
               </a:solidFill>
@@ -8201,6 +8129,763 @@
           </a:p>
         </p:txBody>
       </p:sp>
+      <p:sp>
+        <p:nvSpPr>
+          <p:cNvPr id="2" name="Google Shape;88;p16">
+            <a:extLst>
+              <a:ext uri="{FF2B5EF4-FFF2-40B4-BE49-F238E27FC236}">
+                <a16:creationId xmlns:a16="http://schemas.microsoft.com/office/drawing/2014/main" id="{9A371171-D980-9BEB-62C9-77AA60C611E2}"/>
+              </a:ext>
+            </a:extLst>
+          </p:cNvPr>
+          <p:cNvSpPr txBox="1">
+            <a:spLocks/>
+          </p:cNvSpPr>
+          <p:nvPr/>
+        </p:nvSpPr>
+        <p:spPr>
+          <a:xfrm>
+            <a:off x="4541264" y="2737984"/>
+            <a:ext cx="5315100" cy="533100"/>
+          </a:xfrm>
+          <a:prstGeom prst="rect">
+            <a:avLst/>
+          </a:prstGeom>
+          <a:noFill/>
+          <a:ln>
+            <a:noFill/>
+          </a:ln>
+        </p:spPr>
+        <p:txBody>
+          <a:bodyPr spcFirstLastPara="1" wrap="square" lIns="91425" tIns="91425" rIns="91425" bIns="91425" anchor="t" anchorCtr="0">
+            <a:noAutofit/>
+          </a:bodyPr>
+          <a:lstStyle>
+            <a:defPPr marR="0" lvl="0" algn="l" rtl="0">
+              <a:lnSpc>
+                <a:spcPct val="100000"/>
+              </a:lnSpc>
+              <a:spcBef>
+                <a:spcPts val="0"/>
+              </a:spcBef>
+              <a:spcAft>
+                <a:spcPts val="0"/>
+              </a:spcAft>
+            </a:defPPr>
+            <a:lvl1pPr marR="0" lvl="0" algn="l" rtl="0">
+              <a:lnSpc>
+                <a:spcPct val="100000"/>
+              </a:lnSpc>
+              <a:spcBef>
+                <a:spcPts val="0"/>
+              </a:spcBef>
+              <a:spcAft>
+                <a:spcPts val="0"/>
+              </a:spcAft>
+              <a:buClr>
+                <a:schemeClr val="dk1"/>
+              </a:buClr>
+              <a:buSzPts val="2800"/>
+              <a:buFont typeface="Arial"/>
+              <a:buNone/>
+              <a:defRPr sz="2800" b="0" i="0" u="none" strike="noStrike" cap="none">
+                <a:solidFill>
+                  <a:schemeClr val="dk1"/>
+                </a:solidFill>
+                <a:latin typeface="Arial"/>
+                <a:ea typeface="Arial"/>
+                <a:cs typeface="Arial"/>
+                <a:sym typeface="Arial"/>
+              </a:defRPr>
+            </a:lvl1pPr>
+            <a:lvl2pPr marR="0" lvl="1" algn="l" rtl="0">
+              <a:lnSpc>
+                <a:spcPct val="100000"/>
+              </a:lnSpc>
+              <a:spcBef>
+                <a:spcPts val="0"/>
+              </a:spcBef>
+              <a:spcAft>
+                <a:spcPts val="0"/>
+              </a:spcAft>
+              <a:buClr>
+                <a:schemeClr val="dk1"/>
+              </a:buClr>
+              <a:buSzPts val="2800"/>
+              <a:buFont typeface="Arial"/>
+              <a:buNone/>
+              <a:defRPr sz="2800" b="0" i="0" u="none" strike="noStrike" cap="none">
+                <a:solidFill>
+                  <a:schemeClr val="dk1"/>
+                </a:solidFill>
+                <a:latin typeface="Arial"/>
+                <a:ea typeface="Arial"/>
+                <a:cs typeface="Arial"/>
+                <a:sym typeface="Arial"/>
+              </a:defRPr>
+            </a:lvl2pPr>
+            <a:lvl3pPr marR="0" lvl="2" algn="l" rtl="0">
+              <a:lnSpc>
+                <a:spcPct val="100000"/>
+              </a:lnSpc>
+              <a:spcBef>
+                <a:spcPts val="0"/>
+              </a:spcBef>
+              <a:spcAft>
+                <a:spcPts val="0"/>
+              </a:spcAft>
+              <a:buClr>
+                <a:schemeClr val="dk1"/>
+              </a:buClr>
+              <a:buSzPts val="2800"/>
+              <a:buFont typeface="Arial"/>
+              <a:buNone/>
+              <a:defRPr sz="2800" b="0" i="0" u="none" strike="noStrike" cap="none">
+                <a:solidFill>
+                  <a:schemeClr val="dk1"/>
+                </a:solidFill>
+                <a:latin typeface="Arial"/>
+                <a:ea typeface="Arial"/>
+                <a:cs typeface="Arial"/>
+                <a:sym typeface="Arial"/>
+              </a:defRPr>
+            </a:lvl3pPr>
+            <a:lvl4pPr marR="0" lvl="3" algn="l" rtl="0">
+              <a:lnSpc>
+                <a:spcPct val="100000"/>
+              </a:lnSpc>
+              <a:spcBef>
+                <a:spcPts val="0"/>
+              </a:spcBef>
+              <a:spcAft>
+                <a:spcPts val="0"/>
+              </a:spcAft>
+              <a:buClr>
+                <a:schemeClr val="dk1"/>
+              </a:buClr>
+              <a:buSzPts val="2800"/>
+              <a:buFont typeface="Arial"/>
+              <a:buNone/>
+              <a:defRPr sz="2800" b="0" i="0" u="none" strike="noStrike" cap="none">
+                <a:solidFill>
+                  <a:schemeClr val="dk1"/>
+                </a:solidFill>
+                <a:latin typeface="Arial"/>
+                <a:ea typeface="Arial"/>
+                <a:cs typeface="Arial"/>
+                <a:sym typeface="Arial"/>
+              </a:defRPr>
+            </a:lvl4pPr>
+            <a:lvl5pPr marR="0" lvl="4" algn="l" rtl="0">
+              <a:lnSpc>
+                <a:spcPct val="100000"/>
+              </a:lnSpc>
+              <a:spcBef>
+                <a:spcPts val="0"/>
+              </a:spcBef>
+              <a:spcAft>
+                <a:spcPts val="0"/>
+              </a:spcAft>
+              <a:buClr>
+                <a:schemeClr val="dk1"/>
+              </a:buClr>
+              <a:buSzPts val="2800"/>
+              <a:buFont typeface="Arial"/>
+              <a:buNone/>
+              <a:defRPr sz="2800" b="0" i="0" u="none" strike="noStrike" cap="none">
+                <a:solidFill>
+                  <a:schemeClr val="dk1"/>
+                </a:solidFill>
+                <a:latin typeface="Arial"/>
+                <a:ea typeface="Arial"/>
+                <a:cs typeface="Arial"/>
+                <a:sym typeface="Arial"/>
+              </a:defRPr>
+            </a:lvl5pPr>
+            <a:lvl6pPr marR="0" lvl="5" algn="l" rtl="0">
+              <a:lnSpc>
+                <a:spcPct val="100000"/>
+              </a:lnSpc>
+              <a:spcBef>
+                <a:spcPts val="0"/>
+              </a:spcBef>
+              <a:spcAft>
+                <a:spcPts val="0"/>
+              </a:spcAft>
+              <a:buClr>
+                <a:schemeClr val="dk1"/>
+              </a:buClr>
+              <a:buSzPts val="2800"/>
+              <a:buFont typeface="Arial"/>
+              <a:buNone/>
+              <a:defRPr sz="2800" b="0" i="0" u="none" strike="noStrike" cap="none">
+                <a:solidFill>
+                  <a:schemeClr val="dk1"/>
+                </a:solidFill>
+                <a:latin typeface="Arial"/>
+                <a:ea typeface="Arial"/>
+                <a:cs typeface="Arial"/>
+                <a:sym typeface="Arial"/>
+              </a:defRPr>
+            </a:lvl6pPr>
+            <a:lvl7pPr marR="0" lvl="6" algn="l" rtl="0">
+              <a:lnSpc>
+                <a:spcPct val="100000"/>
+              </a:lnSpc>
+              <a:spcBef>
+                <a:spcPts val="0"/>
+              </a:spcBef>
+              <a:spcAft>
+                <a:spcPts val="0"/>
+              </a:spcAft>
+              <a:buClr>
+                <a:schemeClr val="dk1"/>
+              </a:buClr>
+              <a:buSzPts val="2800"/>
+              <a:buFont typeface="Arial"/>
+              <a:buNone/>
+              <a:defRPr sz="2800" b="0" i="0" u="none" strike="noStrike" cap="none">
+                <a:solidFill>
+                  <a:schemeClr val="dk1"/>
+                </a:solidFill>
+                <a:latin typeface="Arial"/>
+                <a:ea typeface="Arial"/>
+                <a:cs typeface="Arial"/>
+                <a:sym typeface="Arial"/>
+              </a:defRPr>
+            </a:lvl7pPr>
+            <a:lvl8pPr marR="0" lvl="7" algn="l" rtl="0">
+              <a:lnSpc>
+                <a:spcPct val="100000"/>
+              </a:lnSpc>
+              <a:spcBef>
+                <a:spcPts val="0"/>
+              </a:spcBef>
+              <a:spcAft>
+                <a:spcPts val="0"/>
+              </a:spcAft>
+              <a:buClr>
+                <a:schemeClr val="dk1"/>
+              </a:buClr>
+              <a:buSzPts val="2800"/>
+              <a:buFont typeface="Arial"/>
+              <a:buNone/>
+              <a:defRPr sz="2800" b="0" i="0" u="none" strike="noStrike" cap="none">
+                <a:solidFill>
+                  <a:schemeClr val="dk1"/>
+                </a:solidFill>
+                <a:latin typeface="Arial"/>
+                <a:ea typeface="Arial"/>
+                <a:cs typeface="Arial"/>
+                <a:sym typeface="Arial"/>
+              </a:defRPr>
+            </a:lvl8pPr>
+            <a:lvl9pPr marR="0" lvl="8" algn="l" rtl="0">
+              <a:lnSpc>
+                <a:spcPct val="100000"/>
+              </a:lnSpc>
+              <a:spcBef>
+                <a:spcPts val="0"/>
+              </a:spcBef>
+              <a:spcAft>
+                <a:spcPts val="0"/>
+              </a:spcAft>
+              <a:buClr>
+                <a:schemeClr val="dk1"/>
+              </a:buClr>
+              <a:buSzPts val="2800"/>
+              <a:buFont typeface="Arial"/>
+              <a:buNone/>
+              <a:defRPr sz="2800" b="0" i="0" u="none" strike="noStrike" cap="none">
+                <a:solidFill>
+                  <a:schemeClr val="dk1"/>
+                </a:solidFill>
+                <a:latin typeface="Arial"/>
+                <a:ea typeface="Arial"/>
+                <a:cs typeface="Arial"/>
+                <a:sym typeface="Arial"/>
+              </a:defRPr>
+            </a:lvl9pPr>
+          </a:lstStyle>
+          <a:p>
+            <a:r>
+              <a:rPr lang="fr-FR" sz="2000" dirty="0">
+                <a:solidFill>
+                  <a:srgbClr val="4B5258"/>
+                </a:solidFill>
+                <a:latin typeface="Inter"/>
+                <a:ea typeface="Inter"/>
+                <a:cs typeface="Inter"/>
+                <a:sym typeface="Inter"/>
+              </a:rPr>
+              <a:t>Conclusion</a:t>
+            </a:r>
+          </a:p>
+        </p:txBody>
+      </p:sp>
+      <p:sp>
+        <p:nvSpPr>
+          <p:cNvPr id="3" name="Google Shape;89;p16">
+            <a:extLst>
+              <a:ext uri="{FF2B5EF4-FFF2-40B4-BE49-F238E27FC236}">
+                <a16:creationId xmlns:a16="http://schemas.microsoft.com/office/drawing/2014/main" id="{AB9EBE8E-496A-8736-584F-7D797FB0FF7B}"/>
+              </a:ext>
+            </a:extLst>
+          </p:cNvPr>
+          <p:cNvSpPr/>
+          <p:nvPr/>
+        </p:nvSpPr>
+        <p:spPr>
+          <a:xfrm rot="21244006">
+            <a:off x="4203736" y="2933138"/>
+            <a:ext cx="261199" cy="46747"/>
+          </a:xfrm>
+          <a:prstGeom prst="roundRect">
+            <a:avLst>
+              <a:gd name="adj" fmla="val 50000"/>
+            </a:avLst>
+          </a:prstGeom>
+          <a:solidFill>
+            <a:srgbClr val="C3FFFC"/>
+          </a:solidFill>
+          <a:ln>
+            <a:noFill/>
+          </a:ln>
+        </p:spPr>
+        <p:txBody>
+          <a:bodyPr spcFirstLastPara="1" wrap="square" lIns="91425" tIns="91425" rIns="91425" bIns="91425" anchor="ctr" anchorCtr="0">
+            <a:noAutofit/>
+          </a:bodyPr>
+          <a:lstStyle/>
+          <a:p>
+            <a:pPr marL="0" marR="0" lvl="0" indent="0" algn="l" rtl="0">
+              <a:lnSpc>
+                <a:spcPct val="100000"/>
+              </a:lnSpc>
+              <a:spcBef>
+                <a:spcPts val="0"/>
+              </a:spcBef>
+              <a:spcAft>
+                <a:spcPts val="0"/>
+              </a:spcAft>
+              <a:buClr>
+                <a:srgbClr val="000000"/>
+              </a:buClr>
+              <a:buSzPts val="1400"/>
+              <a:buFont typeface="Arial"/>
+              <a:buNone/>
+            </a:pPr>
+            <a:endParaRPr sz="1400" b="0" i="0" u="none" strike="noStrike" cap="none">
+              <a:solidFill>
+                <a:srgbClr val="000000"/>
+              </a:solidFill>
+              <a:latin typeface="Arial"/>
+              <a:ea typeface="Arial"/>
+              <a:cs typeface="Arial"/>
+              <a:sym typeface="Arial"/>
+            </a:endParaRPr>
+          </a:p>
+        </p:txBody>
+      </p:sp>
+      <p:sp>
+        <p:nvSpPr>
+          <p:cNvPr id="4" name="Google Shape;88;p16">
+            <a:extLst>
+              <a:ext uri="{FF2B5EF4-FFF2-40B4-BE49-F238E27FC236}">
+                <a16:creationId xmlns:a16="http://schemas.microsoft.com/office/drawing/2014/main" id="{7DEA9C36-35DB-24E9-128E-89F374E85C5C}"/>
+              </a:ext>
+            </a:extLst>
+          </p:cNvPr>
+          <p:cNvSpPr txBox="1">
+            <a:spLocks/>
+          </p:cNvSpPr>
+          <p:nvPr/>
+        </p:nvSpPr>
+        <p:spPr>
+          <a:xfrm>
+            <a:off x="4572000" y="3271084"/>
+            <a:ext cx="5315100" cy="533100"/>
+          </a:xfrm>
+          <a:prstGeom prst="rect">
+            <a:avLst/>
+          </a:prstGeom>
+          <a:noFill/>
+          <a:ln>
+            <a:noFill/>
+          </a:ln>
+        </p:spPr>
+        <p:txBody>
+          <a:bodyPr spcFirstLastPara="1" wrap="square" lIns="91425" tIns="91425" rIns="91425" bIns="91425" anchor="t" anchorCtr="0">
+            <a:noAutofit/>
+          </a:bodyPr>
+          <a:lstStyle>
+            <a:defPPr marR="0" lvl="0" algn="l" rtl="0">
+              <a:lnSpc>
+                <a:spcPct val="100000"/>
+              </a:lnSpc>
+              <a:spcBef>
+                <a:spcPts val="0"/>
+              </a:spcBef>
+              <a:spcAft>
+                <a:spcPts val="0"/>
+              </a:spcAft>
+            </a:defPPr>
+            <a:lvl1pPr marR="0" lvl="0" algn="l" rtl="0">
+              <a:lnSpc>
+                <a:spcPct val="100000"/>
+              </a:lnSpc>
+              <a:spcBef>
+                <a:spcPts val="0"/>
+              </a:spcBef>
+              <a:spcAft>
+                <a:spcPts val="0"/>
+              </a:spcAft>
+              <a:buClr>
+                <a:schemeClr val="dk1"/>
+              </a:buClr>
+              <a:buSzPts val="2800"/>
+              <a:buFont typeface="Arial"/>
+              <a:buNone/>
+              <a:defRPr sz="2800" b="0" i="0" u="none" strike="noStrike" cap="none">
+                <a:solidFill>
+                  <a:schemeClr val="dk1"/>
+                </a:solidFill>
+                <a:latin typeface="Arial"/>
+                <a:ea typeface="Arial"/>
+                <a:cs typeface="Arial"/>
+                <a:sym typeface="Arial"/>
+              </a:defRPr>
+            </a:lvl1pPr>
+            <a:lvl2pPr marR="0" lvl="1" algn="l" rtl="0">
+              <a:lnSpc>
+                <a:spcPct val="100000"/>
+              </a:lnSpc>
+              <a:spcBef>
+                <a:spcPts val="0"/>
+              </a:spcBef>
+              <a:spcAft>
+                <a:spcPts val="0"/>
+              </a:spcAft>
+              <a:buClr>
+                <a:schemeClr val="dk1"/>
+              </a:buClr>
+              <a:buSzPts val="2800"/>
+              <a:buFont typeface="Arial"/>
+              <a:buNone/>
+              <a:defRPr sz="2800" b="0" i="0" u="none" strike="noStrike" cap="none">
+                <a:solidFill>
+                  <a:schemeClr val="dk1"/>
+                </a:solidFill>
+                <a:latin typeface="Arial"/>
+                <a:ea typeface="Arial"/>
+                <a:cs typeface="Arial"/>
+                <a:sym typeface="Arial"/>
+              </a:defRPr>
+            </a:lvl2pPr>
+            <a:lvl3pPr marR="0" lvl="2" algn="l" rtl="0">
+              <a:lnSpc>
+                <a:spcPct val="100000"/>
+              </a:lnSpc>
+              <a:spcBef>
+                <a:spcPts val="0"/>
+              </a:spcBef>
+              <a:spcAft>
+                <a:spcPts val="0"/>
+              </a:spcAft>
+              <a:buClr>
+                <a:schemeClr val="dk1"/>
+              </a:buClr>
+              <a:buSzPts val="2800"/>
+              <a:buFont typeface="Arial"/>
+              <a:buNone/>
+              <a:defRPr sz="2800" b="0" i="0" u="none" strike="noStrike" cap="none">
+                <a:solidFill>
+                  <a:schemeClr val="dk1"/>
+                </a:solidFill>
+                <a:latin typeface="Arial"/>
+                <a:ea typeface="Arial"/>
+                <a:cs typeface="Arial"/>
+                <a:sym typeface="Arial"/>
+              </a:defRPr>
+            </a:lvl3pPr>
+            <a:lvl4pPr marR="0" lvl="3" algn="l" rtl="0">
+              <a:lnSpc>
+                <a:spcPct val="100000"/>
+              </a:lnSpc>
+              <a:spcBef>
+                <a:spcPts val="0"/>
+              </a:spcBef>
+              <a:spcAft>
+                <a:spcPts val="0"/>
+              </a:spcAft>
+              <a:buClr>
+                <a:schemeClr val="dk1"/>
+              </a:buClr>
+              <a:buSzPts val="2800"/>
+              <a:buFont typeface="Arial"/>
+              <a:buNone/>
+              <a:defRPr sz="2800" b="0" i="0" u="none" strike="noStrike" cap="none">
+                <a:solidFill>
+                  <a:schemeClr val="dk1"/>
+                </a:solidFill>
+                <a:latin typeface="Arial"/>
+                <a:ea typeface="Arial"/>
+                <a:cs typeface="Arial"/>
+                <a:sym typeface="Arial"/>
+              </a:defRPr>
+            </a:lvl4pPr>
+            <a:lvl5pPr marR="0" lvl="4" algn="l" rtl="0">
+              <a:lnSpc>
+                <a:spcPct val="100000"/>
+              </a:lnSpc>
+              <a:spcBef>
+                <a:spcPts val="0"/>
+              </a:spcBef>
+              <a:spcAft>
+                <a:spcPts val="0"/>
+              </a:spcAft>
+              <a:buClr>
+                <a:schemeClr val="dk1"/>
+              </a:buClr>
+              <a:buSzPts val="2800"/>
+              <a:buFont typeface="Arial"/>
+              <a:buNone/>
+              <a:defRPr sz="2800" b="0" i="0" u="none" strike="noStrike" cap="none">
+                <a:solidFill>
+                  <a:schemeClr val="dk1"/>
+                </a:solidFill>
+                <a:latin typeface="Arial"/>
+                <a:ea typeface="Arial"/>
+                <a:cs typeface="Arial"/>
+                <a:sym typeface="Arial"/>
+              </a:defRPr>
+            </a:lvl5pPr>
+            <a:lvl6pPr marR="0" lvl="5" algn="l" rtl="0">
+              <a:lnSpc>
+                <a:spcPct val="100000"/>
+              </a:lnSpc>
+              <a:spcBef>
+                <a:spcPts val="0"/>
+              </a:spcBef>
+              <a:spcAft>
+                <a:spcPts val="0"/>
+              </a:spcAft>
+              <a:buClr>
+                <a:schemeClr val="dk1"/>
+              </a:buClr>
+              <a:buSzPts val="2800"/>
+              <a:buFont typeface="Arial"/>
+              <a:buNone/>
+              <a:defRPr sz="2800" b="0" i="0" u="none" strike="noStrike" cap="none">
+                <a:solidFill>
+                  <a:schemeClr val="dk1"/>
+                </a:solidFill>
+                <a:latin typeface="Arial"/>
+                <a:ea typeface="Arial"/>
+                <a:cs typeface="Arial"/>
+                <a:sym typeface="Arial"/>
+              </a:defRPr>
+            </a:lvl6pPr>
+            <a:lvl7pPr marR="0" lvl="6" algn="l" rtl="0">
+              <a:lnSpc>
+                <a:spcPct val="100000"/>
+              </a:lnSpc>
+              <a:spcBef>
+                <a:spcPts val="0"/>
+              </a:spcBef>
+              <a:spcAft>
+                <a:spcPts val="0"/>
+              </a:spcAft>
+              <a:buClr>
+                <a:schemeClr val="dk1"/>
+              </a:buClr>
+              <a:buSzPts val="2800"/>
+              <a:buFont typeface="Arial"/>
+              <a:buNone/>
+              <a:defRPr sz="2800" b="0" i="0" u="none" strike="noStrike" cap="none">
+                <a:solidFill>
+                  <a:schemeClr val="dk1"/>
+                </a:solidFill>
+                <a:latin typeface="Arial"/>
+                <a:ea typeface="Arial"/>
+                <a:cs typeface="Arial"/>
+                <a:sym typeface="Arial"/>
+              </a:defRPr>
+            </a:lvl7pPr>
+            <a:lvl8pPr marR="0" lvl="7" algn="l" rtl="0">
+              <a:lnSpc>
+                <a:spcPct val="100000"/>
+              </a:lnSpc>
+              <a:spcBef>
+                <a:spcPts val="0"/>
+              </a:spcBef>
+              <a:spcAft>
+                <a:spcPts val="0"/>
+              </a:spcAft>
+              <a:buClr>
+                <a:schemeClr val="dk1"/>
+              </a:buClr>
+              <a:buSzPts val="2800"/>
+              <a:buFont typeface="Arial"/>
+              <a:buNone/>
+              <a:defRPr sz="2800" b="0" i="0" u="none" strike="noStrike" cap="none">
+                <a:solidFill>
+                  <a:schemeClr val="dk1"/>
+                </a:solidFill>
+                <a:latin typeface="Arial"/>
+                <a:ea typeface="Arial"/>
+                <a:cs typeface="Arial"/>
+                <a:sym typeface="Arial"/>
+              </a:defRPr>
+            </a:lvl8pPr>
+            <a:lvl9pPr marR="0" lvl="8" algn="l" rtl="0">
+              <a:lnSpc>
+                <a:spcPct val="100000"/>
+              </a:lnSpc>
+              <a:spcBef>
+                <a:spcPts val="0"/>
+              </a:spcBef>
+              <a:spcAft>
+                <a:spcPts val="0"/>
+              </a:spcAft>
+              <a:buClr>
+                <a:schemeClr val="dk1"/>
+              </a:buClr>
+              <a:buSzPts val="2800"/>
+              <a:buFont typeface="Arial"/>
+              <a:buNone/>
+              <a:defRPr sz="2800" b="0" i="0" u="none" strike="noStrike" cap="none">
+                <a:solidFill>
+                  <a:schemeClr val="dk1"/>
+                </a:solidFill>
+                <a:latin typeface="Arial"/>
+                <a:ea typeface="Arial"/>
+                <a:cs typeface="Arial"/>
+                <a:sym typeface="Arial"/>
+              </a:defRPr>
+            </a:lvl9pPr>
+          </a:lstStyle>
+          <a:p>
+            <a:r>
+              <a:rPr lang="fr-FR" sz="2000" dirty="0">
+                <a:solidFill>
+                  <a:srgbClr val="4B5258"/>
+                </a:solidFill>
+                <a:latin typeface="Inter"/>
+                <a:ea typeface="Inter"/>
+                <a:cs typeface="Inter"/>
+                <a:sym typeface="Inter"/>
+              </a:rPr>
+              <a:t>Axe Amélioration</a:t>
+            </a:r>
+          </a:p>
+          <a:p>
+            <a:endParaRPr lang="fr-FR" sz="2000" dirty="0">
+              <a:solidFill>
+                <a:srgbClr val="4B5258"/>
+              </a:solidFill>
+              <a:latin typeface="Inter"/>
+              <a:ea typeface="Inter"/>
+              <a:cs typeface="Inter"/>
+              <a:sym typeface="Inter"/>
+            </a:endParaRPr>
+          </a:p>
+        </p:txBody>
+      </p:sp>
+      <p:sp>
+        <p:nvSpPr>
+          <p:cNvPr id="5" name="Google Shape;89;p16">
+            <a:extLst>
+              <a:ext uri="{FF2B5EF4-FFF2-40B4-BE49-F238E27FC236}">
+                <a16:creationId xmlns:a16="http://schemas.microsoft.com/office/drawing/2014/main" id="{68EA1335-3BC1-ECF0-F6B1-90972BB5E8BD}"/>
+              </a:ext>
+            </a:extLst>
+          </p:cNvPr>
+          <p:cNvSpPr/>
+          <p:nvPr/>
+        </p:nvSpPr>
+        <p:spPr>
+          <a:xfrm rot="21244006">
+            <a:off x="4207377" y="3477513"/>
+            <a:ext cx="261199" cy="46747"/>
+          </a:xfrm>
+          <a:prstGeom prst="roundRect">
+            <a:avLst>
+              <a:gd name="adj" fmla="val 50000"/>
+            </a:avLst>
+          </a:prstGeom>
+          <a:solidFill>
+            <a:srgbClr val="C3FFFC"/>
+          </a:solidFill>
+          <a:ln>
+            <a:noFill/>
+          </a:ln>
+        </p:spPr>
+        <p:txBody>
+          <a:bodyPr spcFirstLastPara="1" wrap="square" lIns="91425" tIns="91425" rIns="91425" bIns="91425" anchor="ctr" anchorCtr="0">
+            <a:noAutofit/>
+          </a:bodyPr>
+          <a:lstStyle/>
+          <a:p>
+            <a:pPr marL="0" marR="0" lvl="0" indent="0" algn="l" rtl="0">
+              <a:lnSpc>
+                <a:spcPct val="100000"/>
+              </a:lnSpc>
+              <a:spcBef>
+                <a:spcPts val="0"/>
+              </a:spcBef>
+              <a:spcAft>
+                <a:spcPts val="0"/>
+              </a:spcAft>
+              <a:buClr>
+                <a:srgbClr val="000000"/>
+              </a:buClr>
+              <a:buSzPts val="1400"/>
+              <a:buFont typeface="Arial"/>
+              <a:buNone/>
+            </a:pPr>
+            <a:endParaRPr sz="1400" b="0" i="0" u="none" strike="noStrike" cap="none">
+              <a:solidFill>
+                <a:srgbClr val="000000"/>
+              </a:solidFill>
+              <a:latin typeface="Arial"/>
+              <a:ea typeface="Arial"/>
+              <a:cs typeface="Arial"/>
+              <a:sym typeface="Arial"/>
+            </a:endParaRPr>
+          </a:p>
+        </p:txBody>
+      </p:sp>
+      <p:pic>
+        <p:nvPicPr>
+          <p:cNvPr id="6" name="Image 5">
+            <a:extLst>
+              <a:ext uri="{FF2B5EF4-FFF2-40B4-BE49-F238E27FC236}">
+                <a16:creationId xmlns:a16="http://schemas.microsoft.com/office/drawing/2014/main" id="{9FDA2158-ED05-E196-F676-618C3F7E0072}"/>
+              </a:ext>
+            </a:extLst>
+          </p:cNvPr>
+          <p:cNvPicPr>
+            <a:picLocks noChangeAspect="1"/>
+          </p:cNvPicPr>
+          <p:nvPr/>
+        </p:nvPicPr>
+        <p:blipFill>
+          <a:blip r:embed="rId4"/>
+          <a:stretch>
+            <a:fillRect/>
+          </a:stretch>
+        </p:blipFill>
+        <p:spPr>
+          <a:xfrm>
+            <a:off x="7503459" y="4715993"/>
+            <a:ext cx="1569866" cy="315522"/>
+          </a:xfrm>
+          <a:prstGeom prst="rect">
+            <a:avLst/>
+          </a:prstGeom>
+        </p:spPr>
+      </p:pic>
     </p:spTree>
   </p:cSld>
   <p:clrMapOvr>
@@ -8209,7 +8894,2130 @@
 </p:sld>
 </file>
 
+<file path=ppt/slides/slide3.xml><?xml version="1.0" encoding="utf-8"?>
+<p:sld xmlns:a="http://schemas.openxmlformats.org/drawingml/2006/main" xmlns:r="http://schemas.openxmlformats.org/officeDocument/2006/relationships" xmlns:p="http://schemas.openxmlformats.org/presentationml/2006/main">
+  <p:cSld>
+    <p:spTree>
+      <p:nvGrpSpPr>
+        <p:cNvPr id="1" name="Shape 67"/>
+        <p:cNvGrpSpPr/>
+        <p:nvPr/>
+      </p:nvGrpSpPr>
+      <p:grpSpPr>
+        <a:xfrm>
+          <a:off x="0" y="0"/>
+          <a:ext cx="0" cy="0"/>
+          <a:chOff x="0" y="0"/>
+          <a:chExt cx="0" cy="0"/>
+        </a:xfrm>
+      </p:grpSpPr>
+      <p:sp>
+        <p:nvSpPr>
+          <p:cNvPr id="68" name="Google Shape;68;p15"/>
+          <p:cNvSpPr txBox="1">
+            <a:spLocks noGrp="1"/>
+          </p:cNvSpPr>
+          <p:nvPr>
+            <p:ph type="ctrTitle" idx="4294967295"/>
+          </p:nvPr>
+        </p:nvSpPr>
+        <p:spPr>
+          <a:xfrm>
+            <a:off x="1192664" y="403309"/>
+            <a:ext cx="5315100" cy="533100"/>
+          </a:xfrm>
+          <a:prstGeom prst="rect">
+            <a:avLst/>
+          </a:prstGeom>
+        </p:spPr>
+        <p:txBody>
+          <a:bodyPr spcFirstLastPara="1" wrap="square" lIns="91425" tIns="91425" rIns="91425" bIns="91425" anchor="t" anchorCtr="0">
+            <a:noAutofit/>
+          </a:bodyPr>
+          <a:lstStyle/>
+          <a:p>
+            <a:pPr marL="0" lvl="0" indent="0" algn="l" rtl="0">
+              <a:spcBef>
+                <a:spcPts val="0"/>
+              </a:spcBef>
+              <a:spcAft>
+                <a:spcPts val="0"/>
+              </a:spcAft>
+              <a:buNone/>
+            </a:pPr>
+            <a:r>
+              <a:rPr lang="fr" sz="2500" dirty="0">
+                <a:solidFill>
+                  <a:srgbClr val="0E3449"/>
+                </a:solidFill>
+                <a:latin typeface="Inter SemiBold"/>
+                <a:ea typeface="Inter SemiBold"/>
+                <a:cs typeface="Inter SemiBold"/>
+                <a:sym typeface="Inter SemiBold"/>
+              </a:rPr>
+              <a:t>Contexte</a:t>
+            </a:r>
+            <a:endParaRPr sz="2500" dirty="0">
+              <a:solidFill>
+                <a:srgbClr val="0E3449"/>
+              </a:solidFill>
+              <a:latin typeface="Inter SemiBold"/>
+              <a:ea typeface="Inter SemiBold"/>
+              <a:cs typeface="Inter SemiBold"/>
+              <a:sym typeface="Inter SemiBold"/>
+            </a:endParaRPr>
+          </a:p>
+        </p:txBody>
+      </p:sp>
+      <p:sp>
+        <p:nvSpPr>
+          <p:cNvPr id="69" name="Google Shape;69;p15"/>
+          <p:cNvSpPr txBox="1">
+            <a:spLocks noGrp="1"/>
+          </p:cNvSpPr>
+          <p:nvPr>
+            <p:ph type="ctrTitle" idx="4294967295"/>
+          </p:nvPr>
+        </p:nvSpPr>
+        <p:spPr>
+          <a:xfrm>
+            <a:off x="969755" y="1199859"/>
+            <a:ext cx="7204489" cy="533100"/>
+          </a:xfrm>
+          <a:prstGeom prst="rect">
+            <a:avLst/>
+          </a:prstGeom>
+        </p:spPr>
+        <p:txBody>
+          <a:bodyPr spcFirstLastPara="1" wrap="square" lIns="91425" tIns="91425" rIns="91425" bIns="91425" anchor="t" anchorCtr="0">
+            <a:noAutofit/>
+          </a:bodyPr>
+          <a:lstStyle/>
+          <a:p>
+            <a:r>
+              <a:rPr lang="fr-FR" sz="2000" b="1" dirty="0"/>
+              <a:t>Kayak : </a:t>
+            </a:r>
+            <a:r>
+              <a:rPr lang="fr-FR" sz="2000" dirty="0"/>
+              <a:t>Moteur de recherche de voyages, fondé en 2004 pour aider les utilisateurs à planifier leur séjour</a:t>
+            </a:r>
+            <a:br>
+              <a:rPr lang="fr-FR" sz="2000" dirty="0"/>
+            </a:br>
+            <a:br>
+              <a:rPr lang="fr-FR" sz="2000" dirty="0"/>
+            </a:br>
+            <a:br>
+              <a:rPr lang="fr-FR" sz="2000" dirty="0"/>
+            </a:br>
+            <a:endParaRPr sz="2000" dirty="0">
+              <a:solidFill>
+                <a:srgbClr val="4B5258"/>
+              </a:solidFill>
+              <a:latin typeface="Inter Medium"/>
+              <a:ea typeface="Inter Medium"/>
+              <a:cs typeface="Inter Medium"/>
+              <a:sym typeface="Inter Medium"/>
+            </a:endParaRPr>
+          </a:p>
+        </p:txBody>
+      </p:sp>
+      <p:sp>
+        <p:nvSpPr>
+          <p:cNvPr id="70" name="Google Shape;70;p15"/>
+          <p:cNvSpPr/>
+          <p:nvPr/>
+        </p:nvSpPr>
+        <p:spPr>
+          <a:xfrm rot="-355994">
+            <a:off x="559851" y="1479785"/>
+            <a:ext cx="261199" cy="46747"/>
+          </a:xfrm>
+          <a:prstGeom prst="roundRect">
+            <a:avLst>
+              <a:gd name="adj" fmla="val 50000"/>
+            </a:avLst>
+          </a:prstGeom>
+          <a:solidFill>
+            <a:srgbClr val="C3FFFC"/>
+          </a:solidFill>
+          <a:ln>
+            <a:noFill/>
+          </a:ln>
+        </p:spPr>
+        <p:txBody>
+          <a:bodyPr spcFirstLastPara="1" wrap="square" lIns="91425" tIns="91425" rIns="91425" bIns="91425" anchor="ctr" anchorCtr="0">
+            <a:noAutofit/>
+          </a:bodyPr>
+          <a:lstStyle/>
+          <a:p>
+            <a:pPr marL="0" lvl="0" indent="0" algn="l" rtl="0">
+              <a:spcBef>
+                <a:spcPts val="0"/>
+              </a:spcBef>
+              <a:spcAft>
+                <a:spcPts val="0"/>
+              </a:spcAft>
+              <a:buNone/>
+            </a:pPr>
+            <a:endParaRPr/>
+          </a:p>
+        </p:txBody>
+      </p:sp>
+      <p:sp>
+        <p:nvSpPr>
+          <p:cNvPr id="71" name="Google Shape;71;p15"/>
+          <p:cNvSpPr txBox="1">
+            <a:spLocks noGrp="1"/>
+          </p:cNvSpPr>
+          <p:nvPr>
+            <p:ph type="ctrTitle" idx="4294967295"/>
+          </p:nvPr>
+        </p:nvSpPr>
+        <p:spPr>
+          <a:xfrm>
+            <a:off x="969754" y="2165072"/>
+            <a:ext cx="7520495" cy="533100"/>
+          </a:xfrm>
+          <a:prstGeom prst="rect">
+            <a:avLst/>
+          </a:prstGeom>
+        </p:spPr>
+        <p:txBody>
+          <a:bodyPr spcFirstLastPara="1" wrap="square" lIns="91425" tIns="91425" rIns="91425" bIns="91425" anchor="t" anchorCtr="0">
+            <a:noAutofit/>
+          </a:bodyPr>
+          <a:lstStyle/>
+          <a:p>
+            <a:r>
+              <a:rPr lang="fr-FR" sz="2000" b="1" dirty="0"/>
+              <a:t>Problématique :</a:t>
+            </a:r>
+            <a:r>
+              <a:rPr lang="fr-FR" sz="2000" dirty="0"/>
+              <a:t>70 % des utilisateurs veulent plus d’informations fiables sur leur destination</a:t>
+            </a:r>
+            <a:br>
+              <a:rPr lang="fr-FR" sz="2000" dirty="0"/>
+            </a:br>
+            <a:br>
+              <a:rPr lang="fr-FR" sz="2000" dirty="0"/>
+            </a:br>
+            <a:endParaRPr sz="2000" dirty="0">
+              <a:solidFill>
+                <a:srgbClr val="4B5258"/>
+              </a:solidFill>
+              <a:latin typeface="Inter Medium"/>
+              <a:ea typeface="Inter Medium"/>
+              <a:cs typeface="Inter Medium"/>
+              <a:sym typeface="Inter Medium"/>
+            </a:endParaRPr>
+          </a:p>
+        </p:txBody>
+      </p:sp>
+      <p:sp>
+        <p:nvSpPr>
+          <p:cNvPr id="72" name="Google Shape;72;p15"/>
+          <p:cNvSpPr/>
+          <p:nvPr/>
+        </p:nvSpPr>
+        <p:spPr>
+          <a:xfrm rot="-355994">
+            <a:off x="559851" y="2334728"/>
+            <a:ext cx="261199" cy="46747"/>
+          </a:xfrm>
+          <a:prstGeom prst="roundRect">
+            <a:avLst>
+              <a:gd name="adj" fmla="val 50000"/>
+            </a:avLst>
+          </a:prstGeom>
+          <a:solidFill>
+            <a:srgbClr val="C3FFFC"/>
+          </a:solidFill>
+          <a:ln>
+            <a:noFill/>
+          </a:ln>
+        </p:spPr>
+        <p:txBody>
+          <a:bodyPr spcFirstLastPara="1" wrap="square" lIns="91425" tIns="91425" rIns="91425" bIns="91425" anchor="ctr" anchorCtr="0">
+            <a:noAutofit/>
+          </a:bodyPr>
+          <a:lstStyle/>
+          <a:p>
+            <a:pPr marL="0" lvl="0" indent="0" algn="l" rtl="0">
+              <a:spcBef>
+                <a:spcPts val="0"/>
+              </a:spcBef>
+              <a:spcAft>
+                <a:spcPts val="0"/>
+              </a:spcAft>
+              <a:buNone/>
+            </a:pPr>
+            <a:endParaRPr/>
+          </a:p>
+        </p:txBody>
+      </p:sp>
+      <p:sp>
+        <p:nvSpPr>
+          <p:cNvPr id="73" name="Google Shape;73;p15"/>
+          <p:cNvSpPr txBox="1">
+            <a:spLocks noGrp="1"/>
+          </p:cNvSpPr>
+          <p:nvPr>
+            <p:ph type="ctrTitle" idx="4294967295"/>
+          </p:nvPr>
+        </p:nvSpPr>
+        <p:spPr>
+          <a:xfrm>
+            <a:off x="969754" y="3216155"/>
+            <a:ext cx="7972540" cy="533100"/>
+          </a:xfrm>
+          <a:prstGeom prst="rect">
+            <a:avLst/>
+          </a:prstGeom>
+        </p:spPr>
+        <p:txBody>
+          <a:bodyPr spcFirstLastPara="1" wrap="square" lIns="91425" tIns="91425" rIns="91425" bIns="91425" anchor="t" anchorCtr="0">
+            <a:noAutofit/>
+          </a:bodyPr>
+          <a:lstStyle/>
+          <a:p>
+            <a:r>
+              <a:rPr lang="fr-FR" sz="2000" b="1" dirty="0"/>
+              <a:t>Objectif : </a:t>
+            </a:r>
+            <a:r>
+              <a:rPr lang="fr-FR" sz="2000" dirty="0"/>
+              <a:t>Créer une application de recommandations de destinations et hôtels, basée sur la météo et informations hôtelières.</a:t>
+            </a:r>
+            <a:br>
+              <a:rPr lang="fr-FR" sz="2000" dirty="0"/>
+            </a:br>
+            <a:endParaRPr sz="2000" dirty="0">
+              <a:solidFill>
+                <a:srgbClr val="4B5258"/>
+              </a:solidFill>
+              <a:latin typeface="Inter Medium"/>
+              <a:ea typeface="Inter Medium"/>
+              <a:cs typeface="Inter Medium"/>
+              <a:sym typeface="Inter Medium"/>
+            </a:endParaRPr>
+          </a:p>
+        </p:txBody>
+      </p:sp>
+      <p:sp>
+        <p:nvSpPr>
+          <p:cNvPr id="74" name="Google Shape;74;p15"/>
+          <p:cNvSpPr/>
+          <p:nvPr/>
+        </p:nvSpPr>
+        <p:spPr>
+          <a:xfrm rot="-355994">
+            <a:off x="559852" y="3543472"/>
+            <a:ext cx="261199" cy="46747"/>
+          </a:xfrm>
+          <a:prstGeom prst="roundRect">
+            <a:avLst>
+              <a:gd name="adj" fmla="val 50000"/>
+            </a:avLst>
+          </a:prstGeom>
+          <a:solidFill>
+            <a:srgbClr val="C3FFFC"/>
+          </a:solidFill>
+          <a:ln>
+            <a:noFill/>
+          </a:ln>
+        </p:spPr>
+        <p:txBody>
+          <a:bodyPr spcFirstLastPara="1" wrap="square" lIns="91425" tIns="91425" rIns="91425" bIns="91425" anchor="ctr" anchorCtr="0">
+            <a:noAutofit/>
+          </a:bodyPr>
+          <a:lstStyle/>
+          <a:p>
+            <a:pPr marL="0" lvl="0" indent="0" algn="l" rtl="0">
+              <a:spcBef>
+                <a:spcPts val="0"/>
+              </a:spcBef>
+              <a:spcAft>
+                <a:spcPts val="0"/>
+              </a:spcAft>
+              <a:buNone/>
+            </a:pPr>
+            <a:endParaRPr/>
+          </a:p>
+        </p:txBody>
+      </p:sp>
+      <p:pic>
+        <p:nvPicPr>
+          <p:cNvPr id="75" name="Google Shape;75;p15"/>
+          <p:cNvPicPr preferRelativeResize="0"/>
+          <p:nvPr/>
+        </p:nvPicPr>
+        <p:blipFill>
+          <a:blip r:embed="rId3">
+            <a:alphaModFix/>
+          </a:blip>
+          <a:stretch>
+            <a:fillRect/>
+          </a:stretch>
+        </p:blipFill>
+        <p:spPr>
+          <a:xfrm>
+            <a:off x="463375" y="482852"/>
+            <a:ext cx="576900" cy="385904"/>
+          </a:xfrm>
+          <a:prstGeom prst="rect">
+            <a:avLst/>
+          </a:prstGeom>
+          <a:noFill/>
+          <a:ln>
+            <a:noFill/>
+          </a:ln>
+        </p:spPr>
+      </p:pic>
+      <p:sp>
+        <p:nvSpPr>
+          <p:cNvPr id="76" name="Google Shape;76;p15"/>
+          <p:cNvSpPr/>
+          <p:nvPr/>
+        </p:nvSpPr>
+        <p:spPr>
+          <a:xfrm>
+            <a:off x="10225" y="4892025"/>
+            <a:ext cx="9144000" cy="251400"/>
+          </a:xfrm>
+          <a:prstGeom prst="rect">
+            <a:avLst/>
+          </a:prstGeom>
+          <a:solidFill>
+            <a:srgbClr val="C3FFFC"/>
+          </a:solidFill>
+          <a:ln>
+            <a:noFill/>
+          </a:ln>
+        </p:spPr>
+        <p:txBody>
+          <a:bodyPr spcFirstLastPara="1" wrap="square" lIns="91425" tIns="91425" rIns="91425" bIns="91425" anchor="ctr" anchorCtr="0">
+            <a:noAutofit/>
+          </a:bodyPr>
+          <a:lstStyle/>
+          <a:p>
+            <a:pPr marL="0" lvl="0" indent="0" algn="l" rtl="0">
+              <a:spcBef>
+                <a:spcPts val="0"/>
+              </a:spcBef>
+              <a:spcAft>
+                <a:spcPts val="0"/>
+              </a:spcAft>
+              <a:buNone/>
+            </a:pPr>
+            <a:endParaRPr/>
+          </a:p>
+        </p:txBody>
+      </p:sp>
+      <p:pic>
+        <p:nvPicPr>
+          <p:cNvPr id="2" name="Image 1">
+            <a:extLst>
+              <a:ext uri="{FF2B5EF4-FFF2-40B4-BE49-F238E27FC236}">
+                <a16:creationId xmlns:a16="http://schemas.microsoft.com/office/drawing/2014/main" id="{FD1E0E41-08AA-6301-FEDB-EE0AD800BE3B}"/>
+              </a:ext>
+            </a:extLst>
+          </p:cNvPr>
+          <p:cNvPicPr>
+            <a:picLocks noChangeAspect="1"/>
+          </p:cNvPicPr>
+          <p:nvPr/>
+        </p:nvPicPr>
+        <p:blipFill>
+          <a:blip r:embed="rId4"/>
+          <a:stretch>
+            <a:fillRect/>
+          </a:stretch>
+        </p:blipFill>
+        <p:spPr>
+          <a:xfrm>
+            <a:off x="7503459" y="4715993"/>
+            <a:ext cx="1569866" cy="315522"/>
+          </a:xfrm>
+          <a:prstGeom prst="rect">
+            <a:avLst/>
+          </a:prstGeom>
+        </p:spPr>
+      </p:pic>
+    </p:spTree>
+  </p:cSld>
+  <p:clrMapOvr>
+    <a:masterClrMapping/>
+  </p:clrMapOvr>
+</p:sld>
+</file>
+
+<file path=ppt/slides/slide4.xml><?xml version="1.0" encoding="utf-8"?>
+<p:sld xmlns:a="http://schemas.openxmlformats.org/drawingml/2006/main" xmlns:r="http://schemas.openxmlformats.org/officeDocument/2006/relationships" xmlns:p="http://schemas.openxmlformats.org/presentationml/2006/main">
+  <p:cSld>
+    <p:spTree>
+      <p:nvGrpSpPr>
+        <p:cNvPr id="1" name="Shape 67">
+          <a:extLst>
+            <a:ext uri="{FF2B5EF4-FFF2-40B4-BE49-F238E27FC236}">
+              <a16:creationId xmlns:a16="http://schemas.microsoft.com/office/drawing/2014/main" id="{8AE5705E-1B32-7D17-3AD5-D1A9C4A0435E}"/>
+            </a:ext>
+          </a:extLst>
+        </p:cNvPr>
+        <p:cNvGrpSpPr/>
+        <p:nvPr/>
+      </p:nvGrpSpPr>
+      <p:grpSpPr>
+        <a:xfrm>
+          <a:off x="0" y="0"/>
+          <a:ext cx="0" cy="0"/>
+          <a:chOff x="0" y="0"/>
+          <a:chExt cx="0" cy="0"/>
+        </a:xfrm>
+      </p:grpSpPr>
+      <p:sp>
+        <p:nvSpPr>
+          <p:cNvPr id="68" name="Google Shape;68;p15">
+            <a:extLst>
+              <a:ext uri="{FF2B5EF4-FFF2-40B4-BE49-F238E27FC236}">
+                <a16:creationId xmlns:a16="http://schemas.microsoft.com/office/drawing/2014/main" id="{4A822ED6-6291-2464-F617-BAF93892D0BE}"/>
+              </a:ext>
+            </a:extLst>
+          </p:cNvPr>
+          <p:cNvSpPr txBox="1">
+            <a:spLocks noGrp="1"/>
+          </p:cNvSpPr>
+          <p:nvPr>
+            <p:ph type="ctrTitle" idx="4294967295"/>
+          </p:nvPr>
+        </p:nvSpPr>
+        <p:spPr>
+          <a:xfrm>
+            <a:off x="1192664" y="403309"/>
+            <a:ext cx="5315100" cy="533100"/>
+          </a:xfrm>
+          <a:prstGeom prst="rect">
+            <a:avLst/>
+          </a:prstGeom>
+        </p:spPr>
+        <p:txBody>
+          <a:bodyPr spcFirstLastPara="1" wrap="square" lIns="91425" tIns="91425" rIns="91425" bIns="91425" anchor="t" anchorCtr="0">
+            <a:noAutofit/>
+          </a:bodyPr>
+          <a:lstStyle/>
+          <a:p>
+            <a:pPr marL="0" lvl="0" indent="0" algn="l" rtl="0">
+              <a:spcBef>
+                <a:spcPts val="0"/>
+              </a:spcBef>
+              <a:spcAft>
+                <a:spcPts val="0"/>
+              </a:spcAft>
+              <a:buNone/>
+            </a:pPr>
+            <a:r>
+              <a:rPr lang="fr" sz="2500" dirty="0">
+                <a:solidFill>
+                  <a:srgbClr val="0E3449"/>
+                </a:solidFill>
+                <a:latin typeface="Inter SemiBold"/>
+                <a:ea typeface="Inter SemiBold"/>
+                <a:cs typeface="Inter SemiBold"/>
+                <a:sym typeface="Inter SemiBold"/>
+              </a:rPr>
+              <a:t>Méthodologie</a:t>
+            </a:r>
+            <a:endParaRPr sz="2500" dirty="0">
+              <a:solidFill>
+                <a:srgbClr val="0E3449"/>
+              </a:solidFill>
+              <a:latin typeface="Inter SemiBold"/>
+              <a:ea typeface="Inter SemiBold"/>
+              <a:cs typeface="Inter SemiBold"/>
+              <a:sym typeface="Inter SemiBold"/>
+            </a:endParaRPr>
+          </a:p>
+        </p:txBody>
+      </p:sp>
+      <p:sp>
+        <p:nvSpPr>
+          <p:cNvPr id="69" name="Google Shape;69;p15">
+            <a:extLst>
+              <a:ext uri="{FF2B5EF4-FFF2-40B4-BE49-F238E27FC236}">
+                <a16:creationId xmlns:a16="http://schemas.microsoft.com/office/drawing/2014/main" id="{53805724-E802-9B95-189A-30215ADE1A55}"/>
+              </a:ext>
+            </a:extLst>
+          </p:cNvPr>
+          <p:cNvSpPr txBox="1">
+            <a:spLocks noGrp="1"/>
+          </p:cNvSpPr>
+          <p:nvPr>
+            <p:ph type="ctrTitle" idx="4294967295"/>
+          </p:nvPr>
+        </p:nvSpPr>
+        <p:spPr>
+          <a:xfrm>
+            <a:off x="979980" y="1199860"/>
+            <a:ext cx="7204489" cy="533100"/>
+          </a:xfrm>
+          <a:prstGeom prst="rect">
+            <a:avLst/>
+          </a:prstGeom>
+        </p:spPr>
+        <p:txBody>
+          <a:bodyPr spcFirstLastPara="1" wrap="square" lIns="91425" tIns="91425" rIns="91425" bIns="91425" anchor="t" anchorCtr="0">
+            <a:noAutofit/>
+          </a:bodyPr>
+          <a:lstStyle/>
+          <a:p>
+            <a:pPr lvl="0" eaLnBrk="0" fontAlgn="base" hangingPunct="0">
+              <a:spcBef>
+                <a:spcPct val="0"/>
+              </a:spcBef>
+              <a:spcAft>
+                <a:spcPct val="0"/>
+              </a:spcAft>
+              <a:buClrTx/>
+              <a:buSzTx/>
+            </a:pPr>
+            <a:r>
+              <a:rPr lang="fr-FR" sz="2000" b="1" dirty="0"/>
+              <a:t>Démarche</a:t>
+            </a:r>
+            <a:br>
+              <a:rPr lang="fr-FR" sz="2000" b="1" dirty="0"/>
+            </a:br>
+            <a:br>
+              <a:rPr lang="fr-FR" sz="2000" b="1" dirty="0"/>
+            </a:br>
+            <a:br>
+              <a:rPr lang="fr-FR" altLang="fr-FR" sz="2000" b="1" dirty="0">
+                <a:solidFill>
+                  <a:schemeClr val="tx1"/>
+                </a:solidFill>
+                <a:latin typeface="Arial" panose="020B0604020202020204" pitchFamily="34" charset="0"/>
+              </a:rPr>
+            </a:br>
+            <a:br>
+              <a:rPr lang="fr-FR" altLang="fr-FR" sz="2000" dirty="0">
+                <a:solidFill>
+                  <a:schemeClr val="tx1"/>
+                </a:solidFill>
+                <a:latin typeface="Arial" panose="020B0604020202020204" pitchFamily="34" charset="0"/>
+              </a:rPr>
+            </a:br>
+            <a:br>
+              <a:rPr lang="fr-FR" sz="2000" b="1" dirty="0"/>
+            </a:br>
+            <a:br>
+              <a:rPr lang="fr-FR" sz="2000" dirty="0"/>
+            </a:br>
+            <a:br>
+              <a:rPr lang="fr-FR" sz="2000" dirty="0"/>
+            </a:br>
+            <a:br>
+              <a:rPr lang="fr-FR" sz="2000" dirty="0"/>
+            </a:br>
+            <a:endParaRPr sz="2000" dirty="0">
+              <a:solidFill>
+                <a:srgbClr val="4B5258"/>
+              </a:solidFill>
+              <a:latin typeface="Inter Medium"/>
+              <a:ea typeface="Inter Medium"/>
+              <a:cs typeface="Inter Medium"/>
+              <a:sym typeface="Inter Medium"/>
+            </a:endParaRPr>
+          </a:p>
+        </p:txBody>
+      </p:sp>
+      <p:sp>
+        <p:nvSpPr>
+          <p:cNvPr id="70" name="Google Shape;70;p15">
+            <a:extLst>
+              <a:ext uri="{FF2B5EF4-FFF2-40B4-BE49-F238E27FC236}">
+                <a16:creationId xmlns:a16="http://schemas.microsoft.com/office/drawing/2014/main" id="{F8EE5B18-D855-15A2-23AD-F0E7B6C4B5F3}"/>
+              </a:ext>
+            </a:extLst>
+          </p:cNvPr>
+          <p:cNvSpPr/>
+          <p:nvPr/>
+        </p:nvSpPr>
+        <p:spPr>
+          <a:xfrm rot="-355994">
+            <a:off x="559851" y="1479785"/>
+            <a:ext cx="261199" cy="46747"/>
+          </a:xfrm>
+          <a:prstGeom prst="roundRect">
+            <a:avLst>
+              <a:gd name="adj" fmla="val 50000"/>
+            </a:avLst>
+          </a:prstGeom>
+          <a:solidFill>
+            <a:srgbClr val="C3FFFC"/>
+          </a:solidFill>
+          <a:ln>
+            <a:noFill/>
+          </a:ln>
+        </p:spPr>
+        <p:txBody>
+          <a:bodyPr spcFirstLastPara="1" wrap="square" lIns="91425" tIns="91425" rIns="91425" bIns="91425" anchor="ctr" anchorCtr="0">
+            <a:noAutofit/>
+          </a:bodyPr>
+          <a:lstStyle/>
+          <a:p>
+            <a:pPr marL="0" lvl="0" indent="0" algn="l" rtl="0">
+              <a:spcBef>
+                <a:spcPts val="0"/>
+              </a:spcBef>
+              <a:spcAft>
+                <a:spcPts val="0"/>
+              </a:spcAft>
+              <a:buNone/>
+            </a:pPr>
+            <a:endParaRPr/>
+          </a:p>
+        </p:txBody>
+      </p:sp>
+      <p:pic>
+        <p:nvPicPr>
+          <p:cNvPr id="75" name="Google Shape;75;p15">
+            <a:extLst>
+              <a:ext uri="{FF2B5EF4-FFF2-40B4-BE49-F238E27FC236}">
+                <a16:creationId xmlns:a16="http://schemas.microsoft.com/office/drawing/2014/main" id="{AC72C483-E3A9-D614-D448-CEC0E7406C59}"/>
+              </a:ext>
+            </a:extLst>
+          </p:cNvPr>
+          <p:cNvPicPr preferRelativeResize="0"/>
+          <p:nvPr/>
+        </p:nvPicPr>
+        <p:blipFill>
+          <a:blip r:embed="rId3">
+            <a:alphaModFix/>
+          </a:blip>
+          <a:stretch>
+            <a:fillRect/>
+          </a:stretch>
+        </p:blipFill>
+        <p:spPr>
+          <a:xfrm>
+            <a:off x="463375" y="482852"/>
+            <a:ext cx="576900" cy="385904"/>
+          </a:xfrm>
+          <a:prstGeom prst="rect">
+            <a:avLst/>
+          </a:prstGeom>
+          <a:noFill/>
+          <a:ln>
+            <a:noFill/>
+          </a:ln>
+        </p:spPr>
+      </p:pic>
+      <p:sp>
+        <p:nvSpPr>
+          <p:cNvPr id="76" name="Google Shape;76;p15">
+            <a:extLst>
+              <a:ext uri="{FF2B5EF4-FFF2-40B4-BE49-F238E27FC236}">
+                <a16:creationId xmlns:a16="http://schemas.microsoft.com/office/drawing/2014/main" id="{7B5D649D-E628-F99F-2468-6360DBDD0F63}"/>
+              </a:ext>
+            </a:extLst>
+          </p:cNvPr>
+          <p:cNvSpPr/>
+          <p:nvPr/>
+        </p:nvSpPr>
+        <p:spPr>
+          <a:xfrm>
+            <a:off x="10225" y="4892025"/>
+            <a:ext cx="9144000" cy="251400"/>
+          </a:xfrm>
+          <a:prstGeom prst="rect">
+            <a:avLst/>
+          </a:prstGeom>
+          <a:solidFill>
+            <a:srgbClr val="C3FFFC"/>
+          </a:solidFill>
+          <a:ln>
+            <a:noFill/>
+          </a:ln>
+        </p:spPr>
+        <p:txBody>
+          <a:bodyPr spcFirstLastPara="1" wrap="square" lIns="91425" tIns="91425" rIns="91425" bIns="91425" anchor="ctr" anchorCtr="0">
+            <a:noAutofit/>
+          </a:bodyPr>
+          <a:lstStyle/>
+          <a:p>
+            <a:pPr marL="0" lvl="0" indent="0" algn="l" rtl="0">
+              <a:spcBef>
+                <a:spcPts val="0"/>
+              </a:spcBef>
+              <a:spcAft>
+                <a:spcPts val="0"/>
+              </a:spcAft>
+              <a:buNone/>
+            </a:pPr>
+            <a:endParaRPr/>
+          </a:p>
+        </p:txBody>
+      </p:sp>
+      <p:pic>
+        <p:nvPicPr>
+          <p:cNvPr id="2" name="Image 1">
+            <a:extLst>
+              <a:ext uri="{FF2B5EF4-FFF2-40B4-BE49-F238E27FC236}">
+                <a16:creationId xmlns:a16="http://schemas.microsoft.com/office/drawing/2014/main" id="{FEEE0F52-F5D7-AF6C-540C-27E27E5DB1B0}"/>
+              </a:ext>
+            </a:extLst>
+          </p:cNvPr>
+          <p:cNvPicPr>
+            <a:picLocks noChangeAspect="1"/>
+          </p:cNvPicPr>
+          <p:nvPr/>
+        </p:nvPicPr>
+        <p:blipFill>
+          <a:blip r:embed="rId4"/>
+          <a:stretch>
+            <a:fillRect/>
+          </a:stretch>
+        </p:blipFill>
+        <p:spPr>
+          <a:xfrm>
+            <a:off x="7503459" y="4715993"/>
+            <a:ext cx="1569866" cy="315522"/>
+          </a:xfrm>
+          <a:prstGeom prst="rect">
+            <a:avLst/>
+          </a:prstGeom>
+        </p:spPr>
+      </p:pic>
+      <p:sp>
+        <p:nvSpPr>
+          <p:cNvPr id="5" name="ZoneTexte 4">
+            <a:extLst>
+              <a:ext uri="{FF2B5EF4-FFF2-40B4-BE49-F238E27FC236}">
+                <a16:creationId xmlns:a16="http://schemas.microsoft.com/office/drawing/2014/main" id="{944D8D4C-D8B2-65DD-8343-9139C29DE742}"/>
+              </a:ext>
+            </a:extLst>
+          </p:cNvPr>
+          <p:cNvSpPr txBox="1"/>
+          <p:nvPr/>
+        </p:nvSpPr>
+        <p:spPr>
+          <a:xfrm>
+            <a:off x="1116469" y="1757006"/>
+            <a:ext cx="5467489" cy="2246769"/>
+          </a:xfrm>
+          <a:prstGeom prst="rect">
+            <a:avLst/>
+          </a:prstGeom>
+          <a:noFill/>
+        </p:spPr>
+        <p:txBody>
+          <a:bodyPr wrap="square" rtlCol="0">
+            <a:spAutoFit/>
+          </a:bodyPr>
+          <a:lstStyle/>
+          <a:p>
+            <a:pPr marL="285750" indent="-285750">
+              <a:buFont typeface="Arial" panose="020B0604020202020204" pitchFamily="34" charset="0"/>
+              <a:buChar char="•"/>
+            </a:pPr>
+            <a:r>
+              <a:rPr lang="fr-FR" b="1" dirty="0"/>
+              <a:t>Collecte de données</a:t>
+            </a:r>
+            <a:br>
+              <a:rPr lang="fr-FR" b="1" dirty="0"/>
+            </a:br>
+            <a:r>
+              <a:rPr lang="fr-FR" dirty="0">
+                <a:solidFill>
+                  <a:schemeClr val="tx1"/>
+                </a:solidFill>
+                <a:latin typeface="Arial" panose="020B0604020202020204" pitchFamily="34" charset="0"/>
+              </a:rPr>
+              <a:t>API </a:t>
+            </a:r>
+            <a:r>
+              <a:rPr lang="fr-FR" dirty="0" err="1">
+                <a:solidFill>
+                  <a:schemeClr val="tx1"/>
+                </a:solidFill>
+                <a:latin typeface="Arial" panose="020B0604020202020204" pitchFamily="34" charset="0"/>
+              </a:rPr>
+              <a:t>Nominatim</a:t>
+            </a:r>
+            <a:r>
+              <a:rPr lang="fr-FR" dirty="0">
+                <a:solidFill>
+                  <a:schemeClr val="tx1"/>
+                </a:solidFill>
+                <a:latin typeface="Arial" panose="020B0604020202020204" pitchFamily="34" charset="0"/>
+              </a:rPr>
+              <a:t> pour les coordonnées GPS</a:t>
+            </a:r>
+            <a:br>
+              <a:rPr lang="fr-FR" sz="1800" b="1" dirty="0"/>
+            </a:br>
+            <a:r>
+              <a:rPr lang="fr-FR" altLang="fr-FR" dirty="0">
+                <a:solidFill>
+                  <a:schemeClr val="tx1"/>
+                </a:solidFill>
+                <a:latin typeface="Arial" panose="020B0604020202020204" pitchFamily="34" charset="0"/>
+              </a:rPr>
+              <a:t>API </a:t>
+            </a:r>
+            <a:r>
+              <a:rPr lang="fr-FR" altLang="fr-FR" dirty="0" err="1">
+                <a:solidFill>
+                  <a:schemeClr val="tx1"/>
+                </a:solidFill>
+                <a:latin typeface="Arial" panose="020B0604020202020204" pitchFamily="34" charset="0"/>
+              </a:rPr>
+              <a:t>OpenWeatherMap</a:t>
+            </a:r>
+            <a:r>
+              <a:rPr lang="fr-FR" altLang="fr-FR" dirty="0">
+                <a:solidFill>
+                  <a:schemeClr val="tx1"/>
+                </a:solidFill>
+                <a:latin typeface="Arial" panose="020B0604020202020204" pitchFamily="34" charset="0"/>
+              </a:rPr>
+              <a:t> pour météo</a:t>
+            </a:r>
+            <a:br>
+              <a:rPr lang="fr-FR" altLang="fr-FR" dirty="0">
+                <a:solidFill>
+                  <a:schemeClr val="tx1"/>
+                </a:solidFill>
+                <a:latin typeface="Arial" panose="020B0604020202020204" pitchFamily="34" charset="0"/>
+              </a:rPr>
+            </a:br>
+            <a:r>
+              <a:rPr lang="fr-FR" altLang="fr-FR" dirty="0" err="1">
+                <a:solidFill>
+                  <a:schemeClr val="tx1"/>
+                </a:solidFill>
+                <a:latin typeface="Arial" panose="020B0604020202020204" pitchFamily="34" charset="0"/>
+              </a:rPr>
+              <a:t>Scraping</a:t>
+            </a:r>
+            <a:r>
+              <a:rPr lang="fr-FR" altLang="fr-FR" dirty="0">
+                <a:solidFill>
+                  <a:schemeClr val="tx1"/>
+                </a:solidFill>
+                <a:latin typeface="Arial" panose="020B0604020202020204" pitchFamily="34" charset="0"/>
+              </a:rPr>
+              <a:t> Booking.com pour hôtels : nom, note, coordonnées, description.</a:t>
+            </a:r>
+            <a:endParaRPr lang="fr-FR" altLang="fr-FR" sz="1800" dirty="0">
+              <a:solidFill>
+                <a:schemeClr val="tx1"/>
+              </a:solidFill>
+              <a:latin typeface="Arial" panose="020B0604020202020204" pitchFamily="34" charset="0"/>
+            </a:endParaRPr>
+          </a:p>
+          <a:p>
+            <a:pPr marL="285750" indent="-285750">
+              <a:buFont typeface="Arial" panose="020B0604020202020204" pitchFamily="34" charset="0"/>
+              <a:buChar char="•"/>
+            </a:pPr>
+            <a:r>
+              <a:rPr lang="fr-FR" altLang="fr-FR" b="1" dirty="0">
+                <a:solidFill>
+                  <a:schemeClr val="tx1"/>
+                </a:solidFill>
+                <a:latin typeface="Arial" panose="020B0604020202020204" pitchFamily="34" charset="0"/>
+              </a:rPr>
+              <a:t>Nettoyage des données</a:t>
+            </a:r>
+            <a:endParaRPr lang="fr-FR" altLang="fr-FR" sz="1800" b="1" dirty="0">
+              <a:solidFill>
+                <a:schemeClr val="tx1"/>
+              </a:solidFill>
+              <a:latin typeface="Arial" panose="020B0604020202020204" pitchFamily="34" charset="0"/>
+            </a:endParaRPr>
+          </a:p>
+          <a:p>
+            <a:pPr marL="285750" indent="-285750">
+              <a:buFont typeface="Arial" panose="020B0604020202020204" pitchFamily="34" charset="0"/>
+              <a:buChar char="•"/>
+            </a:pPr>
+            <a:r>
+              <a:rPr lang="fr-FR" altLang="fr-FR" b="1" dirty="0">
+                <a:solidFill>
+                  <a:schemeClr val="tx1"/>
+                </a:solidFill>
+                <a:latin typeface="Arial" panose="020B0604020202020204" pitchFamily="34" charset="0"/>
+              </a:rPr>
+              <a:t>Stockage des données dans S3</a:t>
+            </a:r>
+            <a:endParaRPr lang="fr-FR" altLang="fr-FR" sz="1800" b="1" dirty="0">
+              <a:solidFill>
+                <a:schemeClr val="tx1"/>
+              </a:solidFill>
+              <a:latin typeface="Arial" panose="020B0604020202020204" pitchFamily="34" charset="0"/>
+            </a:endParaRPr>
+          </a:p>
+          <a:p>
+            <a:pPr marL="285750" indent="-285750">
+              <a:buFont typeface="Arial" panose="020B0604020202020204" pitchFamily="34" charset="0"/>
+              <a:buChar char="•"/>
+            </a:pPr>
+            <a:r>
+              <a:rPr lang="fr-FR" altLang="fr-FR" b="1" dirty="0">
+                <a:solidFill>
+                  <a:schemeClr val="tx1"/>
+                </a:solidFill>
+                <a:latin typeface="Arial" panose="020B0604020202020204" pitchFamily="34" charset="0"/>
+              </a:rPr>
+              <a:t>Création des tables dans </a:t>
+            </a:r>
+            <a:r>
+              <a:rPr lang="fr-FR" altLang="fr-FR" b="1" dirty="0" err="1">
+                <a:solidFill>
+                  <a:schemeClr val="tx1"/>
+                </a:solidFill>
+                <a:latin typeface="Arial" panose="020B0604020202020204" pitchFamily="34" charset="0"/>
+              </a:rPr>
+              <a:t>Neon</a:t>
+            </a:r>
+            <a:br>
+              <a:rPr lang="fr-FR" altLang="fr-FR" sz="1800" b="1" dirty="0">
+                <a:solidFill>
+                  <a:schemeClr val="tx1"/>
+                </a:solidFill>
+                <a:latin typeface="Arial" panose="020B0604020202020204" pitchFamily="34" charset="0"/>
+              </a:rPr>
+            </a:br>
+            <a:r>
+              <a:rPr lang="fr-FR" altLang="fr-FR" dirty="0">
+                <a:solidFill>
+                  <a:schemeClr val="tx1"/>
+                </a:solidFill>
+                <a:latin typeface="Arial" panose="020B0604020202020204" pitchFamily="34" charset="0"/>
+              </a:rPr>
+              <a:t>Tables villes – </a:t>
+            </a:r>
+            <a:r>
+              <a:rPr lang="fr-FR" altLang="fr-FR" dirty="0" err="1">
+                <a:solidFill>
+                  <a:schemeClr val="tx1"/>
+                </a:solidFill>
+                <a:latin typeface="Arial" panose="020B0604020202020204" pitchFamily="34" charset="0"/>
+              </a:rPr>
+              <a:t>Meteo</a:t>
+            </a:r>
+            <a:r>
+              <a:rPr lang="fr-FR" altLang="fr-FR" dirty="0">
+                <a:solidFill>
+                  <a:schemeClr val="tx1"/>
+                </a:solidFill>
+                <a:latin typeface="Arial" panose="020B0604020202020204" pitchFamily="34" charset="0"/>
+              </a:rPr>
+              <a:t> – Hotels</a:t>
+            </a:r>
+          </a:p>
+          <a:p>
+            <a:pPr marL="285750" indent="-285750">
+              <a:buFont typeface="Arial" panose="020B0604020202020204" pitchFamily="34" charset="0"/>
+              <a:buChar char="•"/>
+            </a:pPr>
+            <a:r>
+              <a:rPr lang="fr-FR" altLang="fr-FR" b="1" dirty="0">
+                <a:solidFill>
+                  <a:schemeClr val="tx1"/>
+                </a:solidFill>
+                <a:latin typeface="Arial" panose="020B0604020202020204" pitchFamily="34" charset="0"/>
+              </a:rPr>
+              <a:t>Visualisation sur Carte interactive avec </a:t>
+            </a:r>
+            <a:r>
+              <a:rPr lang="fr-FR" altLang="fr-FR" b="1" dirty="0" err="1">
+                <a:solidFill>
+                  <a:schemeClr val="tx1"/>
+                </a:solidFill>
+                <a:latin typeface="Arial" panose="020B0604020202020204" pitchFamily="34" charset="0"/>
+              </a:rPr>
+              <a:t>plotly</a:t>
+            </a:r>
+            <a:endParaRPr lang="fr-FR" dirty="0"/>
+          </a:p>
+        </p:txBody>
+      </p:sp>
+    </p:spTree>
+    <p:extLst>
+      <p:ext uri="{BB962C8B-B14F-4D97-AF65-F5344CB8AC3E}">
+        <p14:creationId xmlns:p14="http://schemas.microsoft.com/office/powerpoint/2010/main" val="409909106"/>
+      </p:ext>
+    </p:extLst>
+  </p:cSld>
+  <p:clrMapOvr>
+    <a:masterClrMapping/>
+  </p:clrMapOvr>
+</p:sld>
+</file>
+
+<file path=ppt/slides/slide5.xml><?xml version="1.0" encoding="utf-8"?>
+<p:sld xmlns:a="http://schemas.openxmlformats.org/drawingml/2006/main" xmlns:r="http://schemas.openxmlformats.org/officeDocument/2006/relationships" xmlns:p="http://schemas.openxmlformats.org/presentationml/2006/main">
+  <p:cSld>
+    <p:spTree>
+      <p:nvGrpSpPr>
+        <p:cNvPr id="1" name=""/>
+        <p:cNvGrpSpPr/>
+        <p:nvPr/>
+      </p:nvGrpSpPr>
+      <p:grpSpPr>
+        <a:xfrm>
+          <a:off x="0" y="0"/>
+          <a:ext cx="0" cy="0"/>
+          <a:chOff x="0" y="0"/>
+          <a:chExt cx="0" cy="0"/>
+        </a:xfrm>
+      </p:grpSpPr>
+      <p:pic>
+        <p:nvPicPr>
+          <p:cNvPr id="11" name="Image 10">
+            <a:extLst>
+              <a:ext uri="{FF2B5EF4-FFF2-40B4-BE49-F238E27FC236}">
+                <a16:creationId xmlns:a16="http://schemas.microsoft.com/office/drawing/2014/main" id="{5922C2D3-B182-690D-322E-CEA2CA670640}"/>
+              </a:ext>
+            </a:extLst>
+          </p:cNvPr>
+          <p:cNvPicPr>
+            <a:picLocks noChangeAspect="1"/>
+          </p:cNvPicPr>
+          <p:nvPr/>
+        </p:nvPicPr>
+        <p:blipFill>
+          <a:blip r:embed="rId3"/>
+          <a:stretch>
+            <a:fillRect/>
+          </a:stretch>
+        </p:blipFill>
+        <p:spPr>
+          <a:xfrm>
+            <a:off x="1485899" y="832072"/>
+            <a:ext cx="5701554" cy="3964205"/>
+          </a:xfrm>
+          <a:prstGeom prst="rect">
+            <a:avLst/>
+          </a:prstGeom>
+        </p:spPr>
+      </p:pic>
+      <p:pic>
+        <p:nvPicPr>
+          <p:cNvPr id="13" name="Google Shape;63;p14">
+            <a:extLst>
+              <a:ext uri="{FF2B5EF4-FFF2-40B4-BE49-F238E27FC236}">
+                <a16:creationId xmlns:a16="http://schemas.microsoft.com/office/drawing/2014/main" id="{513D5FFE-A854-ED3E-A1C5-776D38AD5365}"/>
+              </a:ext>
+            </a:extLst>
+          </p:cNvPr>
+          <p:cNvPicPr preferRelativeResize="0"/>
+          <p:nvPr/>
+        </p:nvPicPr>
+        <p:blipFill>
+          <a:blip r:embed="rId4">
+            <a:alphaModFix/>
+          </a:blip>
+          <a:stretch>
+            <a:fillRect/>
+          </a:stretch>
+        </p:blipFill>
+        <p:spPr>
+          <a:xfrm>
+            <a:off x="236647" y="272902"/>
+            <a:ext cx="576900" cy="385904"/>
+          </a:xfrm>
+          <a:prstGeom prst="rect">
+            <a:avLst/>
+          </a:prstGeom>
+          <a:noFill/>
+          <a:ln>
+            <a:noFill/>
+          </a:ln>
+        </p:spPr>
+      </p:pic>
+      <p:sp>
+        <p:nvSpPr>
+          <p:cNvPr id="14" name="Google Shape;68;p15">
+            <a:extLst>
+              <a:ext uri="{FF2B5EF4-FFF2-40B4-BE49-F238E27FC236}">
+                <a16:creationId xmlns:a16="http://schemas.microsoft.com/office/drawing/2014/main" id="{B1D719C8-19B6-42BB-6D3B-A0ADDFE12DBE}"/>
+              </a:ext>
+            </a:extLst>
+          </p:cNvPr>
+          <p:cNvSpPr txBox="1">
+            <a:spLocks/>
+          </p:cNvSpPr>
+          <p:nvPr/>
+        </p:nvSpPr>
+        <p:spPr>
+          <a:xfrm>
+            <a:off x="1173106" y="199304"/>
+            <a:ext cx="5315100" cy="533100"/>
+          </a:xfrm>
+          <a:prstGeom prst="rect">
+            <a:avLst/>
+          </a:prstGeom>
+          <a:noFill/>
+          <a:ln>
+            <a:noFill/>
+          </a:ln>
+        </p:spPr>
+        <p:txBody>
+          <a:bodyPr spcFirstLastPara="1" wrap="square" lIns="91425" tIns="91425" rIns="91425" bIns="91425" anchor="t" anchorCtr="0">
+            <a:noAutofit/>
+          </a:bodyPr>
+          <a:lstStyle>
+            <a:defPPr marR="0" lvl="0" algn="l" rtl="0">
+              <a:lnSpc>
+                <a:spcPct val="100000"/>
+              </a:lnSpc>
+              <a:spcBef>
+                <a:spcPts val="0"/>
+              </a:spcBef>
+              <a:spcAft>
+                <a:spcPts val="0"/>
+              </a:spcAft>
+            </a:defPPr>
+            <a:lvl1pPr marR="0" lvl="0" algn="l" rtl="0">
+              <a:lnSpc>
+                <a:spcPct val="100000"/>
+              </a:lnSpc>
+              <a:spcBef>
+                <a:spcPts val="0"/>
+              </a:spcBef>
+              <a:spcAft>
+                <a:spcPts val="0"/>
+              </a:spcAft>
+              <a:buClr>
+                <a:schemeClr val="dk1"/>
+              </a:buClr>
+              <a:buSzPts val="2800"/>
+              <a:buFont typeface="Arial"/>
+              <a:buNone/>
+              <a:defRPr sz="2800" b="0" i="0" u="none" strike="noStrike" cap="none">
+                <a:solidFill>
+                  <a:schemeClr val="dk1"/>
+                </a:solidFill>
+                <a:latin typeface="Arial"/>
+                <a:ea typeface="Arial"/>
+                <a:cs typeface="Arial"/>
+                <a:sym typeface="Arial"/>
+              </a:defRPr>
+            </a:lvl1pPr>
+            <a:lvl2pPr marR="0" lvl="1" algn="l" rtl="0">
+              <a:lnSpc>
+                <a:spcPct val="100000"/>
+              </a:lnSpc>
+              <a:spcBef>
+                <a:spcPts val="0"/>
+              </a:spcBef>
+              <a:spcAft>
+                <a:spcPts val="0"/>
+              </a:spcAft>
+              <a:buClr>
+                <a:schemeClr val="dk1"/>
+              </a:buClr>
+              <a:buSzPts val="2800"/>
+              <a:buFont typeface="Arial"/>
+              <a:buNone/>
+              <a:defRPr sz="2800" b="0" i="0" u="none" strike="noStrike" cap="none">
+                <a:solidFill>
+                  <a:schemeClr val="dk1"/>
+                </a:solidFill>
+                <a:latin typeface="Arial"/>
+                <a:ea typeface="Arial"/>
+                <a:cs typeface="Arial"/>
+                <a:sym typeface="Arial"/>
+              </a:defRPr>
+            </a:lvl2pPr>
+            <a:lvl3pPr marR="0" lvl="2" algn="l" rtl="0">
+              <a:lnSpc>
+                <a:spcPct val="100000"/>
+              </a:lnSpc>
+              <a:spcBef>
+                <a:spcPts val="0"/>
+              </a:spcBef>
+              <a:spcAft>
+                <a:spcPts val="0"/>
+              </a:spcAft>
+              <a:buClr>
+                <a:schemeClr val="dk1"/>
+              </a:buClr>
+              <a:buSzPts val="2800"/>
+              <a:buFont typeface="Arial"/>
+              <a:buNone/>
+              <a:defRPr sz="2800" b="0" i="0" u="none" strike="noStrike" cap="none">
+                <a:solidFill>
+                  <a:schemeClr val="dk1"/>
+                </a:solidFill>
+                <a:latin typeface="Arial"/>
+                <a:ea typeface="Arial"/>
+                <a:cs typeface="Arial"/>
+                <a:sym typeface="Arial"/>
+              </a:defRPr>
+            </a:lvl3pPr>
+            <a:lvl4pPr marR="0" lvl="3" algn="l" rtl="0">
+              <a:lnSpc>
+                <a:spcPct val="100000"/>
+              </a:lnSpc>
+              <a:spcBef>
+                <a:spcPts val="0"/>
+              </a:spcBef>
+              <a:spcAft>
+                <a:spcPts val="0"/>
+              </a:spcAft>
+              <a:buClr>
+                <a:schemeClr val="dk1"/>
+              </a:buClr>
+              <a:buSzPts val="2800"/>
+              <a:buFont typeface="Arial"/>
+              <a:buNone/>
+              <a:defRPr sz="2800" b="0" i="0" u="none" strike="noStrike" cap="none">
+                <a:solidFill>
+                  <a:schemeClr val="dk1"/>
+                </a:solidFill>
+                <a:latin typeface="Arial"/>
+                <a:ea typeface="Arial"/>
+                <a:cs typeface="Arial"/>
+                <a:sym typeface="Arial"/>
+              </a:defRPr>
+            </a:lvl4pPr>
+            <a:lvl5pPr marR="0" lvl="4" algn="l" rtl="0">
+              <a:lnSpc>
+                <a:spcPct val="100000"/>
+              </a:lnSpc>
+              <a:spcBef>
+                <a:spcPts val="0"/>
+              </a:spcBef>
+              <a:spcAft>
+                <a:spcPts val="0"/>
+              </a:spcAft>
+              <a:buClr>
+                <a:schemeClr val="dk1"/>
+              </a:buClr>
+              <a:buSzPts val="2800"/>
+              <a:buFont typeface="Arial"/>
+              <a:buNone/>
+              <a:defRPr sz="2800" b="0" i="0" u="none" strike="noStrike" cap="none">
+                <a:solidFill>
+                  <a:schemeClr val="dk1"/>
+                </a:solidFill>
+                <a:latin typeface="Arial"/>
+                <a:ea typeface="Arial"/>
+                <a:cs typeface="Arial"/>
+                <a:sym typeface="Arial"/>
+              </a:defRPr>
+            </a:lvl5pPr>
+            <a:lvl6pPr marR="0" lvl="5" algn="l" rtl="0">
+              <a:lnSpc>
+                <a:spcPct val="100000"/>
+              </a:lnSpc>
+              <a:spcBef>
+                <a:spcPts val="0"/>
+              </a:spcBef>
+              <a:spcAft>
+                <a:spcPts val="0"/>
+              </a:spcAft>
+              <a:buClr>
+                <a:schemeClr val="dk1"/>
+              </a:buClr>
+              <a:buSzPts val="2800"/>
+              <a:buFont typeface="Arial"/>
+              <a:buNone/>
+              <a:defRPr sz="2800" b="0" i="0" u="none" strike="noStrike" cap="none">
+                <a:solidFill>
+                  <a:schemeClr val="dk1"/>
+                </a:solidFill>
+                <a:latin typeface="Arial"/>
+                <a:ea typeface="Arial"/>
+                <a:cs typeface="Arial"/>
+                <a:sym typeface="Arial"/>
+              </a:defRPr>
+            </a:lvl6pPr>
+            <a:lvl7pPr marR="0" lvl="6" algn="l" rtl="0">
+              <a:lnSpc>
+                <a:spcPct val="100000"/>
+              </a:lnSpc>
+              <a:spcBef>
+                <a:spcPts val="0"/>
+              </a:spcBef>
+              <a:spcAft>
+                <a:spcPts val="0"/>
+              </a:spcAft>
+              <a:buClr>
+                <a:schemeClr val="dk1"/>
+              </a:buClr>
+              <a:buSzPts val="2800"/>
+              <a:buFont typeface="Arial"/>
+              <a:buNone/>
+              <a:defRPr sz="2800" b="0" i="0" u="none" strike="noStrike" cap="none">
+                <a:solidFill>
+                  <a:schemeClr val="dk1"/>
+                </a:solidFill>
+                <a:latin typeface="Arial"/>
+                <a:ea typeface="Arial"/>
+                <a:cs typeface="Arial"/>
+                <a:sym typeface="Arial"/>
+              </a:defRPr>
+            </a:lvl7pPr>
+            <a:lvl8pPr marR="0" lvl="7" algn="l" rtl="0">
+              <a:lnSpc>
+                <a:spcPct val="100000"/>
+              </a:lnSpc>
+              <a:spcBef>
+                <a:spcPts val="0"/>
+              </a:spcBef>
+              <a:spcAft>
+                <a:spcPts val="0"/>
+              </a:spcAft>
+              <a:buClr>
+                <a:schemeClr val="dk1"/>
+              </a:buClr>
+              <a:buSzPts val="2800"/>
+              <a:buFont typeface="Arial"/>
+              <a:buNone/>
+              <a:defRPr sz="2800" b="0" i="0" u="none" strike="noStrike" cap="none">
+                <a:solidFill>
+                  <a:schemeClr val="dk1"/>
+                </a:solidFill>
+                <a:latin typeface="Arial"/>
+                <a:ea typeface="Arial"/>
+                <a:cs typeface="Arial"/>
+                <a:sym typeface="Arial"/>
+              </a:defRPr>
+            </a:lvl8pPr>
+            <a:lvl9pPr marR="0" lvl="8" algn="l" rtl="0">
+              <a:lnSpc>
+                <a:spcPct val="100000"/>
+              </a:lnSpc>
+              <a:spcBef>
+                <a:spcPts val="0"/>
+              </a:spcBef>
+              <a:spcAft>
+                <a:spcPts val="0"/>
+              </a:spcAft>
+              <a:buClr>
+                <a:schemeClr val="dk1"/>
+              </a:buClr>
+              <a:buSzPts val="2800"/>
+              <a:buFont typeface="Arial"/>
+              <a:buNone/>
+              <a:defRPr sz="2800" b="0" i="0" u="none" strike="noStrike" cap="none">
+                <a:solidFill>
+                  <a:schemeClr val="dk1"/>
+                </a:solidFill>
+                <a:latin typeface="Arial"/>
+                <a:ea typeface="Arial"/>
+                <a:cs typeface="Arial"/>
+                <a:sym typeface="Arial"/>
+              </a:defRPr>
+            </a:lvl9pPr>
+          </a:lstStyle>
+          <a:p>
+            <a:r>
+              <a:rPr lang="fr-FR" sz="2500" dirty="0">
+                <a:solidFill>
+                  <a:srgbClr val="0E3449"/>
+                </a:solidFill>
+                <a:latin typeface="Inter SemiBold"/>
+                <a:ea typeface="Inter SemiBold"/>
+                <a:cs typeface="Inter SemiBold"/>
+                <a:sym typeface="Inter SemiBold"/>
+              </a:rPr>
+              <a:t>Application</a:t>
+            </a:r>
+          </a:p>
+        </p:txBody>
+      </p:sp>
+      <p:sp>
+        <p:nvSpPr>
+          <p:cNvPr id="15" name="Google Shape;76;p15">
+            <a:extLst>
+              <a:ext uri="{FF2B5EF4-FFF2-40B4-BE49-F238E27FC236}">
+                <a16:creationId xmlns:a16="http://schemas.microsoft.com/office/drawing/2014/main" id="{714A9EA1-2556-C3FF-82EA-B2E03F207543}"/>
+              </a:ext>
+            </a:extLst>
+          </p:cNvPr>
+          <p:cNvSpPr/>
+          <p:nvPr/>
+        </p:nvSpPr>
+        <p:spPr>
+          <a:xfrm>
+            <a:off x="10225" y="4892025"/>
+            <a:ext cx="9144000" cy="251400"/>
+          </a:xfrm>
+          <a:prstGeom prst="rect">
+            <a:avLst/>
+          </a:prstGeom>
+          <a:solidFill>
+            <a:srgbClr val="C3FFFC"/>
+          </a:solidFill>
+          <a:ln>
+            <a:noFill/>
+          </a:ln>
+        </p:spPr>
+        <p:txBody>
+          <a:bodyPr spcFirstLastPara="1" wrap="square" lIns="91425" tIns="91425" rIns="91425" bIns="91425" anchor="ctr" anchorCtr="0">
+            <a:noAutofit/>
+          </a:bodyPr>
+          <a:lstStyle/>
+          <a:p>
+            <a:pPr marL="0" lvl="0" indent="0" algn="l" rtl="0">
+              <a:spcBef>
+                <a:spcPts val="0"/>
+              </a:spcBef>
+              <a:spcAft>
+                <a:spcPts val="0"/>
+              </a:spcAft>
+              <a:buNone/>
+            </a:pPr>
+            <a:endParaRPr/>
+          </a:p>
+        </p:txBody>
+      </p:sp>
+      <p:pic>
+        <p:nvPicPr>
+          <p:cNvPr id="12" name="Image 11">
+            <a:extLst>
+              <a:ext uri="{FF2B5EF4-FFF2-40B4-BE49-F238E27FC236}">
+                <a16:creationId xmlns:a16="http://schemas.microsoft.com/office/drawing/2014/main" id="{395BF6E4-3548-0824-2783-26177ED56CBB}"/>
+              </a:ext>
+            </a:extLst>
+          </p:cNvPr>
+          <p:cNvPicPr>
+            <a:picLocks noChangeAspect="1"/>
+          </p:cNvPicPr>
+          <p:nvPr/>
+        </p:nvPicPr>
+        <p:blipFill>
+          <a:blip r:embed="rId5"/>
+          <a:stretch>
+            <a:fillRect/>
+          </a:stretch>
+        </p:blipFill>
+        <p:spPr>
+          <a:xfrm>
+            <a:off x="7503459" y="4715993"/>
+            <a:ext cx="1569866" cy="315522"/>
+          </a:xfrm>
+          <a:prstGeom prst="rect">
+            <a:avLst/>
+          </a:prstGeom>
+        </p:spPr>
+      </p:pic>
+    </p:spTree>
+    <p:extLst>
+      <p:ext uri="{BB962C8B-B14F-4D97-AF65-F5344CB8AC3E}">
+        <p14:creationId xmlns:p14="http://schemas.microsoft.com/office/powerpoint/2010/main" val="4154958699"/>
+      </p:ext>
+    </p:extLst>
+  </p:cSld>
+  <p:clrMapOvr>
+    <a:masterClrMapping/>
+  </p:clrMapOvr>
+</p:sld>
+</file>
+
 <file path=ppt/slides/slide6.xml><?xml version="1.0" encoding="utf-8"?>
+<p:sld xmlns:a="http://schemas.openxmlformats.org/drawingml/2006/main" xmlns:r="http://schemas.openxmlformats.org/officeDocument/2006/relationships" xmlns:p="http://schemas.openxmlformats.org/presentationml/2006/main">
+  <p:cSld>
+    <p:spTree>
+      <p:nvGrpSpPr>
+        <p:cNvPr id="1" name=""/>
+        <p:cNvGrpSpPr/>
+        <p:nvPr/>
+      </p:nvGrpSpPr>
+      <p:grpSpPr>
+        <a:xfrm>
+          <a:off x="0" y="0"/>
+          <a:ext cx="0" cy="0"/>
+          <a:chOff x="0" y="0"/>
+          <a:chExt cx="0" cy="0"/>
+        </a:xfrm>
+      </p:grpSpPr>
+      <p:pic>
+        <p:nvPicPr>
+          <p:cNvPr id="7" name="Image 6">
+            <a:extLst>
+              <a:ext uri="{FF2B5EF4-FFF2-40B4-BE49-F238E27FC236}">
+                <a16:creationId xmlns:a16="http://schemas.microsoft.com/office/drawing/2014/main" id="{C2CC4A16-4638-5026-B519-4C89BCEB29C5}"/>
+              </a:ext>
+            </a:extLst>
+          </p:cNvPr>
+          <p:cNvPicPr>
+            <a:picLocks noChangeAspect="1"/>
+          </p:cNvPicPr>
+          <p:nvPr/>
+        </p:nvPicPr>
+        <p:blipFill>
+          <a:blip r:embed="rId3"/>
+          <a:stretch>
+            <a:fillRect/>
+          </a:stretch>
+        </p:blipFill>
+        <p:spPr>
+          <a:xfrm>
+            <a:off x="2495346" y="316004"/>
+            <a:ext cx="6504275" cy="3711388"/>
+          </a:xfrm>
+          <a:prstGeom prst="rect">
+            <a:avLst/>
+          </a:prstGeom>
+        </p:spPr>
+      </p:pic>
+      <p:pic>
+        <p:nvPicPr>
+          <p:cNvPr id="12" name="Image 11">
+            <a:extLst>
+              <a:ext uri="{FF2B5EF4-FFF2-40B4-BE49-F238E27FC236}">
+                <a16:creationId xmlns:a16="http://schemas.microsoft.com/office/drawing/2014/main" id="{DDDEFF75-753E-233E-60F0-56EA297F2F7A}"/>
+              </a:ext>
+            </a:extLst>
+          </p:cNvPr>
+          <p:cNvPicPr>
+            <a:picLocks noChangeAspect="1"/>
+          </p:cNvPicPr>
+          <p:nvPr/>
+        </p:nvPicPr>
+        <p:blipFill>
+          <a:blip r:embed="rId4"/>
+          <a:stretch>
+            <a:fillRect/>
+          </a:stretch>
+        </p:blipFill>
+        <p:spPr>
+          <a:xfrm>
+            <a:off x="144379" y="3240741"/>
+            <a:ext cx="4608449" cy="1583225"/>
+          </a:xfrm>
+          <a:prstGeom prst="rect">
+            <a:avLst/>
+          </a:prstGeom>
+        </p:spPr>
+      </p:pic>
+      <p:sp>
+        <p:nvSpPr>
+          <p:cNvPr id="14" name="Rectangle 13">
+            <a:extLst>
+              <a:ext uri="{FF2B5EF4-FFF2-40B4-BE49-F238E27FC236}">
+                <a16:creationId xmlns:a16="http://schemas.microsoft.com/office/drawing/2014/main" id="{70F76081-E50E-1118-BAA5-69B7884694E8}"/>
+              </a:ext>
+            </a:extLst>
+          </p:cNvPr>
+          <p:cNvSpPr/>
+          <p:nvPr/>
+        </p:nvSpPr>
+        <p:spPr>
+          <a:xfrm>
+            <a:off x="144379" y="981635"/>
+            <a:ext cx="2195409" cy="1190063"/>
+          </a:xfrm>
+          <a:prstGeom prst="rect">
+            <a:avLst/>
+          </a:prstGeom>
+        </p:spPr>
+        <p:style>
+          <a:lnRef idx="2">
+            <a:schemeClr val="accent3"/>
+          </a:lnRef>
+          <a:fillRef idx="1">
+            <a:schemeClr val="lt1"/>
+          </a:fillRef>
+          <a:effectRef idx="0">
+            <a:schemeClr val="accent3"/>
+          </a:effectRef>
+          <a:fontRef idx="minor">
+            <a:schemeClr val="dk1"/>
+          </a:fontRef>
+        </p:style>
+        <p:txBody>
+          <a:bodyPr rtlCol="0" anchor="ctr"/>
+          <a:lstStyle/>
+          <a:p>
+            <a:pPr algn="ctr"/>
+            <a:endParaRPr lang="fr-FR" b="1" dirty="0"/>
+          </a:p>
+          <a:p>
+            <a:r>
+              <a:rPr lang="fr-FR" b="1" dirty="0"/>
+              <a:t>Top 5 des villes ou il fait le plus chaud, avec un ciel dégagé ou peu nuageux</a:t>
+            </a:r>
+          </a:p>
+          <a:p>
+            <a:pPr algn="ctr"/>
+            <a:endParaRPr lang="fr-FR" dirty="0"/>
+          </a:p>
+        </p:txBody>
+      </p:sp>
+      <p:pic>
+        <p:nvPicPr>
+          <p:cNvPr id="16" name="Google Shape;63;p14">
+            <a:extLst>
+              <a:ext uri="{FF2B5EF4-FFF2-40B4-BE49-F238E27FC236}">
+                <a16:creationId xmlns:a16="http://schemas.microsoft.com/office/drawing/2014/main" id="{48C821B7-23F3-233F-2DFE-5A954BAA27B0}"/>
+              </a:ext>
+            </a:extLst>
+          </p:cNvPr>
+          <p:cNvPicPr preferRelativeResize="0"/>
+          <p:nvPr/>
+        </p:nvPicPr>
+        <p:blipFill>
+          <a:blip r:embed="rId5">
+            <a:alphaModFix/>
+          </a:blip>
+          <a:stretch>
+            <a:fillRect/>
+          </a:stretch>
+        </p:blipFill>
+        <p:spPr>
+          <a:xfrm>
+            <a:off x="221328" y="254162"/>
+            <a:ext cx="576900" cy="385904"/>
+          </a:xfrm>
+          <a:prstGeom prst="rect">
+            <a:avLst/>
+          </a:prstGeom>
+          <a:noFill/>
+          <a:ln>
+            <a:noFill/>
+          </a:ln>
+        </p:spPr>
+      </p:pic>
+      <p:sp>
+        <p:nvSpPr>
+          <p:cNvPr id="19" name="Google Shape;76;p15">
+            <a:extLst>
+              <a:ext uri="{FF2B5EF4-FFF2-40B4-BE49-F238E27FC236}">
+                <a16:creationId xmlns:a16="http://schemas.microsoft.com/office/drawing/2014/main" id="{EE0E6FB5-F5F1-45D9-8DC9-513636AC6C1C}"/>
+              </a:ext>
+            </a:extLst>
+          </p:cNvPr>
+          <p:cNvSpPr/>
+          <p:nvPr/>
+        </p:nvSpPr>
+        <p:spPr>
+          <a:xfrm>
+            <a:off x="10225" y="4892025"/>
+            <a:ext cx="9144000" cy="251400"/>
+          </a:xfrm>
+          <a:prstGeom prst="rect">
+            <a:avLst/>
+          </a:prstGeom>
+          <a:solidFill>
+            <a:srgbClr val="C3FFFC"/>
+          </a:solidFill>
+          <a:ln>
+            <a:noFill/>
+          </a:ln>
+        </p:spPr>
+        <p:txBody>
+          <a:bodyPr spcFirstLastPara="1" wrap="square" lIns="91425" tIns="91425" rIns="91425" bIns="91425" anchor="ctr" anchorCtr="0">
+            <a:noAutofit/>
+          </a:bodyPr>
+          <a:lstStyle/>
+          <a:p>
+            <a:pPr marL="0" lvl="0" indent="0" algn="l" rtl="0">
+              <a:spcBef>
+                <a:spcPts val="0"/>
+              </a:spcBef>
+              <a:spcAft>
+                <a:spcPts val="0"/>
+              </a:spcAft>
+              <a:buNone/>
+            </a:pPr>
+            <a:endParaRPr/>
+          </a:p>
+        </p:txBody>
+      </p:sp>
+      <p:pic>
+        <p:nvPicPr>
+          <p:cNvPr id="15" name="Image 14">
+            <a:extLst>
+              <a:ext uri="{FF2B5EF4-FFF2-40B4-BE49-F238E27FC236}">
+                <a16:creationId xmlns:a16="http://schemas.microsoft.com/office/drawing/2014/main" id="{C09F944D-B79B-D098-4ED7-5250CF597CC2}"/>
+              </a:ext>
+            </a:extLst>
+          </p:cNvPr>
+          <p:cNvPicPr>
+            <a:picLocks noChangeAspect="1"/>
+          </p:cNvPicPr>
+          <p:nvPr/>
+        </p:nvPicPr>
+        <p:blipFill>
+          <a:blip r:embed="rId6"/>
+          <a:stretch>
+            <a:fillRect/>
+          </a:stretch>
+        </p:blipFill>
+        <p:spPr>
+          <a:xfrm>
+            <a:off x="7180729" y="4684789"/>
+            <a:ext cx="1818892" cy="365572"/>
+          </a:xfrm>
+          <a:prstGeom prst="rect">
+            <a:avLst/>
+          </a:prstGeom>
+        </p:spPr>
+      </p:pic>
+    </p:spTree>
+    <p:extLst>
+      <p:ext uri="{BB962C8B-B14F-4D97-AF65-F5344CB8AC3E}">
+        <p14:creationId xmlns:p14="http://schemas.microsoft.com/office/powerpoint/2010/main" val="139216466"/>
+      </p:ext>
+    </p:extLst>
+  </p:cSld>
+  <p:clrMapOvr>
+    <a:masterClrMapping/>
+  </p:clrMapOvr>
+</p:sld>
+</file>
+
+<file path=ppt/slides/slide7.xml><?xml version="1.0" encoding="utf-8"?>
+<p:sld xmlns:a="http://schemas.openxmlformats.org/drawingml/2006/main" xmlns:r="http://schemas.openxmlformats.org/officeDocument/2006/relationships" xmlns:p="http://schemas.openxmlformats.org/presentationml/2006/main">
+  <p:cSld>
+    <p:spTree>
+      <p:nvGrpSpPr>
+        <p:cNvPr id="1" name=""/>
+        <p:cNvGrpSpPr/>
+        <p:nvPr/>
+      </p:nvGrpSpPr>
+      <p:grpSpPr>
+        <a:xfrm>
+          <a:off x="0" y="0"/>
+          <a:ext cx="0" cy="0"/>
+          <a:chOff x="0" y="0"/>
+          <a:chExt cx="0" cy="0"/>
+        </a:xfrm>
+      </p:grpSpPr>
+      <p:sp>
+        <p:nvSpPr>
+          <p:cNvPr id="15" name="Rectangle 14">
+            <a:extLst>
+              <a:ext uri="{FF2B5EF4-FFF2-40B4-BE49-F238E27FC236}">
+                <a16:creationId xmlns:a16="http://schemas.microsoft.com/office/drawing/2014/main" id="{9F83E303-7FC0-1946-CC1E-328E850A8524}"/>
+              </a:ext>
+            </a:extLst>
+          </p:cNvPr>
+          <p:cNvSpPr/>
+          <p:nvPr/>
+        </p:nvSpPr>
+        <p:spPr>
+          <a:xfrm>
+            <a:off x="1028699" y="554691"/>
+            <a:ext cx="2373406" cy="544606"/>
+          </a:xfrm>
+          <a:prstGeom prst="rect">
+            <a:avLst/>
+          </a:prstGeom>
+        </p:spPr>
+        <p:style>
+          <a:lnRef idx="2">
+            <a:schemeClr val="accent3"/>
+          </a:lnRef>
+          <a:fillRef idx="1">
+            <a:schemeClr val="lt1"/>
+          </a:fillRef>
+          <a:effectRef idx="0">
+            <a:schemeClr val="accent3"/>
+          </a:effectRef>
+          <a:fontRef idx="minor">
+            <a:schemeClr val="dk1"/>
+          </a:fontRef>
+        </p:style>
+        <p:txBody>
+          <a:bodyPr rtlCol="0" anchor="ctr"/>
+          <a:lstStyle/>
+          <a:p>
+            <a:pPr algn="ctr"/>
+            <a:endParaRPr lang="fr-FR"/>
+          </a:p>
+        </p:txBody>
+      </p:sp>
+      <p:sp>
+        <p:nvSpPr>
+          <p:cNvPr id="6" name="ZoneTexte 5">
+            <a:extLst>
+              <a:ext uri="{FF2B5EF4-FFF2-40B4-BE49-F238E27FC236}">
+                <a16:creationId xmlns:a16="http://schemas.microsoft.com/office/drawing/2014/main" id="{2EA1BF56-A51B-ACCE-20AF-9DA62DCBD6EF}"/>
+              </a:ext>
+            </a:extLst>
+          </p:cNvPr>
+          <p:cNvSpPr txBox="1"/>
+          <p:nvPr/>
+        </p:nvSpPr>
+        <p:spPr>
+          <a:xfrm>
+            <a:off x="1182604" y="651898"/>
+            <a:ext cx="2041485" cy="338554"/>
+          </a:xfrm>
+          <a:prstGeom prst="rect">
+            <a:avLst/>
+          </a:prstGeom>
+          <a:noFill/>
+        </p:spPr>
+        <p:txBody>
+          <a:bodyPr wrap="square" rtlCol="0">
+            <a:spAutoFit/>
+          </a:bodyPr>
+          <a:lstStyle/>
+          <a:p>
+            <a:r>
+              <a:rPr lang="fr-FR" sz="1600" b="1" dirty="0"/>
+              <a:t>Cartes Interactives</a:t>
+            </a:r>
+          </a:p>
+        </p:txBody>
+      </p:sp>
+      <p:pic>
+        <p:nvPicPr>
+          <p:cNvPr id="8" name="Image 7">
+            <a:extLst>
+              <a:ext uri="{FF2B5EF4-FFF2-40B4-BE49-F238E27FC236}">
+                <a16:creationId xmlns:a16="http://schemas.microsoft.com/office/drawing/2014/main" id="{7504E7F6-9A5B-D58F-50FE-F11AAD3411EB}"/>
+              </a:ext>
+            </a:extLst>
+          </p:cNvPr>
+          <p:cNvPicPr>
+            <a:picLocks noChangeAspect="1"/>
+          </p:cNvPicPr>
+          <p:nvPr/>
+        </p:nvPicPr>
+        <p:blipFill>
+          <a:blip r:embed="rId3"/>
+          <a:stretch>
+            <a:fillRect/>
+          </a:stretch>
+        </p:blipFill>
+        <p:spPr>
+          <a:xfrm>
+            <a:off x="3866337" y="0"/>
+            <a:ext cx="5136469" cy="2300851"/>
+          </a:xfrm>
+          <a:prstGeom prst="rect">
+            <a:avLst/>
+          </a:prstGeom>
+        </p:spPr>
+      </p:pic>
+      <p:pic>
+        <p:nvPicPr>
+          <p:cNvPr id="10" name="Image 9">
+            <a:extLst>
+              <a:ext uri="{FF2B5EF4-FFF2-40B4-BE49-F238E27FC236}">
+                <a16:creationId xmlns:a16="http://schemas.microsoft.com/office/drawing/2014/main" id="{15C68E6A-80BF-3E23-E9D6-EF46EDF245BC}"/>
+              </a:ext>
+            </a:extLst>
+          </p:cNvPr>
+          <p:cNvPicPr>
+            <a:picLocks noChangeAspect="1"/>
+          </p:cNvPicPr>
+          <p:nvPr/>
+        </p:nvPicPr>
+        <p:blipFill>
+          <a:blip r:embed="rId4"/>
+          <a:stretch>
+            <a:fillRect/>
+          </a:stretch>
+        </p:blipFill>
+        <p:spPr>
+          <a:xfrm>
+            <a:off x="285502" y="2198594"/>
+            <a:ext cx="4525872" cy="2664670"/>
+          </a:xfrm>
+          <a:prstGeom prst="rect">
+            <a:avLst/>
+          </a:prstGeom>
+        </p:spPr>
+      </p:pic>
+      <p:pic>
+        <p:nvPicPr>
+          <p:cNvPr id="12" name="Image 11">
+            <a:extLst>
+              <a:ext uri="{FF2B5EF4-FFF2-40B4-BE49-F238E27FC236}">
+                <a16:creationId xmlns:a16="http://schemas.microsoft.com/office/drawing/2014/main" id="{938BDA27-8267-6B95-5889-ADFE60F35B98}"/>
+              </a:ext>
+            </a:extLst>
+          </p:cNvPr>
+          <p:cNvPicPr>
+            <a:picLocks noChangeAspect="1"/>
+          </p:cNvPicPr>
+          <p:nvPr/>
+        </p:nvPicPr>
+        <p:blipFill>
+          <a:blip r:embed="rId5"/>
+          <a:stretch>
+            <a:fillRect/>
+          </a:stretch>
+        </p:blipFill>
+        <p:spPr>
+          <a:xfrm>
+            <a:off x="5014708" y="2282007"/>
+            <a:ext cx="1242531" cy="2581257"/>
+          </a:xfrm>
+          <a:prstGeom prst="rect">
+            <a:avLst/>
+          </a:prstGeom>
+        </p:spPr>
+      </p:pic>
+      <p:pic>
+        <p:nvPicPr>
+          <p:cNvPr id="14" name="Image 13">
+            <a:extLst>
+              <a:ext uri="{FF2B5EF4-FFF2-40B4-BE49-F238E27FC236}">
+                <a16:creationId xmlns:a16="http://schemas.microsoft.com/office/drawing/2014/main" id="{A94AD756-9D1C-22DC-DB2B-EA9367F03D68}"/>
+              </a:ext>
+            </a:extLst>
+          </p:cNvPr>
+          <p:cNvPicPr>
+            <a:picLocks noChangeAspect="1"/>
+          </p:cNvPicPr>
+          <p:nvPr/>
+        </p:nvPicPr>
+        <p:blipFill>
+          <a:blip r:embed="rId6"/>
+          <a:stretch>
+            <a:fillRect/>
+          </a:stretch>
+        </p:blipFill>
+        <p:spPr>
+          <a:xfrm>
+            <a:off x="1438833" y="1756679"/>
+            <a:ext cx="2041485" cy="297304"/>
+          </a:xfrm>
+          <a:prstGeom prst="rect">
+            <a:avLst/>
+          </a:prstGeom>
+        </p:spPr>
+      </p:pic>
+      <p:pic>
+        <p:nvPicPr>
+          <p:cNvPr id="17" name="Google Shape;63;p14">
+            <a:extLst>
+              <a:ext uri="{FF2B5EF4-FFF2-40B4-BE49-F238E27FC236}">
+                <a16:creationId xmlns:a16="http://schemas.microsoft.com/office/drawing/2014/main" id="{995A8493-BC40-769B-045A-97B1E7FCDC08}"/>
+              </a:ext>
+            </a:extLst>
+          </p:cNvPr>
+          <p:cNvPicPr preferRelativeResize="0"/>
+          <p:nvPr/>
+        </p:nvPicPr>
+        <p:blipFill>
+          <a:blip r:embed="rId7">
+            <a:alphaModFix/>
+          </a:blip>
+          <a:stretch>
+            <a:fillRect/>
+          </a:stretch>
+        </p:blipFill>
+        <p:spPr>
+          <a:xfrm>
+            <a:off x="219685" y="280236"/>
+            <a:ext cx="576900" cy="385904"/>
+          </a:xfrm>
+          <a:prstGeom prst="rect">
+            <a:avLst/>
+          </a:prstGeom>
+          <a:noFill/>
+          <a:ln>
+            <a:noFill/>
+          </a:ln>
+        </p:spPr>
+      </p:pic>
+      <p:sp>
+        <p:nvSpPr>
+          <p:cNvPr id="18" name="Google Shape;76;p15">
+            <a:extLst>
+              <a:ext uri="{FF2B5EF4-FFF2-40B4-BE49-F238E27FC236}">
+                <a16:creationId xmlns:a16="http://schemas.microsoft.com/office/drawing/2014/main" id="{D488DAF3-2C0F-3308-A5B4-DECCEF6E56A2}"/>
+              </a:ext>
+            </a:extLst>
+          </p:cNvPr>
+          <p:cNvSpPr/>
+          <p:nvPr/>
+        </p:nvSpPr>
+        <p:spPr>
+          <a:xfrm>
+            <a:off x="10225" y="4892025"/>
+            <a:ext cx="9144000" cy="251400"/>
+          </a:xfrm>
+          <a:prstGeom prst="rect">
+            <a:avLst/>
+          </a:prstGeom>
+          <a:solidFill>
+            <a:srgbClr val="C3FFFC"/>
+          </a:solidFill>
+          <a:ln>
+            <a:noFill/>
+          </a:ln>
+        </p:spPr>
+        <p:txBody>
+          <a:bodyPr spcFirstLastPara="1" wrap="square" lIns="91425" tIns="91425" rIns="91425" bIns="91425" anchor="ctr" anchorCtr="0">
+            <a:noAutofit/>
+          </a:bodyPr>
+          <a:lstStyle/>
+          <a:p>
+            <a:pPr marL="0" lvl="0" indent="0" algn="l" rtl="0">
+              <a:spcBef>
+                <a:spcPts val="0"/>
+              </a:spcBef>
+              <a:spcAft>
+                <a:spcPts val="0"/>
+              </a:spcAft>
+              <a:buNone/>
+            </a:pPr>
+            <a:endParaRPr/>
+          </a:p>
+        </p:txBody>
+      </p:sp>
+      <p:pic>
+        <p:nvPicPr>
+          <p:cNvPr id="16" name="Image 15">
+            <a:extLst>
+              <a:ext uri="{FF2B5EF4-FFF2-40B4-BE49-F238E27FC236}">
+                <a16:creationId xmlns:a16="http://schemas.microsoft.com/office/drawing/2014/main" id="{9DC742C1-E5A1-71A1-5DE1-8A1B7EE3CDC3}"/>
+              </a:ext>
+            </a:extLst>
+          </p:cNvPr>
+          <p:cNvPicPr>
+            <a:picLocks noChangeAspect="1"/>
+          </p:cNvPicPr>
+          <p:nvPr/>
+        </p:nvPicPr>
+        <p:blipFill>
+          <a:blip r:embed="rId8"/>
+          <a:stretch>
+            <a:fillRect/>
+          </a:stretch>
+        </p:blipFill>
+        <p:spPr>
+          <a:xfrm>
+            <a:off x="7375712" y="4739133"/>
+            <a:ext cx="1627094" cy="327024"/>
+          </a:xfrm>
+          <a:prstGeom prst="rect">
+            <a:avLst/>
+          </a:prstGeom>
+        </p:spPr>
+      </p:pic>
+    </p:spTree>
+    <p:extLst>
+      <p:ext uri="{BB962C8B-B14F-4D97-AF65-F5344CB8AC3E}">
+        <p14:creationId xmlns:p14="http://schemas.microsoft.com/office/powerpoint/2010/main" val="509334578"/>
+      </p:ext>
+    </p:extLst>
+  </p:cSld>
+  <p:clrMapOvr>
+    <a:masterClrMapping/>
+  </p:clrMapOvr>
+</p:sld>
+</file>
+
+<file path=ppt/slides/slide8.xml><?xml version="1.0" encoding="utf-8"?>
 <p:sld xmlns:a="http://schemas.openxmlformats.org/drawingml/2006/main" xmlns:r="http://schemas.openxmlformats.org/officeDocument/2006/relationships" xmlns:p="http://schemas.openxmlformats.org/presentationml/2006/main">
   <p:cSld>
     <p:spTree>
@@ -8265,7 +11073,7 @@
         </p:nvSpPr>
         <p:spPr>
           <a:xfrm>
-            <a:off x="1878325" y="327102"/>
+            <a:off x="1629555" y="482956"/>
             <a:ext cx="5315100" cy="385800"/>
           </a:xfrm>
           <a:prstGeom prst="rect">
@@ -8282,144 +11090,29 @@
           </a:bodyPr>
           <a:lstStyle/>
           <a:p>
-            <a:pPr marL="0" marR="0" lvl="0" indent="0" algn="ctr" rtl="0">
-              <a:lnSpc>
-                <a:spcPct val="100000"/>
-              </a:lnSpc>
-              <a:spcBef>
-                <a:spcPts val="0"/>
-              </a:spcBef>
-              <a:spcAft>
-                <a:spcPts val="0"/>
-              </a:spcAft>
-              <a:buClr>
-                <a:schemeClr val="dk1"/>
-              </a:buClr>
-              <a:buSzPts val="2800"/>
-              <a:buFont typeface="Arial"/>
-              <a:buNone/>
-            </a:pPr>
-            <a:r>
-              <a:rPr lang="fr" sz="1600">
+            <a:pPr marL="0" lvl="0" indent="0"/>
+            <a:r>
+              <a:rPr lang="fr" sz="2500" dirty="0">
                 <a:solidFill>
                   <a:srgbClr val="0E3449"/>
                 </a:solidFill>
-                <a:latin typeface="Inter"/>
-                <a:ea typeface="Inter"/>
-                <a:cs typeface="Inter"/>
+                <a:latin typeface="Inter SemiBold"/>
+                <a:ea typeface="Inter SemiBold"/>
                 <a:sym typeface="Inter"/>
               </a:rPr>
-              <a:t>Title or Graph</a:t>
-            </a:r>
-            <a:endParaRPr sz="1600" b="0" i="0" u="none" strike="noStrike" cap="none">
+              <a:t>Conclusion</a:t>
+            </a:r>
+            <a:endParaRPr sz="2500" dirty="0">
               <a:solidFill>
                 <a:srgbClr val="0E3449"/>
               </a:solidFill>
-              <a:latin typeface="Inter"/>
-              <a:ea typeface="Inter"/>
-              <a:cs typeface="Inter"/>
+              <a:latin typeface="Inter SemiBold"/>
+              <a:ea typeface="Inter SemiBold"/>
               <a:sym typeface="Inter"/>
             </a:endParaRPr>
           </a:p>
         </p:txBody>
       </p:sp>
-      <p:sp>
-        <p:nvSpPr>
-          <p:cNvPr id="96" name="Google Shape;96;p17"/>
-          <p:cNvSpPr txBox="1">
-            <a:spLocks noGrp="1"/>
-          </p:cNvSpPr>
-          <p:nvPr>
-            <p:ph type="ctrTitle" idx="4294967295"/>
-          </p:nvPr>
-        </p:nvSpPr>
-        <p:spPr>
-          <a:xfrm>
-            <a:off x="649380" y="4468336"/>
-            <a:ext cx="7773000" cy="314700"/>
-          </a:xfrm>
-          <a:prstGeom prst="rect">
-            <a:avLst/>
-          </a:prstGeom>
-          <a:noFill/>
-          <a:ln>
-            <a:noFill/>
-          </a:ln>
-        </p:spPr>
-        <p:txBody>
-          <a:bodyPr spcFirstLastPara="1" wrap="square" lIns="91425" tIns="91425" rIns="91425" bIns="91425" anchor="t" anchorCtr="0">
-            <a:noAutofit/>
-          </a:bodyPr>
-          <a:lstStyle/>
-          <a:p>
-            <a:pPr marL="0" marR="0" lvl="0" indent="0" algn="ctr" rtl="0">
-              <a:lnSpc>
-                <a:spcPct val="100000"/>
-              </a:lnSpc>
-              <a:spcBef>
-                <a:spcPts val="0"/>
-              </a:spcBef>
-              <a:spcAft>
-                <a:spcPts val="0"/>
-              </a:spcAft>
-              <a:buClr>
-                <a:schemeClr val="dk1"/>
-              </a:buClr>
-              <a:buSzPts val="2800"/>
-              <a:buFont typeface="Arial"/>
-              <a:buNone/>
-            </a:pPr>
-            <a:r>
-              <a:rPr lang="fr" sz="1000">
-                <a:solidFill>
-                  <a:srgbClr val="4B5258"/>
-                </a:solidFill>
-                <a:latin typeface="Inter"/>
-                <a:ea typeface="Inter"/>
-                <a:cs typeface="Inter"/>
-                <a:sym typeface="Inter"/>
-              </a:rPr>
-              <a:t>Legend</a:t>
-            </a:r>
-            <a:endParaRPr sz="1000" b="0" i="0" u="none" strike="noStrike" cap="none">
-              <a:solidFill>
-                <a:srgbClr val="4B5258"/>
-              </a:solidFill>
-              <a:latin typeface="Inter"/>
-              <a:ea typeface="Inter"/>
-              <a:cs typeface="Inter"/>
-              <a:sym typeface="Inter"/>
-            </a:endParaRPr>
-          </a:p>
-        </p:txBody>
-      </p:sp>
-      <p:pic>
-        <p:nvPicPr>
-          <p:cNvPr id="97" name="Google Shape;97;p17"/>
-          <p:cNvPicPr preferRelativeResize="0"/>
-          <p:nvPr/>
-        </p:nvPicPr>
-        <p:blipFill rotWithShape="1">
-          <a:blip r:embed="rId4">
-            <a:alphaModFix/>
-          </a:blip>
-          <a:srcRect/>
-          <a:stretch/>
-        </p:blipFill>
-        <p:spPr>
-          <a:xfrm>
-            <a:off x="1864394" y="821887"/>
-            <a:ext cx="5411825" cy="3607892"/>
-          </a:xfrm>
-          <a:prstGeom prst="rect">
-            <a:avLst/>
-          </a:prstGeom>
-          <a:noFill/>
-          <a:ln>
-            <a:noFill/>
-          </a:ln>
-        </p:spPr>
-      </p:pic>
       <p:sp>
         <p:nvSpPr>
           <p:cNvPr id="98" name="Google Shape;98;p17"/>
@@ -8476,6 +11169,228 @@
           </a:p>
         </p:txBody>
       </p:sp>
+      <p:pic>
+        <p:nvPicPr>
+          <p:cNvPr id="2" name="Image 1">
+            <a:extLst>
+              <a:ext uri="{FF2B5EF4-FFF2-40B4-BE49-F238E27FC236}">
+                <a16:creationId xmlns:a16="http://schemas.microsoft.com/office/drawing/2014/main" id="{93E47F2F-4203-0E07-04CC-D94A787EECC1}"/>
+              </a:ext>
+            </a:extLst>
+          </p:cNvPr>
+          <p:cNvPicPr>
+            <a:picLocks noChangeAspect="1"/>
+          </p:cNvPicPr>
+          <p:nvPr/>
+        </p:nvPicPr>
+        <p:blipFill>
+          <a:blip r:embed="rId4"/>
+          <a:stretch>
+            <a:fillRect/>
+          </a:stretch>
+        </p:blipFill>
+        <p:spPr>
+          <a:xfrm>
+            <a:off x="7503459" y="4715993"/>
+            <a:ext cx="1569866" cy="315522"/>
+          </a:xfrm>
+          <a:prstGeom prst="rect">
+            <a:avLst/>
+          </a:prstGeom>
+        </p:spPr>
+      </p:pic>
+      <p:sp>
+        <p:nvSpPr>
+          <p:cNvPr id="5" name="ZoneTexte 4">
+            <a:extLst>
+              <a:ext uri="{FF2B5EF4-FFF2-40B4-BE49-F238E27FC236}">
+                <a16:creationId xmlns:a16="http://schemas.microsoft.com/office/drawing/2014/main" id="{0788F1C5-B201-D8B5-C39B-81245896327D}"/>
+              </a:ext>
+            </a:extLst>
+          </p:cNvPr>
+          <p:cNvSpPr txBox="1"/>
+          <p:nvPr/>
+        </p:nvSpPr>
+        <p:spPr>
+          <a:xfrm>
+            <a:off x="1040274" y="1714500"/>
+            <a:ext cx="7222943" cy="2031325"/>
+          </a:xfrm>
+          <a:prstGeom prst="rect">
+            <a:avLst/>
+          </a:prstGeom>
+          <a:noFill/>
+        </p:spPr>
+        <p:txBody>
+          <a:bodyPr wrap="square" rtlCol="0">
+            <a:spAutoFit/>
+          </a:bodyPr>
+          <a:lstStyle/>
+          <a:p>
+            <a:pPr lvl="0" eaLnBrk="0" fontAlgn="base" hangingPunct="0">
+              <a:spcBef>
+                <a:spcPct val="0"/>
+              </a:spcBef>
+              <a:spcAft>
+                <a:spcPct val="0"/>
+              </a:spcAft>
+              <a:buClrTx/>
+              <a:buFontTx/>
+              <a:buChar char="•"/>
+            </a:pPr>
+            <a:r>
+              <a:rPr lang="fr-FR" altLang="fr-FR" dirty="0">
+                <a:solidFill>
+                  <a:schemeClr val="tx1"/>
+                </a:solidFill>
+                <a:latin typeface="Arial" panose="020B0604020202020204" pitchFamily="34" charset="0"/>
+              </a:rPr>
+              <a:t> Transformation de données brutes (API, </a:t>
+            </a:r>
+            <a:r>
+              <a:rPr lang="fr-FR" altLang="fr-FR" dirty="0" err="1">
+                <a:solidFill>
+                  <a:schemeClr val="tx1"/>
+                </a:solidFill>
+                <a:latin typeface="Arial" panose="020B0604020202020204" pitchFamily="34" charset="0"/>
+              </a:rPr>
+              <a:t>scraping</a:t>
+            </a:r>
+            <a:r>
+              <a:rPr lang="fr-FR" altLang="fr-FR" dirty="0">
+                <a:solidFill>
+                  <a:schemeClr val="tx1"/>
+                </a:solidFill>
+                <a:latin typeface="Arial" panose="020B0604020202020204" pitchFamily="34" charset="0"/>
+              </a:rPr>
+              <a:t>) en informations exploitables</a:t>
+            </a:r>
+          </a:p>
+          <a:p>
+            <a:pPr lvl="0" eaLnBrk="0" fontAlgn="base" hangingPunct="0">
+              <a:spcBef>
+                <a:spcPct val="0"/>
+              </a:spcBef>
+              <a:spcAft>
+                <a:spcPct val="0"/>
+              </a:spcAft>
+              <a:buClrTx/>
+              <a:buFontTx/>
+              <a:buChar char="•"/>
+            </a:pPr>
+            <a:endParaRPr lang="fr-FR" altLang="fr-FR" dirty="0">
+              <a:solidFill>
+                <a:schemeClr val="tx1"/>
+              </a:solidFill>
+              <a:latin typeface="Arial" panose="020B0604020202020204" pitchFamily="34" charset="0"/>
+            </a:endParaRPr>
+          </a:p>
+          <a:p>
+            <a:pPr lvl="0" eaLnBrk="0" fontAlgn="base" hangingPunct="0">
+              <a:spcBef>
+                <a:spcPct val="0"/>
+              </a:spcBef>
+              <a:spcAft>
+                <a:spcPct val="0"/>
+              </a:spcAft>
+              <a:buClrTx/>
+              <a:buFontTx/>
+              <a:buChar char="•"/>
+            </a:pPr>
+            <a:r>
+              <a:rPr lang="fr-FR" altLang="fr-FR" dirty="0">
+                <a:solidFill>
+                  <a:schemeClr val="tx1"/>
+                </a:solidFill>
+                <a:latin typeface="Arial" panose="020B0604020202020204" pitchFamily="34" charset="0"/>
+              </a:rPr>
+              <a:t> Pipeline complet : extraction → nettoyage → stockage → base de données → visualisation</a:t>
+            </a:r>
+          </a:p>
+          <a:p>
+            <a:pPr lvl="0" eaLnBrk="0" fontAlgn="base" hangingPunct="0">
+              <a:spcBef>
+                <a:spcPct val="0"/>
+              </a:spcBef>
+              <a:spcAft>
+                <a:spcPct val="0"/>
+              </a:spcAft>
+              <a:buClrTx/>
+              <a:buFontTx/>
+              <a:buChar char="•"/>
+            </a:pPr>
+            <a:endParaRPr lang="fr-FR" altLang="fr-FR" dirty="0">
+              <a:solidFill>
+                <a:schemeClr val="tx1"/>
+              </a:solidFill>
+              <a:latin typeface="Arial" panose="020B0604020202020204" pitchFamily="34" charset="0"/>
+            </a:endParaRPr>
+          </a:p>
+          <a:p>
+            <a:pPr lvl="0" eaLnBrk="0" fontAlgn="base" hangingPunct="0">
+              <a:spcBef>
+                <a:spcPct val="0"/>
+              </a:spcBef>
+              <a:spcAft>
+                <a:spcPct val="0"/>
+              </a:spcAft>
+              <a:buClrTx/>
+              <a:buFontTx/>
+              <a:buChar char="•"/>
+            </a:pPr>
+            <a:r>
+              <a:rPr lang="fr-FR" altLang="fr-FR" dirty="0">
+                <a:solidFill>
+                  <a:schemeClr val="tx1"/>
+                </a:solidFill>
+                <a:latin typeface="Arial" panose="020B0604020202020204" pitchFamily="34" charset="0"/>
+              </a:rPr>
+              <a:t> Résultats : top 5 des destinations les plus chaudes, top 20 des meilleurs hôtels sur carte interactive</a:t>
+            </a:r>
+          </a:p>
+          <a:p>
+            <a:pPr lvl="0" eaLnBrk="0" fontAlgn="base" hangingPunct="0">
+              <a:spcBef>
+                <a:spcPct val="0"/>
+              </a:spcBef>
+              <a:spcAft>
+                <a:spcPct val="0"/>
+              </a:spcAft>
+              <a:buClrTx/>
+              <a:buFontTx/>
+              <a:buChar char="•"/>
+            </a:pPr>
+            <a:endParaRPr lang="fr-FR" altLang="fr-FR" dirty="0">
+              <a:solidFill>
+                <a:schemeClr val="tx1"/>
+              </a:solidFill>
+              <a:latin typeface="Arial" panose="020B0604020202020204" pitchFamily="34" charset="0"/>
+            </a:endParaRPr>
+          </a:p>
+          <a:p>
+            <a:pPr lvl="0" eaLnBrk="0" fontAlgn="base" hangingPunct="0">
+              <a:spcBef>
+                <a:spcPct val="0"/>
+              </a:spcBef>
+              <a:spcAft>
+                <a:spcPct val="0"/>
+              </a:spcAft>
+              <a:buClrTx/>
+              <a:buFontTx/>
+              <a:buChar char="•"/>
+            </a:pPr>
+            <a:r>
+              <a:rPr lang="fr-FR" altLang="fr-FR" dirty="0">
+                <a:solidFill>
+                  <a:schemeClr val="tx1"/>
+                </a:solidFill>
+                <a:latin typeface="Arial" panose="020B0604020202020204" pitchFamily="34" charset="0"/>
+              </a:rPr>
+              <a:t> Valeur ajoutée : outil visuel et intuitif pour l’aide à la décision touristique</a:t>
+            </a:r>
+          </a:p>
+        </p:txBody>
+      </p:sp>
     </p:spTree>
   </p:cSld>
   <p:clrMapOvr>
@@ -8484,20 +11399,18 @@
 </p:sld>
 </file>
 
-<file path=ppt/slides/slide7.xml><?xml version="1.0" encoding="utf-8"?>
+<file path=ppt/slides/slide9.xml><?xml version="1.0" encoding="utf-8"?>
 <p:sld xmlns:a="http://schemas.openxmlformats.org/drawingml/2006/main" xmlns:r="http://schemas.openxmlformats.org/officeDocument/2006/relationships" xmlns:p="http://schemas.openxmlformats.org/presentationml/2006/main">
   <p:cSld>
-    <p:bg>
-      <p:bgPr>
-        <a:solidFill>
-          <a:srgbClr val="145774"/>
-        </a:solidFill>
-        <a:effectLst/>
-      </p:bgPr>
-    </p:bg>
     <p:spTree>
       <p:nvGrpSpPr>
-        <p:cNvPr id="1" name="Shape 102"/>
+        <p:cNvPr id="1" name="Shape 93">
+          <a:extLst>
+            <a:ext uri="{FF2B5EF4-FFF2-40B4-BE49-F238E27FC236}">
+              <a16:creationId xmlns:a16="http://schemas.microsoft.com/office/drawing/2014/main" id="{4202351C-524C-6D2F-4500-8760EE13620D}"/>
+            </a:ext>
+          </a:extLst>
+        </p:cNvPr>
         <p:cNvGrpSpPr/>
         <p:nvPr/>
       </p:nvGrpSpPr>
@@ -8509,149 +11422,15 @@
           <a:chExt cx="0" cy="0"/>
         </a:xfrm>
       </p:grpSpPr>
-      <p:sp>
-        <p:nvSpPr>
-          <p:cNvPr id="103" name="Google Shape;103;p18"/>
-          <p:cNvSpPr txBox="1">
-            <a:spLocks noGrp="1"/>
-          </p:cNvSpPr>
-          <p:nvPr>
-            <p:ph type="ctrTitle" idx="4294967295"/>
-          </p:nvPr>
-        </p:nvSpPr>
-        <p:spPr>
-          <a:xfrm>
-            <a:off x="1390625" y="1039500"/>
-            <a:ext cx="6362700" cy="3188700"/>
-          </a:xfrm>
-          <a:prstGeom prst="rect">
-            <a:avLst/>
-          </a:prstGeom>
-          <a:noFill/>
-          <a:ln>
-            <a:noFill/>
-          </a:ln>
-        </p:spPr>
-        <p:txBody>
-          <a:bodyPr spcFirstLastPara="1" wrap="square" lIns="91425" tIns="91425" rIns="91425" bIns="91425" anchor="ctr" anchorCtr="0">
-            <a:noAutofit/>
-          </a:bodyPr>
-          <a:lstStyle/>
-          <a:p>
-            <a:pPr marL="0" marR="0" lvl="0" indent="0" algn="ctr" rtl="0">
-              <a:lnSpc>
-                <a:spcPct val="100000"/>
-              </a:lnSpc>
-              <a:spcBef>
-                <a:spcPts val="0"/>
-              </a:spcBef>
-              <a:spcAft>
-                <a:spcPts val="0"/>
-              </a:spcAft>
-              <a:buClr>
-                <a:schemeClr val="dk1"/>
-              </a:buClr>
-              <a:buSzPts val="2800"/>
-              <a:buFont typeface="Arial"/>
-              <a:buNone/>
-            </a:pPr>
-            <a:r>
-              <a:rPr lang="fr" sz="3200" b="0" i="0" u="none" strike="noStrike" cap="none">
-                <a:solidFill>
-                  <a:srgbClr val="FFFFFF"/>
-                </a:solidFill>
-                <a:latin typeface="Libre Baskerville"/>
-                <a:ea typeface="Libre Baskerville"/>
-                <a:cs typeface="Libre Baskerville"/>
-                <a:sym typeface="Libre Baskerville"/>
-              </a:rPr>
-              <a:t>“Citation ou mise en exergue”</a:t>
-            </a:r>
-            <a:endParaRPr sz="3200" b="0" i="0" u="none" strike="noStrike" cap="none">
-              <a:solidFill>
-                <a:srgbClr val="FFFFFF"/>
-              </a:solidFill>
-              <a:latin typeface="Libre Baskerville"/>
-              <a:ea typeface="Libre Baskerville"/>
-              <a:cs typeface="Libre Baskerville"/>
-              <a:sym typeface="Libre Baskerville"/>
-            </a:endParaRPr>
-          </a:p>
-        </p:txBody>
-      </p:sp>
-      <p:sp>
-        <p:nvSpPr>
-          <p:cNvPr id="104" name="Google Shape;104;p18"/>
-          <p:cNvSpPr txBox="1">
-            <a:spLocks noGrp="1"/>
-          </p:cNvSpPr>
-          <p:nvPr>
-            <p:ph type="ctrTitle" idx="4294967295"/>
-          </p:nvPr>
-        </p:nvSpPr>
-        <p:spPr>
-          <a:xfrm>
-            <a:off x="463375" y="4530825"/>
-            <a:ext cx="8145000" cy="329700"/>
-          </a:xfrm>
-          <a:prstGeom prst="rect">
-            <a:avLst/>
-          </a:prstGeom>
-          <a:noFill/>
-          <a:ln>
-            <a:noFill/>
-          </a:ln>
-        </p:spPr>
-        <p:txBody>
-          <a:bodyPr spcFirstLastPara="1" wrap="square" lIns="91425" tIns="91425" rIns="91425" bIns="91425" anchor="t" anchorCtr="0">
-            <a:noAutofit/>
-          </a:bodyPr>
-          <a:lstStyle/>
-          <a:p>
-            <a:pPr marL="0" marR="0" lvl="0" indent="0" algn="ctr" rtl="0">
-              <a:lnSpc>
-                <a:spcPct val="100000"/>
-              </a:lnSpc>
-              <a:spcBef>
-                <a:spcPts val="0"/>
-              </a:spcBef>
-              <a:spcAft>
-                <a:spcPts val="0"/>
-              </a:spcAft>
-              <a:buClr>
-                <a:schemeClr val="dk1"/>
-              </a:buClr>
-              <a:buSzPts val="2800"/>
-              <a:buFont typeface="Arial"/>
-              <a:buNone/>
-            </a:pPr>
-            <a:r>
-              <a:rPr lang="fr" sz="1000" b="0" i="0" u="none" strike="noStrike" cap="none">
-                <a:solidFill>
-                  <a:srgbClr val="FFFFFF"/>
-                </a:solidFill>
-                <a:latin typeface="Inter"/>
-                <a:ea typeface="Inter"/>
-                <a:cs typeface="Inter"/>
-                <a:sym typeface="Inter"/>
-              </a:rPr>
-              <a:t>Nom de l’auteur / légende</a:t>
-            </a:r>
-            <a:endParaRPr sz="1000" b="0" i="0" u="none" strike="noStrike" cap="none">
-              <a:solidFill>
-                <a:srgbClr val="FFFFFF"/>
-              </a:solidFill>
-              <a:latin typeface="Inter"/>
-              <a:ea typeface="Inter"/>
-              <a:cs typeface="Inter"/>
-              <a:sym typeface="Inter"/>
-            </a:endParaRPr>
-          </a:p>
-        </p:txBody>
-      </p:sp>
       <p:pic>
         <p:nvPicPr>
-          <p:cNvPr id="105" name="Google Shape;105;p18"/>
+          <p:cNvPr id="94" name="Google Shape;94;p17">
+            <a:extLst>
+              <a:ext uri="{FF2B5EF4-FFF2-40B4-BE49-F238E27FC236}">
+                <a16:creationId xmlns:a16="http://schemas.microsoft.com/office/drawing/2014/main" id="{4773B2D2-E2BF-B147-BD3F-2C6161B19179}"/>
+              </a:ext>
+            </a:extLst>
+          </p:cNvPr>
           <p:cNvPicPr preferRelativeResize="0"/>
           <p:nvPr/>
         </p:nvPicPr>
@@ -8661,211 +11440,6 @@
           </a:blip>
           <a:srcRect/>
           <a:stretch/>
-        </p:blipFill>
-        <p:spPr>
-          <a:xfrm>
-            <a:off x="463375" y="482850"/>
-            <a:ext cx="576900" cy="392780"/>
-          </a:xfrm>
-          <a:prstGeom prst="rect">
-            <a:avLst/>
-          </a:prstGeom>
-          <a:noFill/>
-          <a:ln>
-            <a:noFill/>
-          </a:ln>
-        </p:spPr>
-      </p:pic>
-    </p:spTree>
-  </p:cSld>
-  <p:clrMapOvr>
-    <a:masterClrMapping/>
-  </p:clrMapOvr>
-</p:sld>
-</file>
-
-<file path=ppt/slides/slide8.xml><?xml version="1.0" encoding="utf-8"?>
-<p:sld xmlns:a="http://schemas.openxmlformats.org/drawingml/2006/main" xmlns:r="http://schemas.openxmlformats.org/officeDocument/2006/relationships" xmlns:p="http://schemas.openxmlformats.org/presentationml/2006/main">
-  <p:cSld>
-    <p:bg>
-      <p:bgPr>
-        <a:solidFill>
-          <a:srgbClr val="00DBD0"/>
-        </a:solidFill>
-        <a:effectLst/>
-      </p:bgPr>
-    </p:bg>
-    <p:spTree>
-      <p:nvGrpSpPr>
-        <p:cNvPr id="1" name="Shape 109"/>
-        <p:cNvGrpSpPr/>
-        <p:nvPr/>
-      </p:nvGrpSpPr>
-      <p:grpSpPr>
-        <a:xfrm>
-          <a:off x="0" y="0"/>
-          <a:ext cx="0" cy="0"/>
-          <a:chOff x="0" y="0"/>
-          <a:chExt cx="0" cy="0"/>
-        </a:xfrm>
-      </p:grpSpPr>
-      <p:sp>
-        <p:nvSpPr>
-          <p:cNvPr id="110" name="Google Shape;110;p19"/>
-          <p:cNvSpPr txBox="1">
-            <a:spLocks noGrp="1"/>
-          </p:cNvSpPr>
-          <p:nvPr>
-            <p:ph type="ctrTitle" idx="4294967295"/>
-          </p:nvPr>
-        </p:nvSpPr>
-        <p:spPr>
-          <a:xfrm>
-            <a:off x="1235600" y="1742168"/>
-            <a:ext cx="5315100" cy="698400"/>
-          </a:xfrm>
-          <a:prstGeom prst="rect">
-            <a:avLst/>
-          </a:prstGeom>
-        </p:spPr>
-        <p:txBody>
-          <a:bodyPr spcFirstLastPara="1" wrap="square" lIns="91425" tIns="91425" rIns="91425" bIns="91425" anchor="t" anchorCtr="0">
-            <a:noAutofit/>
-          </a:bodyPr>
-          <a:lstStyle/>
-          <a:p>
-            <a:pPr marL="0" lvl="0" indent="0" algn="l" rtl="0">
-              <a:spcBef>
-                <a:spcPts val="0"/>
-              </a:spcBef>
-              <a:spcAft>
-                <a:spcPts val="0"/>
-              </a:spcAft>
-              <a:buNone/>
-            </a:pPr>
-            <a:r>
-              <a:rPr lang="fr" sz="5600" b="1">
-                <a:solidFill>
-                  <a:srgbClr val="0E3449"/>
-                </a:solidFill>
-                <a:latin typeface="Inter"/>
-                <a:ea typeface="Inter"/>
-                <a:cs typeface="Inter"/>
-                <a:sym typeface="Inter"/>
-              </a:rPr>
-              <a:t>Thanks! </a:t>
-            </a:r>
-            <a:endParaRPr sz="5600" b="1">
-              <a:solidFill>
-                <a:srgbClr val="0E3449"/>
-              </a:solidFill>
-              <a:latin typeface="Inter"/>
-              <a:ea typeface="Inter"/>
-              <a:cs typeface="Inter"/>
-              <a:sym typeface="Inter"/>
-            </a:endParaRPr>
-          </a:p>
-        </p:txBody>
-      </p:sp>
-      <p:pic>
-        <p:nvPicPr>
-          <p:cNvPr id="111" name="Google Shape;111;p19"/>
-          <p:cNvPicPr preferRelativeResize="0"/>
-          <p:nvPr/>
-        </p:nvPicPr>
-        <p:blipFill>
-          <a:blip r:embed="rId3">
-            <a:alphaModFix/>
-          </a:blip>
-          <a:stretch>
-            <a:fillRect/>
-          </a:stretch>
-        </p:blipFill>
-        <p:spPr>
-          <a:xfrm>
-            <a:off x="3918625" y="3006625"/>
-            <a:ext cx="4599299" cy="2136876"/>
-          </a:xfrm>
-          <a:prstGeom prst="rect">
-            <a:avLst/>
-          </a:prstGeom>
-          <a:noFill/>
-          <a:ln>
-            <a:noFill/>
-          </a:ln>
-        </p:spPr>
-      </p:pic>
-      <p:sp>
-        <p:nvSpPr>
-          <p:cNvPr id="112" name="Google Shape;112;p19"/>
-          <p:cNvSpPr txBox="1">
-            <a:spLocks noGrp="1"/>
-          </p:cNvSpPr>
-          <p:nvPr>
-            <p:ph type="ctrTitle" idx="4294967295"/>
-          </p:nvPr>
-        </p:nvSpPr>
-        <p:spPr>
-          <a:xfrm>
-            <a:off x="1274764" y="2606043"/>
-            <a:ext cx="5315100" cy="698400"/>
-          </a:xfrm>
-          <a:prstGeom prst="rect">
-            <a:avLst/>
-          </a:prstGeom>
-        </p:spPr>
-        <p:txBody>
-          <a:bodyPr spcFirstLastPara="1" wrap="square" lIns="91425" tIns="91425" rIns="91425" bIns="91425" anchor="t" anchorCtr="0">
-            <a:noAutofit/>
-          </a:bodyPr>
-          <a:lstStyle/>
-          <a:p>
-            <a:pPr marL="0" lvl="0" indent="0" algn="l" rtl="0">
-              <a:spcBef>
-                <a:spcPts val="0"/>
-              </a:spcBef>
-              <a:spcAft>
-                <a:spcPts val="0"/>
-              </a:spcAft>
-              <a:buNone/>
-            </a:pPr>
-            <a:r>
-              <a:rPr lang="fr" sz="2400">
-                <a:solidFill>
-                  <a:srgbClr val="0E3449"/>
-                </a:solidFill>
-                <a:latin typeface="Inter Medium"/>
-                <a:ea typeface="Inter Medium"/>
-                <a:cs typeface="Inter Medium"/>
-                <a:sym typeface="Inter Medium"/>
-              </a:rPr>
-              <a:t>See you in the next course</a:t>
-            </a:r>
-            <a:endParaRPr sz="2400">
-              <a:solidFill>
-                <a:srgbClr val="0E3449"/>
-              </a:solidFill>
-              <a:latin typeface="Inter Medium"/>
-              <a:ea typeface="Inter Medium"/>
-              <a:cs typeface="Inter Medium"/>
-              <a:sym typeface="Inter Medium"/>
-            </a:endParaRPr>
-          </a:p>
-        </p:txBody>
-      </p:sp>
-      <p:pic>
-        <p:nvPicPr>
-          <p:cNvPr id="113" name="Google Shape;113;p19"/>
-          <p:cNvPicPr preferRelativeResize="0"/>
-          <p:nvPr/>
-        </p:nvPicPr>
-        <p:blipFill>
-          <a:blip r:embed="rId4">
-            <a:alphaModFix/>
-          </a:blip>
-          <a:stretch>
-            <a:fillRect/>
-          </a:stretch>
         </p:blipFill>
         <p:spPr>
           <a:xfrm>
@@ -8881,7 +11455,334 @@
           </a:ln>
         </p:spPr>
       </p:pic>
+      <p:sp>
+        <p:nvSpPr>
+          <p:cNvPr id="95" name="Google Shape;95;p17">
+            <a:extLst>
+              <a:ext uri="{FF2B5EF4-FFF2-40B4-BE49-F238E27FC236}">
+                <a16:creationId xmlns:a16="http://schemas.microsoft.com/office/drawing/2014/main" id="{C9CE5213-666A-928A-45A3-9D8F934C6432}"/>
+              </a:ext>
+            </a:extLst>
+          </p:cNvPr>
+          <p:cNvSpPr txBox="1">
+            <a:spLocks noGrp="1"/>
+          </p:cNvSpPr>
+          <p:nvPr>
+            <p:ph type="ctrTitle" idx="4294967295"/>
+          </p:nvPr>
+        </p:nvSpPr>
+        <p:spPr>
+          <a:xfrm>
+            <a:off x="1629555" y="468163"/>
+            <a:ext cx="5315100" cy="385800"/>
+          </a:xfrm>
+          <a:prstGeom prst="rect">
+            <a:avLst/>
+          </a:prstGeom>
+          <a:noFill/>
+          <a:ln>
+            <a:noFill/>
+          </a:ln>
+        </p:spPr>
+        <p:txBody>
+          <a:bodyPr spcFirstLastPara="1" wrap="square" lIns="91425" tIns="91425" rIns="91425" bIns="91425" anchor="t" anchorCtr="0">
+            <a:noAutofit/>
+          </a:bodyPr>
+          <a:lstStyle/>
+          <a:p>
+            <a:pPr marL="0" lvl="0" indent="0"/>
+            <a:r>
+              <a:rPr lang="fr" sz="2500" dirty="0">
+                <a:solidFill>
+                  <a:srgbClr val="0E3449"/>
+                </a:solidFill>
+                <a:latin typeface="Inter SemiBold"/>
+                <a:ea typeface="Inter SemiBold"/>
+                <a:sym typeface="Inter"/>
+              </a:rPr>
+              <a:t>Axe Améliroation</a:t>
+            </a:r>
+            <a:endParaRPr sz="2500" dirty="0">
+              <a:solidFill>
+                <a:srgbClr val="0E3449"/>
+              </a:solidFill>
+              <a:latin typeface="Inter SemiBold"/>
+              <a:ea typeface="Inter SemiBold"/>
+              <a:sym typeface="Inter"/>
+            </a:endParaRPr>
+          </a:p>
+        </p:txBody>
+      </p:sp>
+      <p:sp>
+        <p:nvSpPr>
+          <p:cNvPr id="98" name="Google Shape;98;p17">
+            <a:extLst>
+              <a:ext uri="{FF2B5EF4-FFF2-40B4-BE49-F238E27FC236}">
+                <a16:creationId xmlns:a16="http://schemas.microsoft.com/office/drawing/2014/main" id="{241375C0-B31F-1C15-7BC1-B5DACD27A110}"/>
+              </a:ext>
+            </a:extLst>
+          </p:cNvPr>
+          <p:cNvSpPr/>
+          <p:nvPr/>
+        </p:nvSpPr>
+        <p:spPr>
+          <a:xfrm>
+            <a:off x="10225" y="4892025"/>
+            <a:ext cx="9144000" cy="251400"/>
+          </a:xfrm>
+          <a:prstGeom prst="rect">
+            <a:avLst/>
+          </a:prstGeom>
+          <a:solidFill>
+            <a:srgbClr val="C3FFFC"/>
+          </a:solidFill>
+          <a:ln>
+            <a:noFill/>
+          </a:ln>
+        </p:spPr>
+        <p:txBody>
+          <a:bodyPr spcFirstLastPara="1" wrap="square" lIns="91425" tIns="91425" rIns="91425" bIns="91425" anchor="ctr" anchorCtr="0">
+            <a:noAutofit/>
+          </a:bodyPr>
+          <a:lstStyle/>
+          <a:p>
+            <a:pPr marL="0" marR="0" lvl="0" indent="0" algn="l" rtl="0">
+              <a:lnSpc>
+                <a:spcPct val="100000"/>
+              </a:lnSpc>
+              <a:spcBef>
+                <a:spcPts val="0"/>
+              </a:spcBef>
+              <a:spcAft>
+                <a:spcPts val="0"/>
+              </a:spcAft>
+              <a:buClr>
+                <a:srgbClr val="000000"/>
+              </a:buClr>
+              <a:buSzPts val="1400"/>
+              <a:buFont typeface="Arial"/>
+              <a:buNone/>
+            </a:pPr>
+            <a:endParaRPr sz="1400" b="0" i="0" u="none" strike="noStrike" cap="none">
+              <a:solidFill>
+                <a:srgbClr val="000000"/>
+              </a:solidFill>
+              <a:latin typeface="Arial"/>
+              <a:ea typeface="Arial"/>
+              <a:cs typeface="Arial"/>
+              <a:sym typeface="Arial"/>
+            </a:endParaRPr>
+          </a:p>
+        </p:txBody>
+      </p:sp>
+      <p:pic>
+        <p:nvPicPr>
+          <p:cNvPr id="2" name="Image 1">
+            <a:extLst>
+              <a:ext uri="{FF2B5EF4-FFF2-40B4-BE49-F238E27FC236}">
+                <a16:creationId xmlns:a16="http://schemas.microsoft.com/office/drawing/2014/main" id="{BA577111-627A-05B3-1865-5DCFA0309D18}"/>
+              </a:ext>
+            </a:extLst>
+          </p:cNvPr>
+          <p:cNvPicPr>
+            <a:picLocks noChangeAspect="1"/>
+          </p:cNvPicPr>
+          <p:nvPr/>
+        </p:nvPicPr>
+        <p:blipFill>
+          <a:blip r:embed="rId4"/>
+          <a:stretch>
+            <a:fillRect/>
+          </a:stretch>
+        </p:blipFill>
+        <p:spPr>
+          <a:xfrm>
+            <a:off x="7503459" y="4715993"/>
+            <a:ext cx="1569866" cy="315522"/>
+          </a:xfrm>
+          <a:prstGeom prst="rect">
+            <a:avLst/>
+          </a:prstGeom>
+        </p:spPr>
+      </p:pic>
+      <p:sp>
+        <p:nvSpPr>
+          <p:cNvPr id="5" name="ZoneTexte 4">
+            <a:extLst>
+              <a:ext uri="{FF2B5EF4-FFF2-40B4-BE49-F238E27FC236}">
+                <a16:creationId xmlns:a16="http://schemas.microsoft.com/office/drawing/2014/main" id="{8DA52672-9551-0BD9-A0DF-64E828CD05FE}"/>
+              </a:ext>
+            </a:extLst>
+          </p:cNvPr>
+          <p:cNvSpPr txBox="1"/>
+          <p:nvPr/>
+        </p:nvSpPr>
+        <p:spPr>
+          <a:xfrm>
+            <a:off x="1040274" y="1714500"/>
+            <a:ext cx="7222943" cy="1384995"/>
+          </a:xfrm>
+          <a:prstGeom prst="rect">
+            <a:avLst/>
+          </a:prstGeom>
+          <a:noFill/>
+        </p:spPr>
+        <p:txBody>
+          <a:bodyPr wrap="square" rtlCol="0">
+            <a:spAutoFit/>
+          </a:bodyPr>
+          <a:lstStyle/>
+          <a:p>
+            <a:pPr lvl="0" eaLnBrk="0" fontAlgn="base" hangingPunct="0">
+              <a:spcBef>
+                <a:spcPct val="0"/>
+              </a:spcBef>
+              <a:spcAft>
+                <a:spcPct val="0"/>
+              </a:spcAft>
+              <a:buClrTx/>
+              <a:buFontTx/>
+              <a:buChar char="•"/>
+            </a:pPr>
+            <a:r>
+              <a:rPr lang="fr-FR" altLang="fr-FR" dirty="0">
+                <a:solidFill>
+                  <a:schemeClr val="tx1"/>
+                </a:solidFill>
+                <a:latin typeface="Arial" panose="020B0604020202020204" pitchFamily="34" charset="0"/>
+              </a:rPr>
+              <a:t> </a:t>
+            </a:r>
+            <a:r>
+              <a:rPr lang="fr-FR" dirty="0"/>
+              <a:t>Ajouter d’autres sources de données (par ex. programmation animation)</a:t>
+            </a:r>
+            <a:endParaRPr lang="fr-FR" altLang="fr-FR" dirty="0">
+              <a:solidFill>
+                <a:schemeClr val="tx1"/>
+              </a:solidFill>
+              <a:latin typeface="Arial" panose="020B0604020202020204" pitchFamily="34" charset="0"/>
+            </a:endParaRPr>
+          </a:p>
+          <a:p>
+            <a:pPr lvl="0" eaLnBrk="0" fontAlgn="base" hangingPunct="0">
+              <a:spcBef>
+                <a:spcPct val="0"/>
+              </a:spcBef>
+              <a:spcAft>
+                <a:spcPct val="0"/>
+              </a:spcAft>
+              <a:buClrTx/>
+            </a:pPr>
+            <a:endParaRPr lang="fr-FR" altLang="fr-FR" dirty="0">
+              <a:solidFill>
+                <a:schemeClr val="tx1"/>
+              </a:solidFill>
+              <a:latin typeface="Arial" panose="020B0604020202020204" pitchFamily="34" charset="0"/>
+            </a:endParaRPr>
+          </a:p>
+          <a:p>
+            <a:pPr lvl="0" eaLnBrk="0" fontAlgn="base" hangingPunct="0">
+              <a:spcBef>
+                <a:spcPct val="0"/>
+              </a:spcBef>
+              <a:spcAft>
+                <a:spcPct val="0"/>
+              </a:spcAft>
+              <a:buClrTx/>
+              <a:buFontTx/>
+              <a:buChar char="•"/>
+            </a:pPr>
+            <a:r>
+              <a:rPr lang="fr-FR" altLang="fr-FR" dirty="0">
+                <a:solidFill>
+                  <a:schemeClr val="tx1"/>
+                </a:solidFill>
+                <a:latin typeface="Arial" panose="020B0604020202020204" pitchFamily="34" charset="0"/>
+              </a:rPr>
+              <a:t> Intégrer un modèle de prédiction pour estimer la météo</a:t>
+            </a:r>
+          </a:p>
+          <a:p>
+            <a:pPr lvl="0" eaLnBrk="0" fontAlgn="base" hangingPunct="0">
+              <a:spcBef>
+                <a:spcPct val="0"/>
+              </a:spcBef>
+              <a:spcAft>
+                <a:spcPct val="0"/>
+              </a:spcAft>
+              <a:buClrTx/>
+              <a:buFontTx/>
+              <a:buChar char="•"/>
+            </a:pPr>
+            <a:endParaRPr lang="fr-FR" altLang="fr-FR" dirty="0">
+              <a:solidFill>
+                <a:schemeClr val="tx1"/>
+              </a:solidFill>
+              <a:latin typeface="Arial" panose="020B0604020202020204" pitchFamily="34" charset="0"/>
+            </a:endParaRPr>
+          </a:p>
+          <a:p>
+            <a:pPr lvl="0" eaLnBrk="0" fontAlgn="base" hangingPunct="0">
+              <a:spcBef>
+                <a:spcPct val="0"/>
+              </a:spcBef>
+              <a:spcAft>
+                <a:spcPct val="0"/>
+              </a:spcAft>
+              <a:buClrTx/>
+              <a:buFontTx/>
+              <a:buChar char="•"/>
+            </a:pPr>
+            <a:r>
+              <a:rPr lang="fr-FR" altLang="fr-FR" dirty="0">
+                <a:solidFill>
+                  <a:schemeClr val="tx1"/>
+                </a:solidFill>
+                <a:latin typeface="Arial" panose="020B0604020202020204" pitchFamily="34" charset="0"/>
+              </a:rPr>
+              <a:t> </a:t>
+            </a:r>
+            <a:r>
+              <a:rPr lang="fr-FR" dirty="0"/>
+              <a:t>Développer un tableau de bord accessible aux utilisateurs (par ex. avec </a:t>
+            </a:r>
+            <a:r>
+              <a:rPr lang="fr-FR" dirty="0" err="1"/>
+              <a:t>Streamlit</a:t>
+            </a:r>
+            <a:r>
+              <a:rPr lang="fr-FR" dirty="0"/>
+              <a:t>)</a:t>
+            </a:r>
+          </a:p>
+          <a:p>
+            <a:pPr lvl="0" eaLnBrk="0" fontAlgn="base" hangingPunct="0">
+              <a:spcBef>
+                <a:spcPct val="0"/>
+              </a:spcBef>
+              <a:spcAft>
+                <a:spcPct val="0"/>
+              </a:spcAft>
+              <a:buClrTx/>
+              <a:buFontTx/>
+              <a:buChar char="•"/>
+            </a:pPr>
+            <a:endParaRPr lang="fr-FR" altLang="fr-FR" dirty="0">
+              <a:solidFill>
+                <a:schemeClr val="tx1"/>
+              </a:solidFill>
+              <a:latin typeface="Arial" panose="020B0604020202020204" pitchFamily="34" charset="0"/>
+            </a:endParaRPr>
+          </a:p>
+        </p:txBody>
+      </p:sp>
     </p:spTree>
+    <p:extLst>
+      <p:ext uri="{BB962C8B-B14F-4D97-AF65-F5344CB8AC3E}">
+        <p14:creationId xmlns:p14="http://schemas.microsoft.com/office/powerpoint/2010/main" val="3142198948"/>
+      </p:ext>
+    </p:extLst>
   </p:cSld>
   <p:clrMapOvr>
     <a:masterClrMapping/>
